--- a/TP1_NGH_EJL.pptx
+++ b/TP1_NGH_EJL.pptx
@@ -2,7 +2,7 @@
 <file path=ppt/presentation.xml><?xml version="1.0" encoding="utf-8"?>
 <p:presentation xmlns:a="http://schemas.openxmlformats.org/drawingml/2006/main" xmlns:r="http://schemas.openxmlformats.org/officeDocument/2006/relationships" xmlns:p="http://schemas.openxmlformats.org/presentationml/2006/main" saveSubsetFonts="1">
   <p:sldMasterIdLst>
-    <p:sldMasterId id="2147483648" r:id="rId1"/>
+    <p:sldMasterId id="2147483660" r:id="rId1"/>
   </p:sldMasterIdLst>
   <p:sldIdLst>
     <p:sldId id="256" r:id="rId2"/>
@@ -25,7 +25,7 @@
     <a:defPPr>
       <a:defRPr lang="en-US"/>
     </a:defPPr>
-    <a:lvl1pPr marL="0" algn="l" defTabSz="914400" rtl="0" eaLnBrk="1" latinLnBrk="0" hangingPunct="1">
+    <a:lvl1pPr marL="0" algn="l" defTabSz="457200" rtl="0" eaLnBrk="1" latinLnBrk="0" hangingPunct="1">
       <a:defRPr sz="1800" kern="1200">
         <a:solidFill>
           <a:schemeClr val="tx1"/>
@@ -35,7 +35,7 @@
         <a:cs typeface="+mn-cs"/>
       </a:defRPr>
     </a:lvl1pPr>
-    <a:lvl2pPr marL="457200" algn="l" defTabSz="914400" rtl="0" eaLnBrk="1" latinLnBrk="0" hangingPunct="1">
+    <a:lvl2pPr marL="457200" algn="l" defTabSz="457200" rtl="0" eaLnBrk="1" latinLnBrk="0" hangingPunct="1">
       <a:defRPr sz="1800" kern="1200">
         <a:solidFill>
           <a:schemeClr val="tx1"/>
@@ -45,7 +45,7 @@
         <a:cs typeface="+mn-cs"/>
       </a:defRPr>
     </a:lvl2pPr>
-    <a:lvl3pPr marL="914400" algn="l" defTabSz="914400" rtl="0" eaLnBrk="1" latinLnBrk="0" hangingPunct="1">
+    <a:lvl3pPr marL="914400" algn="l" defTabSz="457200" rtl="0" eaLnBrk="1" latinLnBrk="0" hangingPunct="1">
       <a:defRPr sz="1800" kern="1200">
         <a:solidFill>
           <a:schemeClr val="tx1"/>
@@ -55,7 +55,7 @@
         <a:cs typeface="+mn-cs"/>
       </a:defRPr>
     </a:lvl3pPr>
-    <a:lvl4pPr marL="1371600" algn="l" defTabSz="914400" rtl="0" eaLnBrk="1" latinLnBrk="0" hangingPunct="1">
+    <a:lvl4pPr marL="1371600" algn="l" defTabSz="457200" rtl="0" eaLnBrk="1" latinLnBrk="0" hangingPunct="1">
       <a:defRPr sz="1800" kern="1200">
         <a:solidFill>
           <a:schemeClr val="tx1"/>
@@ -65,7 +65,7 @@
         <a:cs typeface="+mn-cs"/>
       </a:defRPr>
     </a:lvl4pPr>
-    <a:lvl5pPr marL="1828800" algn="l" defTabSz="914400" rtl="0" eaLnBrk="1" latinLnBrk="0" hangingPunct="1">
+    <a:lvl5pPr marL="1828800" algn="l" defTabSz="457200" rtl="0" eaLnBrk="1" latinLnBrk="0" hangingPunct="1">
       <a:defRPr sz="1800" kern="1200">
         <a:solidFill>
           <a:schemeClr val="tx1"/>
@@ -75,7 +75,7 @@
         <a:cs typeface="+mn-cs"/>
       </a:defRPr>
     </a:lvl5pPr>
-    <a:lvl6pPr marL="2286000" algn="l" defTabSz="914400" rtl="0" eaLnBrk="1" latinLnBrk="0" hangingPunct="1">
+    <a:lvl6pPr marL="2286000" algn="l" defTabSz="457200" rtl="0" eaLnBrk="1" latinLnBrk="0" hangingPunct="1">
       <a:defRPr sz="1800" kern="1200">
         <a:solidFill>
           <a:schemeClr val="tx1"/>
@@ -85,7 +85,7 @@
         <a:cs typeface="+mn-cs"/>
       </a:defRPr>
     </a:lvl6pPr>
-    <a:lvl7pPr marL="2743200" algn="l" defTabSz="914400" rtl="0" eaLnBrk="1" latinLnBrk="0" hangingPunct="1">
+    <a:lvl7pPr marL="2743200" algn="l" defTabSz="457200" rtl="0" eaLnBrk="1" latinLnBrk="0" hangingPunct="1">
       <a:defRPr sz="1800" kern="1200">
         <a:solidFill>
           <a:schemeClr val="tx1"/>
@@ -95,7 +95,7 @@
         <a:cs typeface="+mn-cs"/>
       </a:defRPr>
     </a:lvl7pPr>
-    <a:lvl8pPr marL="3200400" algn="l" defTabSz="914400" rtl="0" eaLnBrk="1" latinLnBrk="0" hangingPunct="1">
+    <a:lvl8pPr marL="3200400" algn="l" defTabSz="457200" rtl="0" eaLnBrk="1" latinLnBrk="0" hangingPunct="1">
       <a:defRPr sz="1800" kern="1200">
         <a:solidFill>
           <a:schemeClr val="tx1"/>
@@ -105,7 +105,7 @@
         <a:cs typeface="+mn-cs"/>
       </a:defRPr>
     </a:lvl8pPr>
-    <a:lvl9pPr marL="3657600" algn="l" defTabSz="914400" rtl="0" eaLnBrk="1" latinLnBrk="0" hangingPunct="1">
+    <a:lvl9pPr marL="3657600" algn="l" defTabSz="457200" rtl="0" eaLnBrk="1" latinLnBrk="0" hangingPunct="1">
       <a:defRPr sz="1800" kern="1200">
         <a:solidFill>
           <a:schemeClr val="tx1"/>
@@ -127,7 +127,7 @@
 <file path=ppt/revisionInfo.xml><?xml version="1.0" encoding="utf-8"?>
 <p1510:revInfo xmlns:a="http://schemas.openxmlformats.org/drawingml/2006/main" xmlns:r="http://schemas.openxmlformats.org/officeDocument/2006/relationships" xmlns:p1510="http://schemas.microsoft.com/office/powerpoint/2015/10/main">
   <p1510:revLst>
-    <p1510:client id="{20A0FFAD-6E73-4AC7-9C3F-9937CFBEF013}" v="30" dt="2025-02-27T05:32:37.649"/>
+    <p1510:client id="{20A0FFAD-6E73-4AC7-9C3F-9937CFBEF013}" v="38" dt="2025-03-11T12:31:44.522"/>
   </p1510:revLst>
 </p1510:revInfo>
 </file>
@@ -136,38 +136,133 @@
 <pc:chgInfo xmlns:a="http://schemas.openxmlformats.org/drawingml/2006/main" xmlns:r="http://schemas.openxmlformats.org/officeDocument/2006/relationships" xmlns:ac="http://schemas.microsoft.com/office/drawing/2013/main/command" xmlns:pc="http://schemas.microsoft.com/office/powerpoint/2013/main/command">
   <pc:docChgLst>
     <pc:chgData name="ellie landoch" userId="4aa5fccd772a899f" providerId="LiveId" clId="{20A0FFAD-6E73-4AC7-9C3F-9937CFBEF013}"/>
-    <pc:docChg chg="undo custSel addSld delSld modSld sldOrd">
-      <pc:chgData name="ellie landoch" userId="4aa5fccd772a899f" providerId="LiveId" clId="{20A0FFAD-6E73-4AC7-9C3F-9937CFBEF013}" dt="2025-02-27T05:33:18.312" v="1078" actId="2696"/>
+    <pc:docChg chg="undo redo custSel addSld delSld modSld sldOrd">
+      <pc:chgData name="ellie landoch" userId="4aa5fccd772a899f" providerId="LiveId" clId="{20A0FFAD-6E73-4AC7-9C3F-9937CFBEF013}" dt="2025-03-11T12:32:24.910" v="1535" actId="1076"/>
       <pc:docMkLst>
         <pc:docMk/>
       </pc:docMkLst>
-      <pc:sldChg chg="modSp mod">
-        <pc:chgData name="ellie landoch" userId="4aa5fccd772a899f" providerId="LiveId" clId="{20A0FFAD-6E73-4AC7-9C3F-9937CFBEF013}" dt="2025-02-27T05:12:24.958" v="235" actId="20577"/>
+      <pc:sldChg chg="addSp modSp mod setBg">
+        <pc:chgData name="ellie landoch" userId="4aa5fccd772a899f" providerId="LiveId" clId="{20A0FFAD-6E73-4AC7-9C3F-9937CFBEF013}" dt="2025-02-27T14:33:34.213" v="1110" actId="26606"/>
+        <pc:sldMkLst>
+          <pc:docMk/>
+          <pc:sldMk cId="3378928198" sldId="256"/>
+        </pc:sldMkLst>
+        <pc:spChg chg="mod">
+          <ac:chgData name="ellie landoch" userId="4aa5fccd772a899f" providerId="LiveId" clId="{20A0FFAD-6E73-4AC7-9C3F-9937CFBEF013}" dt="2025-02-27T14:33:34.213" v="1110" actId="26606"/>
+          <ac:spMkLst>
+            <pc:docMk/>
+            <pc:sldMk cId="3378928198" sldId="256"/>
+            <ac:spMk id="2" creationId="{E596A95E-B179-0CB4-5F2D-ABA0C32E093E}"/>
+          </ac:spMkLst>
+        </pc:spChg>
+        <pc:spChg chg="mod">
+          <ac:chgData name="ellie landoch" userId="4aa5fccd772a899f" providerId="LiveId" clId="{20A0FFAD-6E73-4AC7-9C3F-9937CFBEF013}" dt="2025-02-27T14:33:34.213" v="1110" actId="26606"/>
+          <ac:spMkLst>
+            <pc:docMk/>
+            <pc:sldMk cId="3378928198" sldId="256"/>
+            <ac:spMk id="3" creationId="{46AAB603-491B-E471-612D-7599D5309C80}"/>
+          </ac:spMkLst>
+        </pc:spChg>
+        <pc:spChg chg="add">
+          <ac:chgData name="ellie landoch" userId="4aa5fccd772a899f" providerId="LiveId" clId="{20A0FFAD-6E73-4AC7-9C3F-9937CFBEF013}" dt="2025-02-27T14:33:34.213" v="1110" actId="26606"/>
+          <ac:spMkLst>
+            <pc:docMk/>
+            <pc:sldMk cId="3378928198" sldId="256"/>
+            <ac:spMk id="8" creationId="{1E24A02E-5FD2-428E-A1E4-FDF96B0B6CE8}"/>
+          </ac:spMkLst>
+        </pc:spChg>
+        <pc:spChg chg="add">
+          <ac:chgData name="ellie landoch" userId="4aa5fccd772a899f" providerId="LiveId" clId="{20A0FFAD-6E73-4AC7-9C3F-9937CFBEF013}" dt="2025-02-27T14:33:34.213" v="1110" actId="26606"/>
+          <ac:spMkLst>
+            <pc:docMk/>
+            <pc:sldMk cId="3378928198" sldId="256"/>
+            <ac:spMk id="10" creationId="{2808B93E-0C39-407B-943D-71F2BAFB4CB4}"/>
+          </ac:spMkLst>
+        </pc:spChg>
+        <pc:spChg chg="add">
+          <ac:chgData name="ellie landoch" userId="4aa5fccd772a899f" providerId="LiveId" clId="{20A0FFAD-6E73-4AC7-9C3F-9937CFBEF013}" dt="2025-02-27T14:33:34.213" v="1110" actId="26606"/>
+          <ac:spMkLst>
+            <pc:docMk/>
+            <pc:sldMk cId="3378928198" sldId="256"/>
+            <ac:spMk id="12" creationId="{7C7E1896-2992-48D4-85AC-95AB8AB147EA}"/>
+          </ac:spMkLst>
+        </pc:spChg>
+      </pc:sldChg>
+      <pc:sldChg chg="addSp modSp mod setBg">
+        <pc:chgData name="ellie landoch" userId="4aa5fccd772a899f" providerId="LiveId" clId="{20A0FFAD-6E73-4AC7-9C3F-9937CFBEF013}" dt="2025-02-27T14:37:54.720" v="1120" actId="255"/>
         <pc:sldMkLst>
           <pc:docMk/>
           <pc:sldMk cId="3343846106" sldId="257"/>
         </pc:sldMkLst>
         <pc:spChg chg="mod">
-          <ac:chgData name="ellie landoch" userId="4aa5fccd772a899f" providerId="LiveId" clId="{20A0FFAD-6E73-4AC7-9C3F-9937CFBEF013}" dt="2025-02-27T05:12:24.958" v="235" actId="20577"/>
+          <ac:chgData name="ellie landoch" userId="4aa5fccd772a899f" providerId="LiveId" clId="{20A0FFAD-6E73-4AC7-9C3F-9937CFBEF013}" dt="2025-02-27T14:33:44.842" v="1111" actId="26606"/>
+          <ac:spMkLst>
+            <pc:docMk/>
+            <pc:sldMk cId="3343846106" sldId="257"/>
+            <ac:spMk id="2" creationId="{9202407D-E96F-CCB6-B7ED-5C2CBBA4BEFA}"/>
+          </ac:spMkLst>
+        </pc:spChg>
+        <pc:spChg chg="mod">
+          <ac:chgData name="ellie landoch" userId="4aa5fccd772a899f" providerId="LiveId" clId="{20A0FFAD-6E73-4AC7-9C3F-9937CFBEF013}" dt="2025-02-27T14:37:54.720" v="1120" actId="255"/>
           <ac:spMkLst>
             <pc:docMk/>
             <pc:sldMk cId="3343846106" sldId="257"/>
             <ac:spMk id="3" creationId="{FAC8DD1C-A91E-489C-9A7D-6E0C2411CBCE}"/>
           </ac:spMkLst>
         </pc:spChg>
+        <pc:spChg chg="add">
+          <ac:chgData name="ellie landoch" userId="4aa5fccd772a899f" providerId="LiveId" clId="{20A0FFAD-6E73-4AC7-9C3F-9937CFBEF013}" dt="2025-02-27T14:33:44.842" v="1111" actId="26606"/>
+          <ac:spMkLst>
+            <pc:docMk/>
+            <pc:sldMk cId="3343846106" sldId="257"/>
+            <ac:spMk id="8" creationId="{B1CCD5EF-766D-43B9-A25D-19122E5FB181}"/>
+          </ac:spMkLst>
+        </pc:spChg>
+        <pc:spChg chg="add">
+          <ac:chgData name="ellie landoch" userId="4aa5fccd772a899f" providerId="LiveId" clId="{20A0FFAD-6E73-4AC7-9C3F-9937CFBEF013}" dt="2025-02-27T14:33:44.842" v="1111" actId="26606"/>
+          <ac:spMkLst>
+            <pc:docMk/>
+            <pc:sldMk cId="3343846106" sldId="257"/>
+            <ac:spMk id="10" creationId="{FD9699C9-77F1-4E33-A750-CB78C7EA29E6}"/>
+          </ac:spMkLst>
+        </pc:spChg>
       </pc:sldChg>
-      <pc:sldChg chg="modSp mod">
-        <pc:chgData name="ellie landoch" userId="4aa5fccd772a899f" providerId="LiveId" clId="{20A0FFAD-6E73-4AC7-9C3F-9937CFBEF013}" dt="2025-02-27T05:12:53.992" v="238" actId="20577"/>
+      <pc:sldChg chg="addSp modSp mod setBg">
+        <pc:chgData name="ellie landoch" userId="4aa5fccd772a899f" providerId="LiveId" clId="{20A0FFAD-6E73-4AC7-9C3F-9937CFBEF013}" dt="2025-02-27T14:38:35.831" v="1123" actId="1076"/>
         <pc:sldMkLst>
           <pc:docMk/>
           <pc:sldMk cId="431513115" sldId="258"/>
         </pc:sldMkLst>
         <pc:spChg chg="mod">
-          <ac:chgData name="ellie landoch" userId="4aa5fccd772a899f" providerId="LiveId" clId="{20A0FFAD-6E73-4AC7-9C3F-9937CFBEF013}" dt="2025-02-27T05:12:53.992" v="238" actId="20577"/>
+          <ac:chgData name="ellie landoch" userId="4aa5fccd772a899f" providerId="LiveId" clId="{20A0FFAD-6E73-4AC7-9C3F-9937CFBEF013}" dt="2025-02-27T14:33:49.404" v="1112" actId="26606"/>
+          <ac:spMkLst>
+            <pc:docMk/>
+            <pc:sldMk cId="431513115" sldId="258"/>
+            <ac:spMk id="2" creationId="{C95CCE86-2010-FE84-C9A7-E0C5FD7C1ECC}"/>
+          </ac:spMkLst>
+        </pc:spChg>
+        <pc:spChg chg="mod">
+          <ac:chgData name="ellie landoch" userId="4aa5fccd772a899f" providerId="LiveId" clId="{20A0FFAD-6E73-4AC7-9C3F-9937CFBEF013}" dt="2025-02-27T14:38:35.831" v="1123" actId="1076"/>
           <ac:spMkLst>
             <pc:docMk/>
             <pc:sldMk cId="431513115" sldId="258"/>
             <ac:spMk id="3" creationId="{4F58618D-78A1-27D6-FB8C-0B910B9E72FE}"/>
+          </ac:spMkLst>
+        </pc:spChg>
+        <pc:spChg chg="add">
+          <ac:chgData name="ellie landoch" userId="4aa5fccd772a899f" providerId="LiveId" clId="{20A0FFAD-6E73-4AC7-9C3F-9937CFBEF013}" dt="2025-02-27T14:33:49.404" v="1112" actId="26606"/>
+          <ac:spMkLst>
+            <pc:docMk/>
+            <pc:sldMk cId="431513115" sldId="258"/>
+            <ac:spMk id="8" creationId="{B1CCD5EF-766D-43B9-A25D-19122E5FB181}"/>
+          </ac:spMkLst>
+        </pc:spChg>
+        <pc:spChg chg="add">
+          <ac:chgData name="ellie landoch" userId="4aa5fccd772a899f" providerId="LiveId" clId="{20A0FFAD-6E73-4AC7-9C3F-9937CFBEF013}" dt="2025-02-27T14:33:49.404" v="1112" actId="26606"/>
+          <ac:spMkLst>
+            <pc:docMk/>
+            <pc:sldMk cId="431513115" sldId="258"/>
+            <ac:spMk id="10" creationId="{FD9699C9-77F1-4E33-A750-CB78C7EA29E6}"/>
           </ac:spMkLst>
         </pc:spChg>
       </pc:sldChg>
@@ -184,31 +279,15 @@
           <pc:docMk/>
           <pc:sldMk cId="1846886076" sldId="260"/>
         </pc:sldMkLst>
-        <pc:spChg chg="del">
-          <ac:chgData name="ellie landoch" userId="4aa5fccd772a899f" providerId="LiveId" clId="{20A0FFAD-6E73-4AC7-9C3F-9937CFBEF013}" dt="2025-02-27T05:16:13.062" v="261" actId="478"/>
-          <ac:spMkLst>
-            <pc:docMk/>
-            <pc:sldMk cId="1846886076" sldId="260"/>
-            <ac:spMk id="3" creationId="{28A87D20-F8DA-C5A1-BAA3-5790564AE75F}"/>
-          </ac:spMkLst>
-        </pc:spChg>
-        <pc:spChg chg="add mod">
-          <ac:chgData name="ellie landoch" userId="4aa5fccd772a899f" providerId="LiveId" clId="{20A0FFAD-6E73-4AC7-9C3F-9937CFBEF013}" dt="2025-02-27T05:16:13.062" v="261" actId="478"/>
-          <ac:spMkLst>
-            <pc:docMk/>
-            <pc:sldMk cId="1846886076" sldId="260"/>
-            <ac:spMk id="5" creationId="{BF52223A-BB88-4A9B-348D-3BFE9E0C1D84}"/>
-          </ac:spMkLst>
-        </pc:spChg>
       </pc:sldChg>
-      <pc:sldChg chg="modSp mod">
-        <pc:chgData name="ellie landoch" userId="4aa5fccd772a899f" providerId="LiveId" clId="{20A0FFAD-6E73-4AC7-9C3F-9937CFBEF013}" dt="2025-02-27T05:32:12.407" v="1063" actId="27636"/>
+      <pc:sldChg chg="addSp modSp mod setBg">
+        <pc:chgData name="ellie landoch" userId="4aa5fccd772a899f" providerId="LiveId" clId="{20A0FFAD-6E73-4AC7-9C3F-9937CFBEF013}" dt="2025-02-27T14:35:52.956" v="1119" actId="26606"/>
         <pc:sldMkLst>
           <pc:docMk/>
           <pc:sldMk cId="380886422" sldId="261"/>
         </pc:sldMkLst>
         <pc:spChg chg="mod">
-          <ac:chgData name="ellie landoch" userId="4aa5fccd772a899f" providerId="LiveId" clId="{20A0FFAD-6E73-4AC7-9C3F-9937CFBEF013}" dt="2025-02-27T05:30:13.818" v="904" actId="20577"/>
+          <ac:chgData name="ellie landoch" userId="4aa5fccd772a899f" providerId="LiveId" clId="{20A0FFAD-6E73-4AC7-9C3F-9937CFBEF013}" dt="2025-02-27T14:35:52.956" v="1119" actId="26606"/>
           <ac:spMkLst>
             <pc:docMk/>
             <pc:sldMk cId="380886422" sldId="261"/>
@@ -216,11 +295,19 @@
           </ac:spMkLst>
         </pc:spChg>
         <pc:spChg chg="mod">
-          <ac:chgData name="ellie landoch" userId="4aa5fccd772a899f" providerId="LiveId" clId="{20A0FFAD-6E73-4AC7-9C3F-9937CFBEF013}" dt="2025-02-27T05:32:12.407" v="1063" actId="27636"/>
+          <ac:chgData name="ellie landoch" userId="4aa5fccd772a899f" providerId="LiveId" clId="{20A0FFAD-6E73-4AC7-9C3F-9937CFBEF013}" dt="2025-02-27T14:35:52.956" v="1119" actId="26606"/>
           <ac:spMkLst>
             <pc:docMk/>
             <pc:sldMk cId="380886422" sldId="261"/>
             <ac:spMk id="3" creationId="{76855318-8E2F-AFA3-F588-C7EBF345774F}"/>
+          </ac:spMkLst>
+        </pc:spChg>
+        <pc:spChg chg="add">
+          <ac:chgData name="ellie landoch" userId="4aa5fccd772a899f" providerId="LiveId" clId="{20A0FFAD-6E73-4AC7-9C3F-9937CFBEF013}" dt="2025-02-27T14:35:52.956" v="1119" actId="26606"/>
+          <ac:spMkLst>
+            <pc:docMk/>
+            <pc:sldMk cId="380886422" sldId="261"/>
+            <ac:spMk id="8" creationId="{AD6F6937-3B5A-4391-9F37-58A571B362A9}"/>
           </ac:spMkLst>
         </pc:spChg>
       </pc:sldChg>
@@ -237,55 +324,47 @@
           <pc:docMk/>
           <pc:sldMk cId="608379390" sldId="263"/>
         </pc:sldMkLst>
-        <pc:picChg chg="del">
-          <ac:chgData name="ellie landoch" userId="4aa5fccd772a899f" providerId="LiveId" clId="{20A0FFAD-6E73-4AC7-9C3F-9937CFBEF013}" dt="2025-02-26T20:59:33.651" v="162" actId="478"/>
-          <ac:picMkLst>
-            <pc:docMk/>
-            <pc:sldMk cId="608379390" sldId="263"/>
-            <ac:picMk id="2" creationId="{1306E55B-8EFE-0819-A014-97F035994242}"/>
-          </ac:picMkLst>
-        </pc:picChg>
-        <pc:picChg chg="add del mod">
-          <ac:chgData name="ellie landoch" userId="4aa5fccd772a899f" providerId="LiveId" clId="{20A0FFAD-6E73-4AC7-9C3F-9937CFBEF013}" dt="2025-02-26T21:01:03.222" v="187" actId="478"/>
-          <ac:picMkLst>
-            <pc:docMk/>
-            <pc:sldMk cId="608379390" sldId="263"/>
-            <ac:picMk id="4" creationId="{956AEA5F-8089-5CE8-D5F8-5C85F216F9D9}"/>
-          </ac:picMkLst>
-        </pc:picChg>
-        <pc:picChg chg="add del mod">
-          <ac:chgData name="ellie landoch" userId="4aa5fccd772a899f" providerId="LiveId" clId="{20A0FFAD-6E73-4AC7-9C3F-9937CFBEF013}" dt="2025-02-26T21:00:33.102" v="176" actId="478"/>
-          <ac:picMkLst>
-            <pc:docMk/>
-            <pc:sldMk cId="608379390" sldId="263"/>
-            <ac:picMk id="6" creationId="{E805C5F9-CFBA-B3AB-37BD-02D4242B047F}"/>
-          </ac:picMkLst>
-        </pc:picChg>
-        <pc:picChg chg="add del mod">
-          <ac:chgData name="ellie landoch" userId="4aa5fccd772a899f" providerId="LiveId" clId="{20A0FFAD-6E73-4AC7-9C3F-9937CFBEF013}" dt="2025-02-26T21:00:26.693" v="173" actId="478"/>
-          <ac:picMkLst>
-            <pc:docMk/>
-            <pc:sldMk cId="608379390" sldId="263"/>
-            <ac:picMk id="8" creationId="{2AFD4AD9-1C48-6166-1CA0-1A2F1CF208F8}"/>
-          </ac:picMkLst>
-        </pc:picChg>
       </pc:sldChg>
-      <pc:sldChg chg="addSp delSp modSp mod">
-        <pc:chgData name="ellie landoch" userId="4aa5fccd772a899f" providerId="LiveId" clId="{20A0FFAD-6E73-4AC7-9C3F-9937CFBEF013}" dt="2025-02-27T05:33:05.791" v="1077" actId="1076"/>
+      <pc:sldChg chg="addSp delSp modSp mod setBg setClrOvrMap">
+        <pc:chgData name="ellie landoch" userId="4aa5fccd772a899f" providerId="LiveId" clId="{20A0FFAD-6E73-4AC7-9C3F-9937CFBEF013}" dt="2025-02-27T14:35:05.977" v="1117" actId="26606"/>
         <pc:sldMkLst>
           <pc:docMk/>
           <pc:sldMk cId="2574118151" sldId="264"/>
         </pc:sldMkLst>
-        <pc:spChg chg="add mod">
-          <ac:chgData name="ellie landoch" userId="4aa5fccd772a899f" providerId="LiveId" clId="{20A0FFAD-6E73-4AC7-9C3F-9937CFBEF013}" dt="2025-02-27T05:32:56.169" v="1073" actId="1076"/>
+        <pc:spChg chg="add mod ord">
+          <ac:chgData name="ellie landoch" userId="4aa5fccd772a899f" providerId="LiveId" clId="{20A0FFAD-6E73-4AC7-9C3F-9937CFBEF013}" dt="2025-02-27T14:35:05.977" v="1117" actId="26606"/>
           <ac:spMkLst>
             <pc:docMk/>
             <pc:sldMk cId="2574118151" sldId="264"/>
             <ac:spMk id="4" creationId="{8D50D686-6DDA-3541-F6C8-C826EE078413}"/>
           </ac:spMkLst>
         </pc:spChg>
-        <pc:picChg chg="add mod">
-          <ac:chgData name="ellie landoch" userId="4aa5fccd772a899f" providerId="LiveId" clId="{20A0FFAD-6E73-4AC7-9C3F-9937CFBEF013}" dt="2025-02-27T05:33:05.791" v="1077" actId="1076"/>
+        <pc:spChg chg="add del">
+          <ac:chgData name="ellie landoch" userId="4aa5fccd772a899f" providerId="LiveId" clId="{20A0FFAD-6E73-4AC7-9C3F-9937CFBEF013}" dt="2025-02-27T14:35:05.977" v="1117" actId="26606"/>
+          <ac:spMkLst>
+            <pc:docMk/>
+            <pc:sldMk cId="2574118151" sldId="264"/>
+            <ac:spMk id="10" creationId="{485B976C-17EF-415B-B03C-BAF9443B9DDB}"/>
+          </ac:spMkLst>
+        </pc:spChg>
+        <pc:spChg chg="add del">
+          <ac:chgData name="ellie landoch" userId="4aa5fccd772a899f" providerId="LiveId" clId="{20A0FFAD-6E73-4AC7-9C3F-9937CFBEF013}" dt="2025-02-27T14:35:05.977" v="1117" actId="26606"/>
+          <ac:spMkLst>
+            <pc:docMk/>
+            <pc:sldMk cId="2574118151" sldId="264"/>
+            <ac:spMk id="12" creationId="{D9FD8598-76DF-4F25-98DC-C96298A94617}"/>
+          </ac:spMkLst>
+        </pc:spChg>
+        <pc:spChg chg="add del">
+          <ac:chgData name="ellie landoch" userId="4aa5fccd772a899f" providerId="LiveId" clId="{20A0FFAD-6E73-4AC7-9C3F-9937CFBEF013}" dt="2025-02-27T14:35:05.977" v="1117" actId="26606"/>
+          <ac:spMkLst>
+            <pc:docMk/>
+            <pc:sldMk cId="2574118151" sldId="264"/>
+            <ac:spMk id="14" creationId="{F889F729-ECF7-443A-9DF8-095722298C58}"/>
+          </ac:spMkLst>
+        </pc:spChg>
+        <pc:picChg chg="add mod ord">
+          <ac:chgData name="ellie landoch" userId="4aa5fccd772a899f" providerId="LiveId" clId="{20A0FFAD-6E73-4AC7-9C3F-9937CFBEF013}" dt="2025-02-27T14:35:05.977" v="1117" actId="26606"/>
           <ac:picMkLst>
             <pc:docMk/>
             <pc:sldMk cId="2574118151" sldId="264"/>
@@ -293,7 +372,7 @@
           </ac:picMkLst>
         </pc:picChg>
         <pc:picChg chg="mod">
-          <ac:chgData name="ellie landoch" userId="4aa5fccd772a899f" providerId="LiveId" clId="{20A0FFAD-6E73-4AC7-9C3F-9937CFBEF013}" dt="2025-02-27T05:32:58.545" v="1074" actId="1076"/>
+          <ac:chgData name="ellie landoch" userId="4aa5fccd772a899f" providerId="LiveId" clId="{20A0FFAD-6E73-4AC7-9C3F-9937CFBEF013}" dt="2025-02-27T14:35:05.977" v="1117" actId="26606"/>
           <ac:picMkLst>
             <pc:docMk/>
             <pc:sldMk cId="2574118151" sldId="264"/>
@@ -301,27 +380,11 @@
           </ac:picMkLst>
         </pc:picChg>
         <pc:picChg chg="mod">
-          <ac:chgData name="ellie landoch" userId="4aa5fccd772a899f" providerId="LiveId" clId="{20A0FFAD-6E73-4AC7-9C3F-9937CFBEF013}" dt="2025-02-27T05:33:03.350" v="1076" actId="1076"/>
+          <ac:chgData name="ellie landoch" userId="4aa5fccd772a899f" providerId="LiveId" clId="{20A0FFAD-6E73-4AC7-9C3F-9937CFBEF013}" dt="2025-02-27T14:35:05.977" v="1117" actId="26606"/>
           <ac:picMkLst>
             <pc:docMk/>
             <pc:sldMk cId="2574118151" sldId="264"/>
             <ac:picMk id="5" creationId="{02D01706-B8CA-8E6A-8649-1135FB93F7D6}"/>
-          </ac:picMkLst>
-        </pc:picChg>
-        <pc:picChg chg="del mod">
-          <ac:chgData name="ellie landoch" userId="4aa5fccd772a899f" providerId="LiveId" clId="{20A0FFAD-6E73-4AC7-9C3F-9937CFBEF013}" dt="2025-02-26T20:58:13.460" v="145" actId="478"/>
-          <ac:picMkLst>
-            <pc:docMk/>
-            <pc:sldMk cId="2574118151" sldId="264"/>
-            <ac:picMk id="9" creationId="{D99D79A9-FC09-EA96-02F4-47001A3D2640}"/>
-          </ac:picMkLst>
-        </pc:picChg>
-        <pc:picChg chg="del">
-          <ac:chgData name="ellie landoch" userId="4aa5fccd772a899f" providerId="LiveId" clId="{20A0FFAD-6E73-4AC7-9C3F-9937CFBEF013}" dt="2025-02-26T20:59:02.851" v="152" actId="478"/>
-          <ac:picMkLst>
-            <pc:docMk/>
-            <pc:sldMk cId="2574118151" sldId="264"/>
-            <ac:picMk id="11" creationId="{AC1FED51-1FA5-F8AC-02F7-5DAA83C186E2}"/>
           </ac:picMkLst>
         </pc:picChg>
       </pc:sldChg>
@@ -331,38 +394,6 @@
           <pc:docMk/>
           <pc:sldMk cId="881162146" sldId="265"/>
         </pc:sldMkLst>
-        <pc:picChg chg="add del mod">
-          <ac:chgData name="ellie landoch" userId="4aa5fccd772a899f" providerId="LiveId" clId="{20A0FFAD-6E73-4AC7-9C3F-9937CFBEF013}" dt="2025-02-26T20:58:51.713" v="151" actId="478"/>
-          <ac:picMkLst>
-            <pc:docMk/>
-            <pc:sldMk cId="881162146" sldId="265"/>
-            <ac:picMk id="3" creationId="{73DB62C2-D072-AB8C-28BC-D63EFD5875D1}"/>
-          </ac:picMkLst>
-        </pc:picChg>
-        <pc:picChg chg="add del mod">
-          <ac:chgData name="ellie landoch" userId="4aa5fccd772a899f" providerId="LiveId" clId="{20A0FFAD-6E73-4AC7-9C3F-9937CFBEF013}" dt="2025-02-26T20:59:11.236" v="155" actId="478"/>
-          <ac:picMkLst>
-            <pc:docMk/>
-            <pc:sldMk cId="881162146" sldId="265"/>
-            <ac:picMk id="5" creationId="{E0CC2660-A3C6-4E86-383C-91D756AB1698}"/>
-          </ac:picMkLst>
-        </pc:picChg>
-        <pc:picChg chg="add del mod">
-          <ac:chgData name="ellie landoch" userId="4aa5fccd772a899f" providerId="LiveId" clId="{20A0FFAD-6E73-4AC7-9C3F-9937CFBEF013}" dt="2025-02-26T20:58:29.191" v="148" actId="478"/>
-          <ac:picMkLst>
-            <pc:docMk/>
-            <pc:sldMk cId="881162146" sldId="265"/>
-            <ac:picMk id="7" creationId="{03F895D6-966E-4FF2-7234-20FAE6B806C1}"/>
-          </ac:picMkLst>
-        </pc:picChg>
-        <pc:picChg chg="add del mod">
-          <ac:chgData name="ellie landoch" userId="4aa5fccd772a899f" providerId="LiveId" clId="{20A0FFAD-6E73-4AC7-9C3F-9937CFBEF013}" dt="2025-02-26T20:59:21.959" v="159" actId="478"/>
-          <ac:picMkLst>
-            <pc:docMk/>
-            <pc:sldMk cId="881162146" sldId="265"/>
-            <ac:picMk id="9" creationId="{391A8B6E-377B-B2D6-46E6-193DF966E03D}"/>
-          </ac:picMkLst>
-        </pc:picChg>
       </pc:sldChg>
       <pc:sldChg chg="addSp delSp modSp new del mod">
         <pc:chgData name="ellie landoch" userId="4aa5fccd772a899f" providerId="LiveId" clId="{20A0FFAD-6E73-4AC7-9C3F-9937CFBEF013}" dt="2025-02-26T21:01:46.139" v="198" actId="2696"/>
@@ -370,38 +401,6 @@
           <pc:docMk/>
           <pc:sldMk cId="2674954459" sldId="266"/>
         </pc:sldMkLst>
-        <pc:picChg chg="add del mod">
-          <ac:chgData name="ellie landoch" userId="4aa5fccd772a899f" providerId="LiveId" clId="{20A0FFAD-6E73-4AC7-9C3F-9937CFBEF013}" dt="2025-02-26T21:01:10.543" v="190" actId="478"/>
-          <ac:picMkLst>
-            <pc:docMk/>
-            <pc:sldMk cId="2674954459" sldId="266"/>
-            <ac:picMk id="3" creationId="{2B79CA2A-DB94-860C-13C7-D42055FEDAC6}"/>
-          </ac:picMkLst>
-        </pc:picChg>
-        <pc:picChg chg="add del mod">
-          <ac:chgData name="ellie landoch" userId="4aa5fccd772a899f" providerId="LiveId" clId="{20A0FFAD-6E73-4AC7-9C3F-9937CFBEF013}" dt="2025-02-26T21:00:00.853" v="168" actId="478"/>
-          <ac:picMkLst>
-            <pc:docMk/>
-            <pc:sldMk cId="2674954459" sldId="266"/>
-            <ac:picMk id="5" creationId="{27646BA4-D1AA-05F1-B8EB-252A2BE984D6}"/>
-          </ac:picMkLst>
-        </pc:picChg>
-        <pc:picChg chg="add del mod">
-          <ac:chgData name="ellie landoch" userId="4aa5fccd772a899f" providerId="LiveId" clId="{20A0FFAD-6E73-4AC7-9C3F-9937CFBEF013}" dt="2025-02-26T20:59:58.807" v="167" actId="478"/>
-          <ac:picMkLst>
-            <pc:docMk/>
-            <pc:sldMk cId="2674954459" sldId="266"/>
-            <ac:picMk id="7" creationId="{91CC9111-7184-E2FE-5807-64FC4193560C}"/>
-          </ac:picMkLst>
-        </pc:picChg>
-        <pc:picChg chg="add del mod">
-          <ac:chgData name="ellie landoch" userId="4aa5fccd772a899f" providerId="LiveId" clId="{20A0FFAD-6E73-4AC7-9C3F-9937CFBEF013}" dt="2025-02-26T21:01:26.002" v="194" actId="478"/>
-          <ac:picMkLst>
-            <pc:docMk/>
-            <pc:sldMk cId="2674954459" sldId="266"/>
-            <ac:picMk id="9" creationId="{72E0E61C-F7A3-F217-0B4D-32BACEE478FB}"/>
-          </ac:picMkLst>
-        </pc:picChg>
       </pc:sldChg>
       <pc:sldChg chg="new del">
         <pc:chgData name="ellie landoch" userId="4aa5fccd772a899f" providerId="LiveId" clId="{20A0FFAD-6E73-4AC7-9C3F-9937CFBEF013}" dt="2025-02-26T18:32:29.522" v="26" actId="680"/>
@@ -442,13 +441,21 @@
         </pc:picChg>
       </pc:sldChg>
       <pc:sldChg chg="addSp modSp new mod">
-        <pc:chgData name="ellie landoch" userId="4aa5fccd772a899f" providerId="LiveId" clId="{20A0FFAD-6E73-4AC7-9C3F-9937CFBEF013}" dt="2025-02-27T05:17:07.976" v="274" actId="1035"/>
+        <pc:chgData name="ellie landoch" userId="4aa5fccd772a899f" providerId="LiveId" clId="{20A0FFAD-6E73-4AC7-9C3F-9937CFBEF013}" dt="2025-03-11T12:29:36.162" v="1448" actId="1076"/>
         <pc:sldMkLst>
           <pc:docMk/>
           <pc:sldMk cId="1698905623" sldId="268"/>
         </pc:sldMkLst>
+        <pc:spChg chg="add mod">
+          <ac:chgData name="ellie landoch" userId="4aa5fccd772a899f" providerId="LiveId" clId="{20A0FFAD-6E73-4AC7-9C3F-9937CFBEF013}" dt="2025-03-11T12:29:33.526" v="1447" actId="1076"/>
+          <ac:spMkLst>
+            <pc:docMk/>
+            <pc:sldMk cId="1698905623" sldId="268"/>
+            <ac:spMk id="2" creationId="{E9A05288-B778-4806-060A-0D4C48AE57E0}"/>
+          </ac:spMkLst>
+        </pc:spChg>
         <pc:picChg chg="add mod">
-          <ac:chgData name="ellie landoch" userId="4aa5fccd772a899f" providerId="LiveId" clId="{20A0FFAD-6E73-4AC7-9C3F-9937CFBEF013}" dt="2025-02-26T18:39:19.879" v="37" actId="1076"/>
+          <ac:chgData name="ellie landoch" userId="4aa5fccd772a899f" providerId="LiveId" clId="{20A0FFAD-6E73-4AC7-9C3F-9937CFBEF013}" dt="2025-03-11T12:29:36.162" v="1448" actId="1076"/>
           <ac:picMkLst>
             <pc:docMk/>
             <pc:sldMk cId="1698905623" sldId="268"/>
@@ -456,7 +463,7 @@
           </ac:picMkLst>
         </pc:picChg>
         <pc:picChg chg="add mod">
-          <ac:chgData name="ellie landoch" userId="4aa5fccd772a899f" providerId="LiveId" clId="{20A0FFAD-6E73-4AC7-9C3F-9937CFBEF013}" dt="2025-02-27T05:17:07.976" v="274" actId="1035"/>
+          <ac:chgData name="ellie landoch" userId="4aa5fccd772a899f" providerId="LiveId" clId="{20A0FFAD-6E73-4AC7-9C3F-9937CFBEF013}" dt="2025-03-11T12:28:31.711" v="1397" actId="1076"/>
           <ac:picMkLst>
             <pc:docMk/>
             <pc:sldMk cId="1698905623" sldId="268"/>
@@ -465,37 +472,29 @@
         </pc:picChg>
       </pc:sldChg>
       <pc:sldChg chg="addSp delSp modSp new mod ord">
-        <pc:chgData name="ellie landoch" userId="4aa5fccd772a899f" providerId="LiveId" clId="{20A0FFAD-6E73-4AC7-9C3F-9937CFBEF013}" dt="2025-02-27T05:13:50.568" v="240"/>
+        <pc:chgData name="ellie landoch" userId="4aa5fccd772a899f" providerId="LiveId" clId="{20A0FFAD-6E73-4AC7-9C3F-9937CFBEF013}" dt="2025-03-11T12:28:15.540" v="1395" actId="1076"/>
         <pc:sldMkLst>
           <pc:docMk/>
           <pc:sldMk cId="3762129797" sldId="269"/>
         </pc:sldMkLst>
-        <pc:picChg chg="add del mod">
-          <ac:chgData name="ellie landoch" userId="4aa5fccd772a899f" providerId="LiveId" clId="{20A0FFAD-6E73-4AC7-9C3F-9937CFBEF013}" dt="2025-02-26T18:53:34.832" v="47" actId="478"/>
-          <ac:picMkLst>
+        <pc:spChg chg="add mod">
+          <ac:chgData name="ellie landoch" userId="4aa5fccd772a899f" providerId="LiveId" clId="{20A0FFAD-6E73-4AC7-9C3F-9937CFBEF013}" dt="2025-03-11T12:28:15.540" v="1395" actId="1076"/>
+          <ac:spMkLst>
             <pc:docMk/>
             <pc:sldMk cId="3762129797" sldId="269"/>
-            <ac:picMk id="3" creationId="{601DA2E1-B301-7C6E-4A7A-0F4B3CA13C91}"/>
-          </ac:picMkLst>
-        </pc:picChg>
+            <ac:spMk id="2" creationId="{13E48393-5FC7-0B88-6501-EB0FD0C26B99}"/>
+          </ac:spMkLst>
+        </pc:spChg>
         <pc:picChg chg="add mod">
-          <ac:chgData name="ellie landoch" userId="4aa5fccd772a899f" providerId="LiveId" clId="{20A0FFAD-6E73-4AC7-9C3F-9937CFBEF013}" dt="2025-02-26T20:56:54.146" v="135" actId="1076"/>
+          <ac:chgData name="ellie landoch" userId="4aa5fccd772a899f" providerId="LiveId" clId="{20A0FFAD-6E73-4AC7-9C3F-9937CFBEF013}" dt="2025-03-11T12:25:16.093" v="1307" actId="1076"/>
           <ac:picMkLst>
             <pc:docMk/>
             <pc:sldMk cId="3762129797" sldId="269"/>
             <ac:picMk id="5" creationId="{C519468F-6EC6-F01E-3945-F90A0182F78B}"/>
           </ac:picMkLst>
         </pc:picChg>
-        <pc:picChg chg="add del mod">
-          <ac:chgData name="ellie landoch" userId="4aa5fccd772a899f" providerId="LiveId" clId="{20A0FFAD-6E73-4AC7-9C3F-9937CFBEF013}" dt="2025-02-26T20:54:25.321" v="116" actId="478"/>
-          <ac:picMkLst>
-            <pc:docMk/>
-            <pc:sldMk cId="3762129797" sldId="269"/>
-            <ac:picMk id="7" creationId="{D62A8079-11FF-6023-8455-5FF370A8E201}"/>
-          </ac:picMkLst>
-        </pc:picChg>
         <pc:picChg chg="add mod">
-          <ac:chgData name="ellie landoch" userId="4aa5fccd772a899f" providerId="LiveId" clId="{20A0FFAD-6E73-4AC7-9C3F-9937CFBEF013}" dt="2025-02-26T20:56:57.264" v="137" actId="1076"/>
+          <ac:chgData name="ellie landoch" userId="4aa5fccd772a899f" providerId="LiveId" clId="{20A0FFAD-6E73-4AC7-9C3F-9937CFBEF013}" dt="2025-03-11T12:25:20.864" v="1308" actId="1076"/>
           <ac:picMkLst>
             <pc:docMk/>
             <pc:sldMk cId="3762129797" sldId="269"/>
@@ -509,45 +508,21 @@
           <pc:docMk/>
           <pc:sldMk cId="1220380392" sldId="270"/>
         </pc:sldMkLst>
-        <pc:picChg chg="add mod">
-          <ac:chgData name="ellie landoch" userId="4aa5fccd772a899f" providerId="LiveId" clId="{20A0FFAD-6E73-4AC7-9C3F-9937CFBEF013}" dt="2025-02-26T19:04:23.710" v="67" actId="1076"/>
-          <ac:picMkLst>
-            <pc:docMk/>
-            <pc:sldMk cId="1220380392" sldId="270"/>
-            <ac:picMk id="3" creationId="{2282907F-D2A6-8D8F-9421-5C0807B153F9}"/>
-          </ac:picMkLst>
-        </pc:picChg>
-        <pc:picChg chg="add mod">
-          <ac:chgData name="ellie landoch" userId="4aa5fccd772a899f" providerId="LiveId" clId="{20A0FFAD-6E73-4AC7-9C3F-9937CFBEF013}" dt="2025-02-26T19:04:26.241" v="68" actId="1076"/>
-          <ac:picMkLst>
-            <pc:docMk/>
-            <pc:sldMk cId="1220380392" sldId="270"/>
-            <ac:picMk id="5" creationId="{9B6DEA96-ECF1-F0C3-8AF4-CD1D1993C46F}"/>
-          </ac:picMkLst>
-        </pc:picChg>
-        <pc:picChg chg="add del mod">
-          <ac:chgData name="ellie landoch" userId="4aa5fccd772a899f" providerId="LiveId" clId="{20A0FFAD-6E73-4AC7-9C3F-9937CFBEF013}" dt="2025-02-26T19:04:15.030" v="64" actId="478"/>
-          <ac:picMkLst>
-            <pc:docMk/>
-            <pc:sldMk cId="1220380392" sldId="270"/>
-            <ac:picMk id="7" creationId="{C2FEC4C1-37DB-A9A1-85F5-25525597764C}"/>
-          </ac:picMkLst>
-        </pc:picChg>
       </pc:sldChg>
       <pc:sldChg chg="addSp delSp modSp new mod">
-        <pc:chgData name="ellie landoch" userId="4aa5fccd772a899f" providerId="LiveId" clId="{20A0FFAD-6E73-4AC7-9C3F-9937CFBEF013}" dt="2025-02-27T05:19:57.354" v="352" actId="1076"/>
+        <pc:chgData name="ellie landoch" userId="4aa5fccd772a899f" providerId="LiveId" clId="{20A0FFAD-6E73-4AC7-9C3F-9937CFBEF013}" dt="2025-03-11T12:31:20.797" v="1464" actId="1076"/>
         <pc:sldMkLst>
           <pc:docMk/>
           <pc:sldMk cId="516473050" sldId="271"/>
         </pc:sldMkLst>
-        <pc:picChg chg="add del mod">
-          <ac:chgData name="ellie landoch" userId="4aa5fccd772a899f" providerId="LiveId" clId="{20A0FFAD-6E73-4AC7-9C3F-9937CFBEF013}" dt="2025-02-27T05:19:50.146" v="350" actId="478"/>
-          <ac:picMkLst>
+        <pc:spChg chg="add mod">
+          <ac:chgData name="ellie landoch" userId="4aa5fccd772a899f" providerId="LiveId" clId="{20A0FFAD-6E73-4AC7-9C3F-9937CFBEF013}" dt="2025-03-11T12:31:20.797" v="1464" actId="1076"/>
+          <ac:spMkLst>
             <pc:docMk/>
             <pc:sldMk cId="516473050" sldId="271"/>
-            <ac:picMk id="3" creationId="{305CF4FB-F52E-1CD7-049A-FA5A24C1CF89}"/>
-          </ac:picMkLst>
-        </pc:picChg>
+            <ac:spMk id="2" creationId="{869D9680-EDB9-A00F-0BE3-94136644FA68}"/>
+          </ac:spMkLst>
+        </pc:spChg>
         <pc:picChg chg="add mod">
           <ac:chgData name="ellie landoch" userId="4aa5fccd772a899f" providerId="LiveId" clId="{20A0FFAD-6E73-4AC7-9C3F-9937CFBEF013}" dt="2025-02-26T19:04:10.310" v="63" actId="1076"/>
           <ac:picMkLst>
@@ -565,7 +540,7 @@
           </ac:picMkLst>
         </pc:picChg>
         <pc:picChg chg="add mod">
-          <ac:chgData name="ellie landoch" userId="4aa5fccd772a899f" providerId="LiveId" clId="{20A0FFAD-6E73-4AC7-9C3F-9937CFBEF013}" dt="2025-02-27T05:19:57.354" v="352" actId="1076"/>
+          <ac:chgData name="ellie landoch" userId="4aa5fccd772a899f" providerId="LiveId" clId="{20A0FFAD-6E73-4AC7-9C3F-9937CFBEF013}" dt="2025-03-11T12:30:23.196" v="1451" actId="1076"/>
           <ac:picMkLst>
             <pc:docMk/>
             <pc:sldMk cId="516473050" sldId="271"/>
@@ -579,14 +554,6 @@
           <pc:docMk/>
           <pc:sldMk cId="1387930480" sldId="272"/>
         </pc:sldMkLst>
-        <pc:picChg chg="add mod">
-          <ac:chgData name="ellie landoch" userId="4aa5fccd772a899f" providerId="LiveId" clId="{20A0FFAD-6E73-4AC7-9C3F-9937CFBEF013}" dt="2025-02-26T19:08:34.688" v="72" actId="1076"/>
-          <ac:picMkLst>
-            <pc:docMk/>
-            <pc:sldMk cId="1387930480" sldId="272"/>
-            <ac:picMk id="3" creationId="{560EE5A9-9143-D8E5-08A9-CC9EEDC647FB}"/>
-          </ac:picMkLst>
-        </pc:picChg>
       </pc:sldChg>
       <pc:sldChg chg="addSp delSp modSp new del mod">
         <pc:chgData name="ellie landoch" userId="4aa5fccd772a899f" providerId="LiveId" clId="{20A0FFAD-6E73-4AC7-9C3F-9937CFBEF013}" dt="2025-02-26T20:57:38.295" v="139" actId="2696"/>
@@ -594,43 +561,27 @@
           <pc:docMk/>
           <pc:sldMk cId="2516582483" sldId="273"/>
         </pc:sldMkLst>
-        <pc:picChg chg="add del mod">
-          <ac:chgData name="ellie landoch" userId="4aa5fccd772a899f" providerId="LiveId" clId="{20A0FFAD-6E73-4AC7-9C3F-9937CFBEF013}" dt="2025-02-26T20:55:31.555" v="128" actId="478"/>
-          <ac:picMkLst>
-            <pc:docMk/>
-            <pc:sldMk cId="2516582483" sldId="273"/>
-            <ac:picMk id="3" creationId="{A7A276BA-9F3C-9324-31E8-F42EFD7DBFA0}"/>
-          </ac:picMkLst>
-        </pc:picChg>
-        <pc:picChg chg="add del mod">
-          <ac:chgData name="ellie landoch" userId="4aa5fccd772a899f" providerId="LiveId" clId="{20A0FFAD-6E73-4AC7-9C3F-9937CFBEF013}" dt="2025-02-26T20:56:44.568" v="131" actId="478"/>
-          <ac:picMkLst>
-            <pc:docMk/>
-            <pc:sldMk cId="2516582483" sldId="273"/>
-            <ac:picMk id="5" creationId="{FD63C4CD-396B-FD47-C4E3-8DDD2C09E487}"/>
-          </ac:picMkLst>
-        </pc:picChg>
       </pc:sldChg>
       <pc:sldChg chg="addSp delSp modSp new mod">
-        <pc:chgData name="ellie landoch" userId="4aa5fccd772a899f" providerId="LiveId" clId="{20A0FFAD-6E73-4AC7-9C3F-9937CFBEF013}" dt="2025-02-27T05:17:20.982" v="277" actId="1076"/>
+        <pc:chgData name="ellie landoch" userId="4aa5fccd772a899f" providerId="LiveId" clId="{20A0FFAD-6E73-4AC7-9C3F-9937CFBEF013}" dt="2025-03-11T12:29:55.795" v="1450" actId="1076"/>
         <pc:sldMkLst>
           <pc:docMk/>
           <pc:sldMk cId="1044445459" sldId="274"/>
         </pc:sldMkLst>
+        <pc:spChg chg="add mod">
+          <ac:chgData name="ellie landoch" userId="4aa5fccd772a899f" providerId="LiveId" clId="{20A0FFAD-6E73-4AC7-9C3F-9937CFBEF013}" dt="2025-03-11T12:29:55.795" v="1450" actId="1076"/>
+          <ac:spMkLst>
+            <pc:docMk/>
+            <pc:sldMk cId="1044445459" sldId="274"/>
+            <ac:spMk id="2" creationId="{50665C32-4795-BAD9-9B56-1F4217B496FD}"/>
+          </ac:spMkLst>
+        </pc:spChg>
         <pc:picChg chg="add mod">
           <ac:chgData name="ellie landoch" userId="4aa5fccd772a899f" providerId="LiveId" clId="{20A0FFAD-6E73-4AC7-9C3F-9937CFBEF013}" dt="2025-02-27T05:17:15.841" v="275" actId="14100"/>
           <ac:picMkLst>
             <pc:docMk/>
             <pc:sldMk cId="1044445459" sldId="274"/>
             <ac:picMk id="3" creationId="{D1D61B28-B80D-02A3-87D7-E1FCFDE5E181}"/>
-          </ac:picMkLst>
-        </pc:picChg>
-        <pc:picChg chg="add del mod">
-          <ac:chgData name="ellie landoch" userId="4aa5fccd772a899f" providerId="LiveId" clId="{20A0FFAD-6E73-4AC7-9C3F-9937CFBEF013}" dt="2025-02-26T20:29:55.722" v="87" actId="478"/>
-          <ac:picMkLst>
-            <pc:docMk/>
-            <pc:sldMk cId="1044445459" sldId="274"/>
-            <ac:picMk id="5" creationId="{BE58EEC6-F501-A53B-3E05-4572C754B67E}"/>
           </ac:picMkLst>
         </pc:picChg>
         <pc:picChg chg="add mod">
@@ -642,22 +593,30 @@
           </ac:picMkLst>
         </pc:picChg>
       </pc:sldChg>
-      <pc:sldChg chg="addSp modSp new mod">
-        <pc:chgData name="ellie landoch" userId="4aa5fccd772a899f" providerId="LiveId" clId="{20A0FFAD-6E73-4AC7-9C3F-9937CFBEF013}" dt="2025-02-26T20:41:40.760" v="114" actId="1076"/>
+      <pc:sldChg chg="addSp modSp new mod setBg">
+        <pc:chgData name="ellie landoch" userId="4aa5fccd772a899f" providerId="LiveId" clId="{20A0FFAD-6E73-4AC7-9C3F-9937CFBEF013}" dt="2025-03-11T12:32:24.910" v="1535" actId="1076"/>
         <pc:sldMkLst>
           <pc:docMk/>
           <pc:sldMk cId="3744894509" sldId="275"/>
         </pc:sldMkLst>
+        <pc:spChg chg="add mod">
+          <ac:chgData name="ellie landoch" userId="4aa5fccd772a899f" providerId="LiveId" clId="{20A0FFAD-6E73-4AC7-9C3F-9937CFBEF013}" dt="2025-03-11T12:32:24.910" v="1535" actId="1076"/>
+          <ac:spMkLst>
+            <pc:docMk/>
+            <pc:sldMk cId="3744894509" sldId="275"/>
+            <ac:spMk id="2" creationId="{DC277CD1-02C2-D90B-5454-8E7C7368E536}"/>
+          </ac:spMkLst>
+        </pc:spChg>
         <pc:picChg chg="add mod">
-          <ac:chgData name="ellie landoch" userId="4aa5fccd772a899f" providerId="LiveId" clId="{20A0FFAD-6E73-4AC7-9C3F-9937CFBEF013}" dt="2025-02-26T20:41:30.565" v="109" actId="1076"/>
+          <ac:chgData name="ellie landoch" userId="4aa5fccd772a899f" providerId="LiveId" clId="{20A0FFAD-6E73-4AC7-9C3F-9937CFBEF013}" dt="2025-02-27T14:35:36.454" v="1118" actId="26606"/>
           <ac:picMkLst>
             <pc:docMk/>
             <pc:sldMk cId="3744894509" sldId="275"/>
             <ac:picMk id="3" creationId="{909D4702-E0CC-4091-C102-4800534D0EBB}"/>
           </ac:picMkLst>
         </pc:picChg>
-        <pc:picChg chg="add mod">
-          <ac:chgData name="ellie landoch" userId="4aa5fccd772a899f" providerId="LiveId" clId="{20A0FFAD-6E73-4AC7-9C3F-9937CFBEF013}" dt="2025-02-26T20:41:40.760" v="114" actId="1076"/>
+        <pc:picChg chg="add mod ord">
+          <ac:chgData name="ellie landoch" userId="4aa5fccd772a899f" providerId="LiveId" clId="{20A0FFAD-6E73-4AC7-9C3F-9937CFBEF013}" dt="2025-02-27T14:35:36.454" v="1118" actId="26606"/>
           <ac:picMkLst>
             <pc:docMk/>
             <pc:sldMk cId="3744894509" sldId="275"/>
@@ -665,22 +624,46 @@
           </ac:picMkLst>
         </pc:picChg>
         <pc:picChg chg="add mod">
-          <ac:chgData name="ellie landoch" userId="4aa5fccd772a899f" providerId="LiveId" clId="{20A0FFAD-6E73-4AC7-9C3F-9937CFBEF013}" dt="2025-02-26T20:41:38.442" v="113" actId="1076"/>
+          <ac:chgData name="ellie landoch" userId="4aa5fccd772a899f" providerId="LiveId" clId="{20A0FFAD-6E73-4AC7-9C3F-9937CFBEF013}" dt="2025-02-27T14:35:36.454" v="1118" actId="26606"/>
           <ac:picMkLst>
             <pc:docMk/>
             <pc:sldMk cId="3744894509" sldId="275"/>
             <ac:picMk id="7" creationId="{0A69CB51-5F2B-2F92-A525-F2353B5555D0}"/>
           </ac:picMkLst>
         </pc:picChg>
+        <pc:cxnChg chg="add">
+          <ac:chgData name="ellie landoch" userId="4aa5fccd772a899f" providerId="LiveId" clId="{20A0FFAD-6E73-4AC7-9C3F-9937CFBEF013}" dt="2025-02-27T14:35:36.454" v="1118" actId="26606"/>
+          <ac:cxnSpMkLst>
+            <pc:docMk/>
+            <pc:sldMk cId="3744894509" sldId="275"/>
+            <ac:cxnSpMk id="12" creationId="{DCD67800-37AC-4E14-89B0-F79DCB3FB86D}"/>
+          </ac:cxnSpMkLst>
+        </pc:cxnChg>
+        <pc:cxnChg chg="add">
+          <ac:chgData name="ellie landoch" userId="4aa5fccd772a899f" providerId="LiveId" clId="{20A0FFAD-6E73-4AC7-9C3F-9937CFBEF013}" dt="2025-02-27T14:35:36.454" v="1118" actId="26606"/>
+          <ac:cxnSpMkLst>
+            <pc:docMk/>
+            <pc:sldMk cId="3744894509" sldId="275"/>
+            <ac:cxnSpMk id="14" creationId="{20F1788F-A5AE-4188-8274-F7F2E3833ECD}"/>
+          </ac:cxnSpMkLst>
+        </pc:cxnChg>
       </pc:sldChg>
       <pc:sldChg chg="addSp modSp new mod">
-        <pc:chgData name="ellie landoch" userId="4aa5fccd772a899f" providerId="LiveId" clId="{20A0FFAD-6E73-4AC7-9C3F-9937CFBEF013}" dt="2025-02-26T20:54:53.292" v="121" actId="1076"/>
+        <pc:chgData name="ellie landoch" userId="4aa5fccd772a899f" providerId="LiveId" clId="{20A0FFAD-6E73-4AC7-9C3F-9937CFBEF013}" dt="2025-03-11T12:27:30.886" v="1371" actId="1076"/>
         <pc:sldMkLst>
           <pc:docMk/>
           <pc:sldMk cId="3573378917" sldId="276"/>
         </pc:sldMkLst>
+        <pc:spChg chg="add mod">
+          <ac:chgData name="ellie landoch" userId="4aa5fccd772a899f" providerId="LiveId" clId="{20A0FFAD-6E73-4AC7-9C3F-9937CFBEF013}" dt="2025-03-11T12:27:30.886" v="1371" actId="1076"/>
+          <ac:spMkLst>
+            <pc:docMk/>
+            <pc:sldMk cId="3573378917" sldId="276"/>
+            <ac:spMk id="4" creationId="{1428B793-009F-A41E-ED78-945C3818AE79}"/>
+          </ac:spMkLst>
+        </pc:spChg>
         <pc:picChg chg="add mod">
-          <ac:chgData name="ellie landoch" userId="4aa5fccd772a899f" providerId="LiveId" clId="{20A0FFAD-6E73-4AC7-9C3F-9937CFBEF013}" dt="2025-02-26T20:54:30.710" v="118" actId="1076"/>
+          <ac:chgData name="ellie landoch" userId="4aa5fccd772a899f" providerId="LiveId" clId="{20A0FFAD-6E73-4AC7-9C3F-9937CFBEF013}" dt="2025-03-11T12:27:25.518" v="1369" actId="1076"/>
           <ac:picMkLst>
             <pc:docMk/>
             <pc:sldMk cId="3573378917" sldId="276"/>
@@ -688,7 +671,7 @@
           </ac:picMkLst>
         </pc:picChg>
         <pc:picChg chg="add mod">
-          <ac:chgData name="ellie landoch" userId="4aa5fccd772a899f" providerId="LiveId" clId="{20A0FFAD-6E73-4AC7-9C3F-9937CFBEF013}" dt="2025-02-26T20:54:53.292" v="121" actId="1076"/>
+          <ac:chgData name="ellie landoch" userId="4aa5fccd772a899f" providerId="LiveId" clId="{20A0FFAD-6E73-4AC7-9C3F-9937CFBEF013}" dt="2025-03-11T12:27:26.844" v="1370" actId="1076"/>
           <ac:picMkLst>
             <pc:docMk/>
             <pc:sldMk cId="3573378917" sldId="276"/>
@@ -702,39 +685,23 @@
           <pc:docMk/>
           <pc:sldMk cId="813545521" sldId="277"/>
         </pc:sldMkLst>
-        <pc:picChg chg="add mod">
-          <ac:chgData name="ellie landoch" userId="4aa5fccd772a899f" providerId="LiveId" clId="{20A0FFAD-6E73-4AC7-9C3F-9937CFBEF013}" dt="2025-02-26T20:55:25.006" v="127" actId="1076"/>
-          <ac:picMkLst>
-            <pc:docMk/>
-            <pc:sldMk cId="813545521" sldId="277"/>
-            <ac:picMk id="2" creationId="{FA05ACDF-490B-A1F5-7C31-764AFAEFB3E0}"/>
-          </ac:picMkLst>
-        </pc:picChg>
       </pc:sldChg>
-      <pc:sldChg chg="addSp delSp modSp new mod">
-        <pc:chgData name="ellie landoch" userId="4aa5fccd772a899f" providerId="LiveId" clId="{20A0FFAD-6E73-4AC7-9C3F-9937CFBEF013}" dt="2025-02-27T05:15:48.495" v="258" actId="1076"/>
+      <pc:sldChg chg="addSp delSp modSp new mod setBg">
+        <pc:chgData name="ellie landoch" userId="4aa5fccd772a899f" providerId="LiveId" clId="{20A0FFAD-6E73-4AC7-9C3F-9937CFBEF013}" dt="2025-03-11T12:24:54.546" v="1306" actId="1076"/>
         <pc:sldMkLst>
           <pc:docMk/>
           <pc:sldMk cId="1298206919" sldId="278"/>
         </pc:sldMkLst>
-        <pc:picChg chg="add del mod">
-          <ac:chgData name="ellie landoch" userId="4aa5fccd772a899f" providerId="LiveId" clId="{20A0FFAD-6E73-4AC7-9C3F-9937CFBEF013}" dt="2025-02-27T05:14:48.824" v="243" actId="478"/>
-          <ac:picMkLst>
+        <pc:spChg chg="add mod">
+          <ac:chgData name="ellie landoch" userId="4aa5fccd772a899f" providerId="LiveId" clId="{20A0FFAD-6E73-4AC7-9C3F-9937CFBEF013}" dt="2025-03-11T12:24:54.546" v="1306" actId="1076"/>
+          <ac:spMkLst>
             <pc:docMk/>
             <pc:sldMk cId="1298206919" sldId="278"/>
-            <ac:picMk id="2" creationId="{293FB792-E78D-B9D0-B311-91E3B56290C9}"/>
-          </ac:picMkLst>
-        </pc:picChg>
-        <pc:picChg chg="add del mod">
-          <ac:chgData name="ellie landoch" userId="4aa5fccd772a899f" providerId="LiveId" clId="{20A0FFAD-6E73-4AC7-9C3F-9937CFBEF013}" dt="2025-02-27T05:14:50.337" v="244" actId="478"/>
-          <ac:picMkLst>
-            <pc:docMk/>
-            <pc:sldMk cId="1298206919" sldId="278"/>
-            <ac:picMk id="3" creationId="{D70432B4-F5CB-1DC3-2380-0CCF62FB834A}"/>
-          </ac:picMkLst>
-        </pc:picChg>
-        <pc:picChg chg="add mod">
-          <ac:chgData name="ellie landoch" userId="4aa5fccd772a899f" providerId="LiveId" clId="{20A0FFAD-6E73-4AC7-9C3F-9937CFBEF013}" dt="2025-02-27T05:15:06.414" v="248" actId="1076"/>
+            <ac:spMk id="2" creationId="{414B18A0-51F5-7BAA-D7E5-47FA13F50105}"/>
+          </ac:spMkLst>
+        </pc:spChg>
+        <pc:picChg chg="add mod ord">
+          <ac:chgData name="ellie landoch" userId="4aa5fccd772a899f" providerId="LiveId" clId="{20A0FFAD-6E73-4AC7-9C3F-9937CFBEF013}" dt="2025-03-11T12:23:05.085" v="1213" actId="1076"/>
           <ac:picMkLst>
             <pc:docMk/>
             <pc:sldMk cId="1298206919" sldId="278"/>
@@ -742,7 +709,7 @@
           </ac:picMkLst>
         </pc:picChg>
         <pc:picChg chg="add mod">
-          <ac:chgData name="ellie landoch" userId="4aa5fccd772a899f" providerId="LiveId" clId="{20A0FFAD-6E73-4AC7-9C3F-9937CFBEF013}" dt="2025-02-27T05:15:10.225" v="249" actId="1076"/>
+          <ac:chgData name="ellie landoch" userId="4aa5fccd772a899f" providerId="LiveId" clId="{20A0FFAD-6E73-4AC7-9C3F-9937CFBEF013}" dt="2025-03-11T12:22:48.519" v="1211" actId="1076"/>
           <ac:picMkLst>
             <pc:docMk/>
             <pc:sldMk cId="1298206919" sldId="278"/>
@@ -750,7 +717,7 @@
           </ac:picMkLst>
         </pc:picChg>
         <pc:picChg chg="add mod">
-          <ac:chgData name="ellie landoch" userId="4aa5fccd772a899f" providerId="LiveId" clId="{20A0FFAD-6E73-4AC7-9C3F-9937CFBEF013}" dt="2025-02-27T05:15:18.155" v="251" actId="1076"/>
+          <ac:chgData name="ellie landoch" userId="4aa5fccd772a899f" providerId="LiveId" clId="{20A0FFAD-6E73-4AC7-9C3F-9937CFBEF013}" dt="2025-03-11T12:22:58.439" v="1212" actId="1076"/>
           <ac:picMkLst>
             <pc:docMk/>
             <pc:sldMk cId="1298206919" sldId="278"/>
@@ -758,23 +725,23 @@
           </ac:picMkLst>
         </pc:picChg>
         <pc:picChg chg="add mod">
-          <ac:chgData name="ellie landoch" userId="4aa5fccd772a899f" providerId="LiveId" clId="{20A0FFAD-6E73-4AC7-9C3F-9937CFBEF013}" dt="2025-02-27T05:15:26.044" v="253" actId="1076"/>
+          <ac:chgData name="ellie landoch" userId="4aa5fccd772a899f" providerId="LiveId" clId="{20A0FFAD-6E73-4AC7-9C3F-9937CFBEF013}" dt="2025-03-11T12:22:29.029" v="1203" actId="1035"/>
           <ac:picMkLst>
             <pc:docMk/>
             <pc:sldMk cId="1298206919" sldId="278"/>
             <ac:picMk id="7" creationId="{07FB4B81-4D5B-2634-B6EF-B8B8814DEB1F}"/>
           </ac:picMkLst>
         </pc:picChg>
-        <pc:picChg chg="add mod">
-          <ac:chgData name="ellie landoch" userId="4aa5fccd772a899f" providerId="LiveId" clId="{20A0FFAD-6E73-4AC7-9C3F-9937CFBEF013}" dt="2025-02-27T05:15:48.495" v="258" actId="1076"/>
+        <pc:picChg chg="add mod ord">
+          <ac:chgData name="ellie landoch" userId="4aa5fccd772a899f" providerId="LiveId" clId="{20A0FFAD-6E73-4AC7-9C3F-9937CFBEF013}" dt="2025-03-11T12:23:11.371" v="1214" actId="1076"/>
           <ac:picMkLst>
             <pc:docMk/>
             <pc:sldMk cId="1298206919" sldId="278"/>
             <ac:picMk id="8" creationId="{6936F568-46DA-0A30-2B18-3F8396786278}"/>
           </ac:picMkLst>
         </pc:picChg>
-        <pc:picChg chg="add mod">
-          <ac:chgData name="ellie landoch" userId="4aa5fccd772a899f" providerId="LiveId" clId="{20A0FFAD-6E73-4AC7-9C3F-9937CFBEF013}" dt="2025-02-27T05:15:46.577" v="257" actId="1076"/>
+        <pc:picChg chg="add mod ord">
+          <ac:chgData name="ellie landoch" userId="4aa5fccd772a899f" providerId="LiveId" clId="{20A0FFAD-6E73-4AC7-9C3F-9937CFBEF013}" dt="2025-03-11T12:22:38.329" v="1210" actId="1035"/>
           <ac:picMkLst>
             <pc:docMk/>
             <pc:sldMk cId="1298206919" sldId="278"/>
@@ -788,54 +755,6 @@
           <pc:docMk/>
           <pc:sldMk cId="3551449563" sldId="279"/>
         </pc:sldMkLst>
-        <pc:picChg chg="add mod">
-          <ac:chgData name="ellie landoch" userId="4aa5fccd772a899f" providerId="LiveId" clId="{20A0FFAD-6E73-4AC7-9C3F-9937CFBEF013}" dt="2025-02-26T21:00:53.450" v="185" actId="1076"/>
-          <ac:picMkLst>
-            <pc:docMk/>
-            <pc:sldMk cId="3551449563" sldId="279"/>
-            <ac:picMk id="2" creationId="{F1BAD7A3-0A61-A149-ED29-CFF059C39144}"/>
-          </ac:picMkLst>
-        </pc:picChg>
-        <pc:picChg chg="add mod">
-          <ac:chgData name="ellie landoch" userId="4aa5fccd772a899f" providerId="LiveId" clId="{20A0FFAD-6E73-4AC7-9C3F-9937CFBEF013}" dt="2025-02-26T21:01:17.623" v="193" actId="1076"/>
-          <ac:picMkLst>
-            <pc:docMk/>
-            <pc:sldMk cId="3551449563" sldId="279"/>
-            <ac:picMk id="3" creationId="{4C0ADC26-5E00-5314-7DDB-8E7CB737BC88}"/>
-          </ac:picMkLst>
-        </pc:picChg>
-        <pc:picChg chg="add del mod">
-          <ac:chgData name="ellie landoch" userId="4aa5fccd772a899f" providerId="LiveId" clId="{20A0FFAD-6E73-4AC7-9C3F-9937CFBEF013}" dt="2025-02-26T21:00:46.620" v="182" actId="478"/>
-          <ac:picMkLst>
-            <pc:docMk/>
-            <pc:sldMk cId="3551449563" sldId="279"/>
-            <ac:picMk id="4" creationId="{EB9CF938-E658-786A-6E8B-70A417472847}"/>
-          </ac:picMkLst>
-        </pc:picChg>
-        <pc:picChg chg="add del mod">
-          <ac:chgData name="ellie landoch" userId="4aa5fccd772a899f" providerId="LiveId" clId="{20A0FFAD-6E73-4AC7-9C3F-9937CFBEF013}" dt="2025-02-26T21:00:41.616" v="179" actId="478"/>
-          <ac:picMkLst>
-            <pc:docMk/>
-            <pc:sldMk cId="3551449563" sldId="279"/>
-            <ac:picMk id="5" creationId="{014DC4E5-AF39-FA64-4753-811DEAB313BC}"/>
-          </ac:picMkLst>
-        </pc:picChg>
-        <pc:picChg chg="add mod">
-          <ac:chgData name="ellie landoch" userId="4aa5fccd772a899f" providerId="LiveId" clId="{20A0FFAD-6E73-4AC7-9C3F-9937CFBEF013}" dt="2025-02-26T21:01:07.405" v="189" actId="1076"/>
-          <ac:picMkLst>
-            <pc:docMk/>
-            <pc:sldMk cId="3551449563" sldId="279"/>
-            <ac:picMk id="6" creationId="{2B9122FD-DD74-7625-7849-5C379DD2E54C}"/>
-          </ac:picMkLst>
-        </pc:picChg>
-        <pc:picChg chg="add mod">
-          <ac:chgData name="ellie landoch" userId="4aa5fccd772a899f" providerId="LiveId" clId="{20A0FFAD-6E73-4AC7-9C3F-9937CFBEF013}" dt="2025-02-26T21:01:15.929" v="192" actId="1076"/>
-          <ac:picMkLst>
-            <pc:docMk/>
-            <pc:sldMk cId="3551449563" sldId="279"/>
-            <ac:picMk id="7" creationId="{ED459562-FD0E-63F7-2C1E-05734F5BE34C}"/>
-          </ac:picMkLst>
-        </pc:picChg>
       </pc:sldChg>
       <pc:sldChg chg="addSp modSp new del mod">
         <pc:chgData name="ellie landoch" userId="4aa5fccd772a899f" providerId="LiveId" clId="{20A0FFAD-6E73-4AC7-9C3F-9937CFBEF013}" dt="2025-02-27T05:15:58.288" v="260" actId="2696"/>
@@ -843,38 +762,6 @@
           <pc:docMk/>
           <pc:sldMk cId="3017243050" sldId="280"/>
         </pc:sldMkLst>
-        <pc:picChg chg="add mod">
-          <ac:chgData name="ellie landoch" userId="4aa5fccd772a899f" providerId="LiveId" clId="{20A0FFAD-6E73-4AC7-9C3F-9937CFBEF013}" dt="2025-02-26T21:00:06.909" v="171" actId="1076"/>
-          <ac:picMkLst>
-            <pc:docMk/>
-            <pc:sldMk cId="3017243050" sldId="280"/>
-            <ac:picMk id="2" creationId="{220E8D12-0211-E378-2318-C2931E20DD78}"/>
-          </ac:picMkLst>
-        </pc:picChg>
-        <pc:picChg chg="add mod">
-          <ac:chgData name="ellie landoch" userId="4aa5fccd772a899f" providerId="LiveId" clId="{20A0FFAD-6E73-4AC7-9C3F-9937CFBEF013}" dt="2025-02-26T21:00:07.892" v="172" actId="1076"/>
-          <ac:picMkLst>
-            <pc:docMk/>
-            <pc:sldMk cId="3017243050" sldId="280"/>
-            <ac:picMk id="3" creationId="{46F02648-493B-3C2C-F52B-D5156A2D6D83}"/>
-          </ac:picMkLst>
-        </pc:picChg>
-        <pc:picChg chg="add mod">
-          <ac:chgData name="ellie landoch" userId="4aa5fccd772a899f" providerId="LiveId" clId="{20A0FFAD-6E73-4AC7-9C3F-9937CFBEF013}" dt="2025-02-26T21:00:30.666" v="175" actId="1076"/>
-          <ac:picMkLst>
-            <pc:docMk/>
-            <pc:sldMk cId="3017243050" sldId="280"/>
-            <ac:picMk id="4" creationId="{E013B133-FBAE-618A-F596-27F701C50EE9}"/>
-          </ac:picMkLst>
-        </pc:picChg>
-        <pc:picChg chg="add mod">
-          <ac:chgData name="ellie landoch" userId="4aa5fccd772a899f" providerId="LiveId" clId="{20A0FFAD-6E73-4AC7-9C3F-9937CFBEF013}" dt="2025-02-26T21:00:37.097" v="178" actId="1076"/>
-          <ac:picMkLst>
-            <pc:docMk/>
-            <pc:sldMk cId="3017243050" sldId="280"/>
-            <ac:picMk id="5" creationId="{13E61527-B975-2115-7D87-69033B0208A3}"/>
-          </ac:picMkLst>
-        </pc:picChg>
       </pc:sldChg>
       <pc:sldChg chg="new del">
         <pc:chgData name="ellie landoch" userId="4aa5fccd772a899f" providerId="LiveId" clId="{20A0FFAD-6E73-4AC7-9C3F-9937CFBEF013}" dt="2025-02-26T21:01:46.139" v="198" actId="2696"/>
@@ -891,6 +778,14 @@
 <file path=ppt/slideLayouts/slideLayout1.xml><?xml version="1.0" encoding="utf-8"?>
 <p:sldLayout xmlns:a="http://schemas.openxmlformats.org/drawingml/2006/main" xmlns:r="http://schemas.openxmlformats.org/officeDocument/2006/relationships" xmlns:p="http://schemas.openxmlformats.org/presentationml/2006/main" type="title" preserve="1">
   <p:cSld name="Title Slide">
+    <p:bg>
+      <p:bgPr>
+        <a:solidFill>
+          <a:schemeClr val="accent1"/>
+        </a:solidFill>
+        <a:effectLst/>
+      </p:bgPr>
+    </p:bg>
     <p:spTree>
       <p:nvGrpSpPr>
         <p:cNvPr id="1" name=""/>
@@ -907,13 +802,42 @@
       </p:grpSpPr>
       <p:sp>
         <p:nvSpPr>
-          <p:cNvPr id="2" name="Title 1">
-            <a:extLst>
-              <a:ext uri="{FF2B5EF4-FFF2-40B4-BE49-F238E27FC236}">
-                <a16:creationId xmlns:a16="http://schemas.microsoft.com/office/drawing/2014/main" id="{C04BA79F-2549-9E95-BE90-C7A139E9BEAA}"/>
-              </a:ext>
-            </a:extLst>
-          </p:cNvPr>
+          <p:cNvPr id="4" name="Rectangle 3"/>
+          <p:cNvSpPr/>
+          <p:nvPr/>
+        </p:nvSpPr>
+        <p:spPr>
+          <a:xfrm>
+            <a:off x="0" y="0"/>
+            <a:ext cx="12192000" cy="6858000"/>
+          </a:xfrm>
+          <a:prstGeom prst="rect">
+            <a:avLst/>
+          </a:prstGeom>
+          <a:ln>
+            <a:noFill/>
+          </a:ln>
+        </p:spPr>
+        <p:style>
+          <a:lnRef idx="2">
+            <a:schemeClr val="accent1">
+              <a:shade val="50000"/>
+            </a:schemeClr>
+          </a:lnRef>
+          <a:fillRef idx="1">
+            <a:schemeClr val="accent1"/>
+          </a:fillRef>
+          <a:effectRef idx="0">
+            <a:schemeClr val="accent1"/>
+          </a:effectRef>
+          <a:fontRef idx="minor">
+            <a:schemeClr val="lt1"/>
+          </a:fontRef>
+        </p:style>
+      </p:sp>
+      <p:sp>
+        <p:nvSpPr>
+          <p:cNvPr id="2" name="Title 1"/>
           <p:cNvSpPr>
             <a:spLocks noGrp="1"/>
           </p:cNvSpPr>
@@ -923,15 +847,24 @@
         </p:nvSpPr>
         <p:spPr>
           <a:xfrm>
-            <a:off x="1524000" y="1122363"/>
-            <a:ext cx="9144000" cy="2387600"/>
-          </a:xfrm>
-        </p:spPr>
-        <p:txBody>
-          <a:bodyPr anchor="b"/>
+            <a:off x="603504" y="770467"/>
+            <a:ext cx="10782300" cy="3352800"/>
+          </a:xfrm>
+        </p:spPr>
+        <p:txBody>
+          <a:bodyPr anchor="b">
+            <a:noAutofit/>
+          </a:bodyPr>
           <a:lstStyle>
-            <a:lvl1pPr algn="ctr">
-              <a:defRPr sz="6000"/>
+            <a:lvl1pPr algn="l">
+              <a:lnSpc>
+                <a:spcPct val="80000"/>
+              </a:lnSpc>
+              <a:defRPr sz="8800" spc="-120" baseline="0">
+                <a:solidFill>
+                  <a:srgbClr val="FFFFFF"/>
+                </a:solidFill>
+              </a:defRPr>
             </a:lvl1pPr>
           </a:lstStyle>
           <a:p>
@@ -939,18 +872,13 @@
               <a:rPr lang="en-US"/>
               <a:t>Click to edit Master title style</a:t>
             </a:r>
-          </a:p>
-        </p:txBody>
-      </p:sp>
-      <p:sp>
-        <p:nvSpPr>
-          <p:cNvPr id="3" name="Subtitle 2">
-            <a:extLst>
-              <a:ext uri="{FF2B5EF4-FFF2-40B4-BE49-F238E27FC236}">
-                <a16:creationId xmlns:a16="http://schemas.microsoft.com/office/drawing/2014/main" id="{0882071F-D0A6-C22E-0175-B06E61DB3A0F}"/>
-              </a:ext>
-            </a:extLst>
-          </p:cNvPr>
+            <a:endParaRPr lang="en-US" dirty="0"/>
+          </a:p>
+        </p:txBody>
+      </p:sp>
+      <p:sp>
+        <p:nvSpPr>
+          <p:cNvPr id="3" name="Subtitle 2"/>
           <p:cNvSpPr>
             <a:spLocks noGrp="1"/>
           </p:cNvSpPr>
@@ -960,48 +888,55 @@
         </p:nvSpPr>
         <p:spPr>
           <a:xfrm>
-            <a:off x="1524000" y="3602038"/>
-            <a:ext cx="9144000" cy="1655762"/>
-          </a:xfrm>
-        </p:spPr>
-        <p:txBody>
-          <a:bodyPr/>
+            <a:off x="667512" y="4206876"/>
+            <a:ext cx="9228201" cy="1645920"/>
+          </a:xfrm>
+        </p:spPr>
+        <p:txBody>
+          <a:bodyPr>
+            <a:normAutofit/>
+          </a:bodyPr>
           <a:lstStyle>
-            <a:lvl1pPr marL="0" indent="0" algn="ctr">
+            <a:lvl1pPr marL="0" indent="0" algn="l">
               <a:buNone/>
-              <a:defRPr sz="2400"/>
+              <a:defRPr sz="3200">
+                <a:solidFill>
+                  <a:schemeClr val="bg1"/>
+                </a:solidFill>
+                <a:latin typeface="+mj-lt"/>
+              </a:defRPr>
             </a:lvl1pPr>
             <a:lvl2pPr marL="457200" indent="0" algn="ctr">
               <a:buNone/>
-              <a:defRPr sz="2000"/>
+              <a:defRPr sz="2800"/>
             </a:lvl2pPr>
             <a:lvl3pPr marL="914400" indent="0" algn="ctr">
               <a:buNone/>
-              <a:defRPr sz="1800"/>
+              <a:defRPr sz="2400"/>
             </a:lvl3pPr>
             <a:lvl4pPr marL="1371600" indent="0" algn="ctr">
               <a:buNone/>
-              <a:defRPr sz="1600"/>
+              <a:defRPr sz="2000"/>
             </a:lvl4pPr>
             <a:lvl5pPr marL="1828800" indent="0" algn="ctr">
               <a:buNone/>
-              <a:defRPr sz="1600"/>
+              <a:defRPr sz="2000"/>
             </a:lvl5pPr>
             <a:lvl6pPr marL="2286000" indent="0" algn="ctr">
               <a:buNone/>
-              <a:defRPr sz="1600"/>
+              <a:defRPr sz="2000"/>
             </a:lvl6pPr>
             <a:lvl7pPr marL="2743200" indent="0" algn="ctr">
               <a:buNone/>
-              <a:defRPr sz="1600"/>
+              <a:defRPr sz="2000"/>
             </a:lvl7pPr>
             <a:lvl8pPr marL="3200400" indent="0" algn="ctr">
               <a:buNone/>
-              <a:defRPr sz="1600"/>
+              <a:defRPr sz="2000"/>
             </a:lvl8pPr>
             <a:lvl9pPr marL="3657600" indent="0" algn="ctr">
               <a:buNone/>
-              <a:defRPr sz="1600"/>
+              <a:defRPr sz="2000"/>
             </a:lvl9pPr>
           </a:lstStyle>
           <a:p>
@@ -1009,18 +944,13 @@
               <a:rPr lang="en-US"/>
               <a:t>Click to edit Master subtitle style</a:t>
             </a:r>
-          </a:p>
-        </p:txBody>
-      </p:sp>
-      <p:sp>
-        <p:nvSpPr>
-          <p:cNvPr id="4" name="Date Placeholder 3">
-            <a:extLst>
-              <a:ext uri="{FF2B5EF4-FFF2-40B4-BE49-F238E27FC236}">
-                <a16:creationId xmlns:a16="http://schemas.microsoft.com/office/drawing/2014/main" id="{1FB3636D-2331-9C1E-CF59-A72574BE6003}"/>
-              </a:ext>
-            </a:extLst>
-          </p:cNvPr>
+            <a:endParaRPr lang="en-US" dirty="0"/>
+          </a:p>
+        </p:txBody>
+      </p:sp>
+      <p:sp>
+        <p:nvSpPr>
+          <p:cNvPr id="7" name="Date Placeholder 6"/>
           <p:cNvSpPr>
             <a:spLocks noGrp="1"/>
           </p:cNvSpPr>
@@ -1031,11 +961,21 @@
         <p:spPr/>
         <p:txBody>
           <a:bodyPr/>
-          <a:lstStyle/>
+          <a:lstStyle>
+            <a:lvl1pPr>
+              <a:defRPr>
+                <a:solidFill>
+                  <a:srgbClr val="FFFFFF">
+                    <a:alpha val="80000"/>
+                  </a:srgbClr>
+                </a:solidFill>
+              </a:defRPr>
+            </a:lvl1pPr>
+          </a:lstStyle>
           <a:p>
             <a:fld id="{2FA42B01-F1BB-4625-8440-4A9C0732E5F6}" type="datetimeFigureOut">
               <a:rPr lang="en-US" smtClean="0"/>
-              <a:t>2/25/2025</a:t>
+              <a:t>3/9/2025</a:t>
             </a:fld>
             <a:endParaRPr lang="en-US"/>
           </a:p>
@@ -1043,13 +983,7 @@
       </p:sp>
       <p:sp>
         <p:nvSpPr>
-          <p:cNvPr id="5" name="Footer Placeholder 4">
-            <a:extLst>
-              <a:ext uri="{FF2B5EF4-FFF2-40B4-BE49-F238E27FC236}">
-                <a16:creationId xmlns:a16="http://schemas.microsoft.com/office/drawing/2014/main" id="{5B8F8E20-0BA0-0CD3-8424-FD9A8D61F6DA}"/>
-              </a:ext>
-            </a:extLst>
-          </p:cNvPr>
+          <p:cNvPr id="8" name="Footer Placeholder 7"/>
           <p:cNvSpPr>
             <a:spLocks noGrp="1"/>
           </p:cNvSpPr>
@@ -1060,7 +994,17 @@
         <p:spPr/>
         <p:txBody>
           <a:bodyPr/>
-          <a:lstStyle/>
+          <a:lstStyle>
+            <a:lvl1pPr>
+              <a:defRPr>
+                <a:solidFill>
+                  <a:srgbClr val="FFFFFF">
+                    <a:alpha val="80000"/>
+                  </a:srgbClr>
+                </a:solidFill>
+              </a:defRPr>
+            </a:lvl1pPr>
+          </a:lstStyle>
           <a:p>
             <a:endParaRPr lang="en-US"/>
           </a:p>
@@ -1068,13 +1012,7 @@
       </p:sp>
       <p:sp>
         <p:nvSpPr>
-          <p:cNvPr id="6" name="Slide Number Placeholder 5">
-            <a:extLst>
-              <a:ext uri="{FF2B5EF4-FFF2-40B4-BE49-F238E27FC236}">
-                <a16:creationId xmlns:a16="http://schemas.microsoft.com/office/drawing/2014/main" id="{5E910858-A8C3-13D8-A657-2CA5A6D70522}"/>
-              </a:ext>
-            </a:extLst>
-          </p:cNvPr>
+          <p:cNvPr id="9" name="Slide Number Placeholder 8"/>
           <p:cNvSpPr>
             <a:spLocks noGrp="1"/>
           </p:cNvSpPr>
@@ -1085,7 +1023,17 @@
         <p:spPr/>
         <p:txBody>
           <a:bodyPr/>
-          <a:lstStyle/>
+          <a:lstStyle>
+            <a:lvl1pPr>
+              <a:defRPr>
+                <a:solidFill>
+                  <a:srgbClr val="FFFFFF">
+                    <a:alpha val="25000"/>
+                  </a:srgbClr>
+                </a:solidFill>
+              </a:defRPr>
+            </a:lvl1pPr>
+          </a:lstStyle>
           <a:p>
             <a:fld id="{05054D76-7C48-4836-A3C5-F6956A6391AB}" type="slidenum">
               <a:rPr lang="en-US" smtClean="0"/>
@@ -1098,7 +1046,7 @@
     </p:spTree>
     <p:extLst>
       <p:ext uri="{BB962C8B-B14F-4D97-AF65-F5344CB8AC3E}">
-        <p14:creationId xmlns:p14="http://schemas.microsoft.com/office/powerpoint/2010/main" val="1634023240"/>
+        <p14:creationId xmlns:p14="http://schemas.microsoft.com/office/powerpoint/2010/main" val="1427402896"/>
       </p:ext>
     </p:extLst>
   </p:cSld>
@@ -1127,13 +1075,7 @@
       </p:grpSpPr>
       <p:sp>
         <p:nvSpPr>
-          <p:cNvPr id="2" name="Title 1">
-            <a:extLst>
-              <a:ext uri="{FF2B5EF4-FFF2-40B4-BE49-F238E27FC236}">
-                <a16:creationId xmlns:a16="http://schemas.microsoft.com/office/drawing/2014/main" id="{CF9DB7E1-3313-BA74-315F-5C0096DF3C24}"/>
-              </a:ext>
-            </a:extLst>
-          </p:cNvPr>
+          <p:cNvPr id="2" name="Title 1"/>
           <p:cNvSpPr>
             <a:spLocks noGrp="1"/>
           </p:cNvSpPr>
@@ -1150,18 +1092,13 @@
               <a:rPr lang="en-US"/>
               <a:t>Click to edit Master title style</a:t>
             </a:r>
-          </a:p>
-        </p:txBody>
-      </p:sp>
-      <p:sp>
-        <p:nvSpPr>
-          <p:cNvPr id="3" name="Vertical Text Placeholder 2">
-            <a:extLst>
-              <a:ext uri="{FF2B5EF4-FFF2-40B4-BE49-F238E27FC236}">
-                <a16:creationId xmlns:a16="http://schemas.microsoft.com/office/drawing/2014/main" id="{FBFE36E9-E2CE-ED81-70A4-0E276183434B}"/>
-              </a:ext>
-            </a:extLst>
-          </p:cNvPr>
+            <a:endParaRPr lang="en-US" dirty="0"/>
+          </a:p>
+        </p:txBody>
+      </p:sp>
+      <p:sp>
+        <p:nvSpPr>
+          <p:cNvPr id="3" name="Vertical Text Placeholder 2"/>
           <p:cNvSpPr>
             <a:spLocks noGrp="1"/>
           </p:cNvSpPr>
@@ -1207,18 +1144,13 @@
               <a:rPr lang="en-US"/>
               <a:t>Fifth level</a:t>
             </a:r>
-          </a:p>
-        </p:txBody>
-      </p:sp>
-      <p:sp>
-        <p:nvSpPr>
-          <p:cNvPr id="4" name="Date Placeholder 3">
-            <a:extLst>
-              <a:ext uri="{FF2B5EF4-FFF2-40B4-BE49-F238E27FC236}">
-                <a16:creationId xmlns:a16="http://schemas.microsoft.com/office/drawing/2014/main" id="{885FF85E-3E7D-FBD1-89A4-2B1A088BEF36}"/>
-              </a:ext>
-            </a:extLst>
-          </p:cNvPr>
+            <a:endParaRPr lang="en-US" dirty="0"/>
+          </a:p>
+        </p:txBody>
+      </p:sp>
+      <p:sp>
+        <p:nvSpPr>
+          <p:cNvPr id="4" name="Date Placeholder 3"/>
           <p:cNvSpPr>
             <a:spLocks noGrp="1"/>
           </p:cNvSpPr>
@@ -1233,7 +1165,7 @@
           <a:p>
             <a:fld id="{2FA42B01-F1BB-4625-8440-4A9C0732E5F6}" type="datetimeFigureOut">
               <a:rPr lang="en-US" smtClean="0"/>
-              <a:t>2/25/2025</a:t>
+              <a:t>3/9/2025</a:t>
             </a:fld>
             <a:endParaRPr lang="en-US"/>
           </a:p>
@@ -1241,13 +1173,7 @@
       </p:sp>
       <p:sp>
         <p:nvSpPr>
-          <p:cNvPr id="5" name="Footer Placeholder 4">
-            <a:extLst>
-              <a:ext uri="{FF2B5EF4-FFF2-40B4-BE49-F238E27FC236}">
-                <a16:creationId xmlns:a16="http://schemas.microsoft.com/office/drawing/2014/main" id="{0545E20A-D568-DE19-A3A1-D61815D96164}"/>
-              </a:ext>
-            </a:extLst>
-          </p:cNvPr>
+          <p:cNvPr id="5" name="Footer Placeholder 4"/>
           <p:cNvSpPr>
             <a:spLocks noGrp="1"/>
           </p:cNvSpPr>
@@ -1266,13 +1192,7 @@
       </p:sp>
       <p:sp>
         <p:nvSpPr>
-          <p:cNvPr id="6" name="Slide Number Placeholder 5">
-            <a:extLst>
-              <a:ext uri="{FF2B5EF4-FFF2-40B4-BE49-F238E27FC236}">
-                <a16:creationId xmlns:a16="http://schemas.microsoft.com/office/drawing/2014/main" id="{EC4DFB3A-A326-AFA6-CC60-6BC33E46BEDD}"/>
-              </a:ext>
-            </a:extLst>
-          </p:cNvPr>
+          <p:cNvPr id="6" name="Slide Number Placeholder 5"/>
           <p:cNvSpPr>
             <a:spLocks noGrp="1"/>
           </p:cNvSpPr>
@@ -1296,7 +1216,7 @@
     </p:spTree>
     <p:extLst>
       <p:ext uri="{BB962C8B-B14F-4D97-AF65-F5344CB8AC3E}">
-        <p14:creationId xmlns:p14="http://schemas.microsoft.com/office/powerpoint/2010/main" val="3879360814"/>
+        <p14:creationId xmlns:p14="http://schemas.microsoft.com/office/powerpoint/2010/main" val="4113553243"/>
       </p:ext>
     </p:extLst>
   </p:cSld>
@@ -1325,13 +1245,7 @@
       </p:grpSpPr>
       <p:sp>
         <p:nvSpPr>
-          <p:cNvPr id="2" name="Vertical Title 1">
-            <a:extLst>
-              <a:ext uri="{FF2B5EF4-FFF2-40B4-BE49-F238E27FC236}">
-                <a16:creationId xmlns:a16="http://schemas.microsoft.com/office/drawing/2014/main" id="{38821C14-8333-5F9A-33D9-495AD2EB78EA}"/>
-              </a:ext>
-            </a:extLst>
-          </p:cNvPr>
+          <p:cNvPr id="2" name="Vertical Title 1"/>
           <p:cNvSpPr>
             <a:spLocks noGrp="1"/>
           </p:cNvSpPr>
@@ -1341,8 +1255,8 @@
         </p:nvSpPr>
         <p:spPr>
           <a:xfrm>
-            <a:off x="8724900" y="365125"/>
-            <a:ext cx="2628900" cy="5811838"/>
+            <a:off x="8743950" y="695325"/>
+            <a:ext cx="2628900" cy="4800600"/>
           </a:xfrm>
         </p:spPr>
         <p:txBody>
@@ -1353,18 +1267,13 @@
               <a:rPr lang="en-US"/>
               <a:t>Click to edit Master title style</a:t>
             </a:r>
-          </a:p>
-        </p:txBody>
-      </p:sp>
-      <p:sp>
-        <p:nvSpPr>
-          <p:cNvPr id="3" name="Vertical Text Placeholder 2">
-            <a:extLst>
-              <a:ext uri="{FF2B5EF4-FFF2-40B4-BE49-F238E27FC236}">
-                <a16:creationId xmlns:a16="http://schemas.microsoft.com/office/drawing/2014/main" id="{2C7E16E1-4A52-CC54-762D-AF6FD07871F8}"/>
-              </a:ext>
-            </a:extLst>
-          </p:cNvPr>
+            <a:endParaRPr lang="en-US" dirty="0"/>
+          </a:p>
+        </p:txBody>
+      </p:sp>
+      <p:sp>
+        <p:nvSpPr>
+          <p:cNvPr id="3" name="Vertical Text Placeholder 2"/>
           <p:cNvSpPr>
             <a:spLocks noGrp="1"/>
           </p:cNvSpPr>
@@ -1374,8 +1283,8 @@
         </p:nvSpPr>
         <p:spPr>
           <a:xfrm>
-            <a:off x="838200" y="365125"/>
-            <a:ext cx="7734300" cy="5811838"/>
+            <a:off x="771525" y="714375"/>
+            <a:ext cx="7734300" cy="5400675"/>
           </a:xfrm>
         </p:spPr>
         <p:txBody>
@@ -1415,18 +1324,13 @@
               <a:rPr lang="en-US"/>
               <a:t>Fifth level</a:t>
             </a:r>
-          </a:p>
-        </p:txBody>
-      </p:sp>
-      <p:sp>
-        <p:nvSpPr>
-          <p:cNvPr id="4" name="Date Placeholder 3">
-            <a:extLst>
-              <a:ext uri="{FF2B5EF4-FFF2-40B4-BE49-F238E27FC236}">
-                <a16:creationId xmlns:a16="http://schemas.microsoft.com/office/drawing/2014/main" id="{19B26B92-EACA-2303-B4BB-EDA688583E9C}"/>
-              </a:ext>
-            </a:extLst>
-          </p:cNvPr>
+            <a:endParaRPr lang="en-US" dirty="0"/>
+          </a:p>
+        </p:txBody>
+      </p:sp>
+      <p:sp>
+        <p:nvSpPr>
+          <p:cNvPr id="4" name="Date Placeholder 3"/>
           <p:cNvSpPr>
             <a:spLocks noGrp="1"/>
           </p:cNvSpPr>
@@ -1441,7 +1345,7 @@
           <a:p>
             <a:fld id="{2FA42B01-F1BB-4625-8440-4A9C0732E5F6}" type="datetimeFigureOut">
               <a:rPr lang="en-US" smtClean="0"/>
-              <a:t>2/25/2025</a:t>
+              <a:t>3/9/2025</a:t>
             </a:fld>
             <a:endParaRPr lang="en-US"/>
           </a:p>
@@ -1449,13 +1353,7 @@
       </p:sp>
       <p:sp>
         <p:nvSpPr>
-          <p:cNvPr id="5" name="Footer Placeholder 4">
-            <a:extLst>
-              <a:ext uri="{FF2B5EF4-FFF2-40B4-BE49-F238E27FC236}">
-                <a16:creationId xmlns:a16="http://schemas.microsoft.com/office/drawing/2014/main" id="{31453056-DA84-4118-95AD-4B15ADB84F21}"/>
-              </a:ext>
-            </a:extLst>
-          </p:cNvPr>
+          <p:cNvPr id="5" name="Footer Placeholder 4"/>
           <p:cNvSpPr>
             <a:spLocks noGrp="1"/>
           </p:cNvSpPr>
@@ -1474,13 +1372,7 @@
       </p:sp>
       <p:sp>
         <p:nvSpPr>
-          <p:cNvPr id="6" name="Slide Number Placeholder 5">
-            <a:extLst>
-              <a:ext uri="{FF2B5EF4-FFF2-40B4-BE49-F238E27FC236}">
-                <a16:creationId xmlns:a16="http://schemas.microsoft.com/office/drawing/2014/main" id="{9C2B2CE7-0CFB-E648-A0E4-57A3D151572A}"/>
-              </a:ext>
-            </a:extLst>
-          </p:cNvPr>
+          <p:cNvPr id="6" name="Slide Number Placeholder 5"/>
           <p:cNvSpPr>
             <a:spLocks noGrp="1"/>
           </p:cNvSpPr>
@@ -1504,7 +1396,7 @@
     </p:spTree>
     <p:extLst>
       <p:ext uri="{BB962C8B-B14F-4D97-AF65-F5344CB8AC3E}">
-        <p14:creationId xmlns:p14="http://schemas.microsoft.com/office/powerpoint/2010/main" val="1998733790"/>
+        <p14:creationId xmlns:p14="http://schemas.microsoft.com/office/powerpoint/2010/main" val="2051624671"/>
       </p:ext>
     </p:extLst>
   </p:cSld>
@@ -1533,13 +1425,7 @@
       </p:grpSpPr>
       <p:sp>
         <p:nvSpPr>
-          <p:cNvPr id="2" name="Title 1">
-            <a:extLst>
-              <a:ext uri="{FF2B5EF4-FFF2-40B4-BE49-F238E27FC236}">
-                <a16:creationId xmlns:a16="http://schemas.microsoft.com/office/drawing/2014/main" id="{FB8F4F67-D51A-2905-35F9-2BBAB4D020B7}"/>
-              </a:ext>
-            </a:extLst>
-          </p:cNvPr>
+          <p:cNvPr id="2" name="Title 1"/>
           <p:cNvSpPr>
             <a:spLocks noGrp="1"/>
           </p:cNvSpPr>
@@ -1556,18 +1442,13 @@
               <a:rPr lang="en-US"/>
               <a:t>Click to edit Master title style</a:t>
             </a:r>
-          </a:p>
-        </p:txBody>
-      </p:sp>
-      <p:sp>
-        <p:nvSpPr>
-          <p:cNvPr id="3" name="Content Placeholder 2">
-            <a:extLst>
-              <a:ext uri="{FF2B5EF4-FFF2-40B4-BE49-F238E27FC236}">
-                <a16:creationId xmlns:a16="http://schemas.microsoft.com/office/drawing/2014/main" id="{6A847D61-5135-31C8-B8BB-4E7F8341DB60}"/>
-              </a:ext>
-            </a:extLst>
-          </p:cNvPr>
+            <a:endParaRPr lang="en-US" dirty="0"/>
+          </a:p>
+        </p:txBody>
+      </p:sp>
+      <p:sp>
+        <p:nvSpPr>
+          <p:cNvPr id="3" name="Content Placeholder 2"/>
           <p:cNvSpPr>
             <a:spLocks noGrp="1"/>
           </p:cNvSpPr>
@@ -1613,18 +1494,13 @@
               <a:rPr lang="en-US"/>
               <a:t>Fifth level</a:t>
             </a:r>
-          </a:p>
-        </p:txBody>
-      </p:sp>
-      <p:sp>
-        <p:nvSpPr>
-          <p:cNvPr id="4" name="Date Placeholder 3">
-            <a:extLst>
-              <a:ext uri="{FF2B5EF4-FFF2-40B4-BE49-F238E27FC236}">
-                <a16:creationId xmlns:a16="http://schemas.microsoft.com/office/drawing/2014/main" id="{72667E10-9B64-06A4-B71C-3070883A1995}"/>
-              </a:ext>
-            </a:extLst>
-          </p:cNvPr>
+            <a:endParaRPr lang="en-US" dirty="0"/>
+          </a:p>
+        </p:txBody>
+      </p:sp>
+      <p:sp>
+        <p:nvSpPr>
+          <p:cNvPr id="4" name="Date Placeholder 3"/>
           <p:cNvSpPr>
             <a:spLocks noGrp="1"/>
           </p:cNvSpPr>
@@ -1639,7 +1515,7 @@
           <a:p>
             <a:fld id="{2FA42B01-F1BB-4625-8440-4A9C0732E5F6}" type="datetimeFigureOut">
               <a:rPr lang="en-US" smtClean="0"/>
-              <a:t>2/25/2025</a:t>
+              <a:t>3/9/2025</a:t>
             </a:fld>
             <a:endParaRPr lang="en-US"/>
           </a:p>
@@ -1647,13 +1523,7 @@
       </p:sp>
       <p:sp>
         <p:nvSpPr>
-          <p:cNvPr id="5" name="Footer Placeholder 4">
-            <a:extLst>
-              <a:ext uri="{FF2B5EF4-FFF2-40B4-BE49-F238E27FC236}">
-                <a16:creationId xmlns:a16="http://schemas.microsoft.com/office/drawing/2014/main" id="{C1EB29A8-A4DD-8196-635C-FB69DE217360}"/>
-              </a:ext>
-            </a:extLst>
-          </p:cNvPr>
+          <p:cNvPr id="5" name="Footer Placeholder 4"/>
           <p:cNvSpPr>
             <a:spLocks noGrp="1"/>
           </p:cNvSpPr>
@@ -1672,13 +1542,7 @@
       </p:sp>
       <p:sp>
         <p:nvSpPr>
-          <p:cNvPr id="6" name="Slide Number Placeholder 5">
-            <a:extLst>
-              <a:ext uri="{FF2B5EF4-FFF2-40B4-BE49-F238E27FC236}">
-                <a16:creationId xmlns:a16="http://schemas.microsoft.com/office/drawing/2014/main" id="{1D427618-69EF-AB9F-FE8B-FB956E9AC321}"/>
-              </a:ext>
-            </a:extLst>
-          </p:cNvPr>
+          <p:cNvPr id="6" name="Slide Number Placeholder 5"/>
           <p:cNvSpPr>
             <a:spLocks noGrp="1"/>
           </p:cNvSpPr>
@@ -1702,7 +1566,7 @@
     </p:spTree>
     <p:extLst>
       <p:ext uri="{BB962C8B-B14F-4D97-AF65-F5344CB8AC3E}">
-        <p14:creationId xmlns:p14="http://schemas.microsoft.com/office/powerpoint/2010/main" val="1322667722"/>
+        <p14:creationId xmlns:p14="http://schemas.microsoft.com/office/powerpoint/2010/main" val="2079045892"/>
       </p:ext>
     </p:extLst>
   </p:cSld>
@@ -1731,13 +1595,7 @@
       </p:grpSpPr>
       <p:sp>
         <p:nvSpPr>
-          <p:cNvPr id="2" name="Title 1">
-            <a:extLst>
-              <a:ext uri="{FF2B5EF4-FFF2-40B4-BE49-F238E27FC236}">
-                <a16:creationId xmlns:a16="http://schemas.microsoft.com/office/drawing/2014/main" id="{5EAF0D91-BA9A-60A1-CE41-D969707EE5EC}"/>
-              </a:ext>
-            </a:extLst>
-          </p:cNvPr>
+          <p:cNvPr id="2" name="Title 1"/>
           <p:cNvSpPr>
             <a:spLocks noGrp="1"/>
           </p:cNvSpPr>
@@ -1747,15 +1605,24 @@
         </p:nvSpPr>
         <p:spPr>
           <a:xfrm>
-            <a:off x="831850" y="1709738"/>
-            <a:ext cx="10515600" cy="2852737"/>
-          </a:xfrm>
-        </p:spPr>
-        <p:txBody>
-          <a:bodyPr anchor="b"/>
+            <a:off x="603504" y="767419"/>
+            <a:ext cx="10780776" cy="3355848"/>
+          </a:xfrm>
+        </p:spPr>
+        <p:txBody>
+          <a:bodyPr anchor="b">
+            <a:normAutofit/>
+          </a:bodyPr>
           <a:lstStyle>
             <a:lvl1pPr>
-              <a:defRPr sz="6000"/>
+              <a:lnSpc>
+                <a:spcPct val="80000"/>
+              </a:lnSpc>
+              <a:defRPr sz="8800" b="0" baseline="0">
+                <a:solidFill>
+                  <a:schemeClr val="accent1"/>
+                </a:solidFill>
+              </a:defRPr>
             </a:lvl1pPr>
           </a:lstStyle>
           <a:p>
@@ -1763,18 +1630,13 @@
               <a:rPr lang="en-US"/>
               <a:t>Click to edit Master title style</a:t>
             </a:r>
-          </a:p>
-        </p:txBody>
-      </p:sp>
-      <p:sp>
-        <p:nvSpPr>
-          <p:cNvPr id="3" name="Text Placeholder 2">
-            <a:extLst>
-              <a:ext uri="{FF2B5EF4-FFF2-40B4-BE49-F238E27FC236}">
-                <a16:creationId xmlns:a16="http://schemas.microsoft.com/office/drawing/2014/main" id="{DEE000AB-D986-FBDF-C37A-17A0F8433D83}"/>
-              </a:ext>
-            </a:extLst>
-          </p:cNvPr>
+            <a:endParaRPr lang="en-US" dirty="0"/>
+          </a:p>
+        </p:txBody>
+      </p:sp>
+      <p:sp>
+        <p:nvSpPr>
+          <p:cNvPr id="3" name="Text Placeholder 2"/>
           <p:cNvSpPr>
             <a:spLocks noGrp="1"/>
           </p:cNvSpPr>
@@ -1784,99 +1646,100 @@
         </p:nvSpPr>
         <p:spPr>
           <a:xfrm>
-            <a:off x="831850" y="4589463"/>
-            <a:ext cx="10515600" cy="1500187"/>
-          </a:xfrm>
-        </p:spPr>
-        <p:txBody>
-          <a:bodyPr/>
+            <a:off x="667512" y="4204209"/>
+            <a:ext cx="9226296" cy="1645920"/>
+          </a:xfrm>
+        </p:spPr>
+        <p:txBody>
+          <a:bodyPr anchor="t">
+            <a:normAutofit/>
+          </a:bodyPr>
           <a:lstStyle>
             <a:lvl1pPr marL="0" indent="0">
               <a:buNone/>
-              <a:defRPr sz="2400">
+              <a:defRPr sz="3200">
                 <a:solidFill>
-                  <a:schemeClr val="tx1">
-                    <a:tint val="82000"/>
-                  </a:schemeClr>
+                  <a:schemeClr val="tx1"/>
                 </a:solidFill>
+                <a:latin typeface="+mj-lt"/>
               </a:defRPr>
             </a:lvl1pPr>
             <a:lvl2pPr marL="457200" indent="0">
               <a:buNone/>
-              <a:defRPr sz="2000">
+              <a:defRPr sz="1800">
                 <a:solidFill>
                   <a:schemeClr val="tx1">
-                    <a:tint val="82000"/>
+                    <a:tint val="75000"/>
                   </a:schemeClr>
                 </a:solidFill>
               </a:defRPr>
             </a:lvl2pPr>
             <a:lvl3pPr marL="914400" indent="0">
               <a:buNone/>
-              <a:defRPr sz="1800">
+              <a:defRPr sz="1600">
                 <a:solidFill>
                   <a:schemeClr val="tx1">
-                    <a:tint val="82000"/>
+                    <a:tint val="75000"/>
                   </a:schemeClr>
                 </a:solidFill>
               </a:defRPr>
             </a:lvl3pPr>
             <a:lvl4pPr marL="1371600" indent="0">
               <a:buNone/>
-              <a:defRPr sz="1600">
+              <a:defRPr sz="1400">
                 <a:solidFill>
                   <a:schemeClr val="tx1">
-                    <a:tint val="82000"/>
+                    <a:tint val="75000"/>
                   </a:schemeClr>
                 </a:solidFill>
               </a:defRPr>
             </a:lvl4pPr>
             <a:lvl5pPr marL="1828800" indent="0">
               <a:buNone/>
-              <a:defRPr sz="1600">
+              <a:defRPr sz="1400">
                 <a:solidFill>
                   <a:schemeClr val="tx1">
-                    <a:tint val="82000"/>
+                    <a:tint val="75000"/>
                   </a:schemeClr>
                 </a:solidFill>
               </a:defRPr>
             </a:lvl5pPr>
             <a:lvl6pPr marL="2286000" indent="0">
               <a:buNone/>
-              <a:defRPr sz="1600">
+              <a:defRPr sz="1400">
                 <a:solidFill>
                   <a:schemeClr val="tx1">
-                    <a:tint val="82000"/>
+                    <a:tint val="75000"/>
                   </a:schemeClr>
                 </a:solidFill>
               </a:defRPr>
             </a:lvl6pPr>
             <a:lvl7pPr marL="2743200" indent="0">
               <a:buNone/>
-              <a:defRPr sz="1600">
+              <a:defRPr sz="1400">
                 <a:solidFill>
                   <a:schemeClr val="tx1">
-                    <a:tint val="82000"/>
+                    <a:tint val="75000"/>
                   </a:schemeClr>
                 </a:solidFill>
               </a:defRPr>
             </a:lvl7pPr>
             <a:lvl8pPr marL="3200400" indent="0">
               <a:buNone/>
-              <a:defRPr sz="1600">
+              <a:defRPr sz="1400">
                 <a:solidFill>
                   <a:schemeClr val="tx1">
-                    <a:tint val="82000"/>
+                    <a:tint val="75000"/>
                   </a:schemeClr>
                 </a:solidFill>
               </a:defRPr>
             </a:lvl8pPr>
             <a:lvl9pPr marL="3657600" indent="0">
               <a:buNone/>
-              <a:defRPr sz="1600">
+              <a:defRPr sz="1400">
                 <a:solidFill>
                   <a:schemeClr val="tx1">
-                    <a:tint val="82000"/>
+                    <a:tint val="75000"/>
                   </a:schemeClr>
                 </a:solidFill>
               </a:defRPr>
@@ -1893,13 +1756,7 @@
       </p:sp>
       <p:sp>
         <p:nvSpPr>
-          <p:cNvPr id="4" name="Date Placeholder 3">
-            <a:extLst>
-              <a:ext uri="{FF2B5EF4-FFF2-40B4-BE49-F238E27FC236}">
-                <a16:creationId xmlns:a16="http://schemas.microsoft.com/office/drawing/2014/main" id="{887528CA-C94E-957C-BD62-F54A4173D559}"/>
-              </a:ext>
-            </a:extLst>
-          </p:cNvPr>
+          <p:cNvPr id="4" name="Date Placeholder 3"/>
           <p:cNvSpPr>
             <a:spLocks noGrp="1"/>
           </p:cNvSpPr>
@@ -1914,7 +1771,7 @@
           <a:p>
             <a:fld id="{2FA42B01-F1BB-4625-8440-4A9C0732E5F6}" type="datetimeFigureOut">
               <a:rPr lang="en-US" smtClean="0"/>
-              <a:t>2/25/2025</a:t>
+              <a:t>3/9/2025</a:t>
             </a:fld>
             <a:endParaRPr lang="en-US"/>
           </a:p>
@@ -1922,13 +1779,7 @@
       </p:sp>
       <p:sp>
         <p:nvSpPr>
-          <p:cNvPr id="5" name="Footer Placeholder 4">
-            <a:extLst>
-              <a:ext uri="{FF2B5EF4-FFF2-40B4-BE49-F238E27FC236}">
-                <a16:creationId xmlns:a16="http://schemas.microsoft.com/office/drawing/2014/main" id="{124EA969-C7C5-74D2-B2E4-2C7DAABB0E09}"/>
-              </a:ext>
-            </a:extLst>
-          </p:cNvPr>
+          <p:cNvPr id="5" name="Footer Placeholder 4"/>
           <p:cNvSpPr>
             <a:spLocks noGrp="1"/>
           </p:cNvSpPr>
@@ -1947,13 +1798,7 @@
       </p:sp>
       <p:sp>
         <p:nvSpPr>
-          <p:cNvPr id="6" name="Slide Number Placeholder 5">
-            <a:extLst>
-              <a:ext uri="{FF2B5EF4-FFF2-40B4-BE49-F238E27FC236}">
-                <a16:creationId xmlns:a16="http://schemas.microsoft.com/office/drawing/2014/main" id="{972CB70A-5B6D-2AC4-CE2B-4182C02AA1E9}"/>
-              </a:ext>
-            </a:extLst>
-          </p:cNvPr>
+          <p:cNvPr id="6" name="Slide Number Placeholder 5"/>
           <p:cNvSpPr>
             <a:spLocks noGrp="1"/>
           </p:cNvSpPr>
@@ -1977,7 +1822,7 @@
     </p:spTree>
     <p:extLst>
       <p:ext uri="{BB962C8B-B14F-4D97-AF65-F5344CB8AC3E}">
-        <p14:creationId xmlns:p14="http://schemas.microsoft.com/office/powerpoint/2010/main" val="4134921073"/>
+        <p14:creationId xmlns:p14="http://schemas.microsoft.com/office/powerpoint/2010/main" val="1259864994"/>
       </p:ext>
     </p:extLst>
   </p:cSld>
@@ -2006,13 +1851,7 @@
       </p:grpSpPr>
       <p:sp>
         <p:nvSpPr>
-          <p:cNvPr id="2" name="Title 1">
-            <a:extLst>
-              <a:ext uri="{FF2B5EF4-FFF2-40B4-BE49-F238E27FC236}">
-                <a16:creationId xmlns:a16="http://schemas.microsoft.com/office/drawing/2014/main" id="{5BECB398-6DFC-1D63-45C3-269E71889442}"/>
-              </a:ext>
-            </a:extLst>
-          </p:cNvPr>
+          <p:cNvPr id="2" name="Title 1"/>
           <p:cNvSpPr>
             <a:spLocks noGrp="1"/>
           </p:cNvSpPr>
@@ -2029,18 +1868,13 @@
               <a:rPr lang="en-US"/>
               <a:t>Click to edit Master title style</a:t>
             </a:r>
-          </a:p>
-        </p:txBody>
-      </p:sp>
-      <p:sp>
-        <p:nvSpPr>
-          <p:cNvPr id="3" name="Content Placeholder 2">
-            <a:extLst>
-              <a:ext uri="{FF2B5EF4-FFF2-40B4-BE49-F238E27FC236}">
-                <a16:creationId xmlns:a16="http://schemas.microsoft.com/office/drawing/2014/main" id="{C4C346AD-5EE4-7397-1BB5-0E302AE63839}"/>
-              </a:ext>
-            </a:extLst>
-          </p:cNvPr>
+            <a:endParaRPr lang="en-US" dirty="0"/>
+          </a:p>
+        </p:txBody>
+      </p:sp>
+      <p:sp>
+        <p:nvSpPr>
+          <p:cNvPr id="3" name="Content Placeholder 2"/>
           <p:cNvSpPr>
             <a:spLocks noGrp="1"/>
           </p:cNvSpPr>
@@ -2050,175 +1884,209 @@
         </p:nvSpPr>
         <p:spPr>
           <a:xfrm>
-            <a:off x="838200" y="1825625"/>
-            <a:ext cx="5181600" cy="4351338"/>
-          </a:xfrm>
-        </p:spPr>
+            <a:off x="676656" y="1998134"/>
+            <a:ext cx="4663440" cy="3767328"/>
+          </a:xfrm>
+        </p:spPr>
+        <p:txBody>
+          <a:bodyPr/>
+          <a:lstStyle>
+            <a:lvl1pPr>
+              <a:defRPr sz="2400"/>
+            </a:lvl1pPr>
+            <a:lvl2pPr>
+              <a:defRPr sz="2000"/>
+            </a:lvl2pPr>
+            <a:lvl3pPr>
+              <a:defRPr sz="1800"/>
+            </a:lvl3pPr>
+            <a:lvl4pPr>
+              <a:defRPr sz="1600"/>
+            </a:lvl4pPr>
+            <a:lvl5pPr>
+              <a:defRPr sz="1600"/>
+            </a:lvl5pPr>
+            <a:lvl6pPr>
+              <a:defRPr sz="1600"/>
+            </a:lvl6pPr>
+            <a:lvl7pPr>
+              <a:defRPr sz="1600"/>
+            </a:lvl7pPr>
+            <a:lvl8pPr>
+              <a:defRPr sz="1600"/>
+            </a:lvl8pPr>
+            <a:lvl9pPr>
+              <a:defRPr sz="1600"/>
+            </a:lvl9pPr>
+          </a:lstStyle>
+          <a:p>
+            <a:pPr lvl="0"/>
+            <a:r>
+              <a:rPr lang="en-US"/>
+              <a:t>Click to edit Master text styles</a:t>
+            </a:r>
+          </a:p>
+          <a:p>
+            <a:pPr lvl="1"/>
+            <a:r>
+              <a:rPr lang="en-US"/>
+              <a:t>Second level</a:t>
+            </a:r>
+          </a:p>
+          <a:p>
+            <a:pPr lvl="2"/>
+            <a:r>
+              <a:rPr lang="en-US"/>
+              <a:t>Third level</a:t>
+            </a:r>
+          </a:p>
+          <a:p>
+            <a:pPr lvl="3"/>
+            <a:r>
+              <a:rPr lang="en-US"/>
+              <a:t>Fourth level</a:t>
+            </a:r>
+          </a:p>
+          <a:p>
+            <a:pPr lvl="4"/>
+            <a:r>
+              <a:rPr lang="en-US"/>
+              <a:t>Fifth level</a:t>
+            </a:r>
+            <a:endParaRPr lang="en-US" dirty="0"/>
+          </a:p>
+        </p:txBody>
+      </p:sp>
+      <p:sp>
+        <p:nvSpPr>
+          <p:cNvPr id="4" name="Content Placeholder 3"/>
+          <p:cNvSpPr>
+            <a:spLocks noGrp="1"/>
+          </p:cNvSpPr>
+          <p:nvPr>
+            <p:ph sz="half" idx="2"/>
+          </p:nvPr>
+        </p:nvSpPr>
+        <p:spPr>
+          <a:xfrm>
+            <a:off x="6011330" y="1998134"/>
+            <a:ext cx="4663440" cy="3767328"/>
+          </a:xfrm>
+        </p:spPr>
+        <p:txBody>
+          <a:bodyPr/>
+          <a:lstStyle>
+            <a:lvl1pPr>
+              <a:defRPr sz="2400"/>
+            </a:lvl1pPr>
+            <a:lvl2pPr>
+              <a:defRPr sz="2000"/>
+            </a:lvl2pPr>
+            <a:lvl3pPr>
+              <a:defRPr sz="1800"/>
+            </a:lvl3pPr>
+            <a:lvl4pPr>
+              <a:defRPr sz="1600"/>
+            </a:lvl4pPr>
+            <a:lvl5pPr>
+              <a:defRPr sz="1600"/>
+            </a:lvl5pPr>
+            <a:lvl6pPr>
+              <a:defRPr sz="1600"/>
+            </a:lvl6pPr>
+            <a:lvl7pPr>
+              <a:defRPr sz="1600"/>
+            </a:lvl7pPr>
+            <a:lvl8pPr>
+              <a:defRPr sz="1600"/>
+            </a:lvl8pPr>
+            <a:lvl9pPr>
+              <a:defRPr sz="1600"/>
+            </a:lvl9pPr>
+          </a:lstStyle>
+          <a:p>
+            <a:pPr lvl="0"/>
+            <a:r>
+              <a:rPr lang="en-US"/>
+              <a:t>Click to edit Master text styles</a:t>
+            </a:r>
+          </a:p>
+          <a:p>
+            <a:pPr lvl="1"/>
+            <a:r>
+              <a:rPr lang="en-US"/>
+              <a:t>Second level</a:t>
+            </a:r>
+          </a:p>
+          <a:p>
+            <a:pPr lvl="2"/>
+            <a:r>
+              <a:rPr lang="en-US"/>
+              <a:t>Third level</a:t>
+            </a:r>
+          </a:p>
+          <a:p>
+            <a:pPr lvl="3"/>
+            <a:r>
+              <a:rPr lang="en-US"/>
+              <a:t>Fourth level</a:t>
+            </a:r>
+          </a:p>
+          <a:p>
+            <a:pPr lvl="4"/>
+            <a:r>
+              <a:rPr lang="en-US"/>
+              <a:t>Fifth level</a:t>
+            </a:r>
+            <a:endParaRPr lang="en-US" dirty="0"/>
+          </a:p>
+        </p:txBody>
+      </p:sp>
+      <p:sp>
+        <p:nvSpPr>
+          <p:cNvPr id="5" name="Date Placeholder 4"/>
+          <p:cNvSpPr>
+            <a:spLocks noGrp="1"/>
+          </p:cNvSpPr>
+          <p:nvPr>
+            <p:ph type="dt" sz="half" idx="10"/>
+          </p:nvPr>
+        </p:nvSpPr>
+        <p:spPr/>
         <p:txBody>
           <a:bodyPr/>
           <a:lstStyle/>
           <a:p>
-            <a:pPr lvl="0"/>
-            <a:r>
-              <a:rPr lang="en-US"/>
-              <a:t>Click to edit Master text styles</a:t>
-            </a:r>
-          </a:p>
-          <a:p>
-            <a:pPr lvl="1"/>
-            <a:r>
-              <a:rPr lang="en-US"/>
-              <a:t>Second level</a:t>
-            </a:r>
-          </a:p>
-          <a:p>
-            <a:pPr lvl="2"/>
-            <a:r>
-              <a:rPr lang="en-US"/>
-              <a:t>Third level</a:t>
-            </a:r>
-          </a:p>
-          <a:p>
-            <a:pPr lvl="3"/>
-            <a:r>
-              <a:rPr lang="en-US"/>
-              <a:t>Fourth level</a:t>
-            </a:r>
-          </a:p>
-          <a:p>
-            <a:pPr lvl="4"/>
-            <a:r>
-              <a:rPr lang="en-US"/>
-              <a:t>Fifth level</a:t>
-            </a:r>
-          </a:p>
-        </p:txBody>
-      </p:sp>
-      <p:sp>
-        <p:nvSpPr>
-          <p:cNvPr id="4" name="Content Placeholder 3">
-            <a:extLst>
-              <a:ext uri="{FF2B5EF4-FFF2-40B4-BE49-F238E27FC236}">
-                <a16:creationId xmlns:a16="http://schemas.microsoft.com/office/drawing/2014/main" id="{B62DB777-D2FE-241C-8FFC-78EEE591046A}"/>
-              </a:ext>
-            </a:extLst>
-          </p:cNvPr>
+            <a:fld id="{2FA42B01-F1BB-4625-8440-4A9C0732E5F6}" type="datetimeFigureOut">
+              <a:rPr lang="en-US" smtClean="0"/>
+              <a:t>3/9/2025</a:t>
+            </a:fld>
+            <a:endParaRPr lang="en-US"/>
+          </a:p>
+        </p:txBody>
+      </p:sp>
+      <p:sp>
+        <p:nvSpPr>
+          <p:cNvPr id="6" name="Footer Placeholder 5"/>
           <p:cNvSpPr>
             <a:spLocks noGrp="1"/>
           </p:cNvSpPr>
           <p:nvPr>
-            <p:ph sz="half" idx="2"/>
-          </p:nvPr>
-        </p:nvSpPr>
-        <p:spPr>
-          <a:xfrm>
-            <a:off x="6172200" y="1825625"/>
-            <a:ext cx="5181600" cy="4351338"/>
-          </a:xfrm>
-        </p:spPr>
+            <p:ph type="ftr" sz="quarter" idx="11"/>
+          </p:nvPr>
+        </p:nvSpPr>
+        <p:spPr/>
         <p:txBody>
           <a:bodyPr/>
           <a:lstStyle/>
           <a:p>
-            <a:pPr lvl="0"/>
-            <a:r>
-              <a:rPr lang="en-US"/>
-              <a:t>Click to edit Master text styles</a:t>
-            </a:r>
-          </a:p>
-          <a:p>
-            <a:pPr lvl="1"/>
-            <a:r>
-              <a:rPr lang="en-US"/>
-              <a:t>Second level</a:t>
-            </a:r>
-          </a:p>
-          <a:p>
-            <a:pPr lvl="2"/>
-            <a:r>
-              <a:rPr lang="en-US"/>
-              <a:t>Third level</a:t>
-            </a:r>
-          </a:p>
-          <a:p>
-            <a:pPr lvl="3"/>
-            <a:r>
-              <a:rPr lang="en-US"/>
-              <a:t>Fourth level</a:t>
-            </a:r>
-          </a:p>
-          <a:p>
-            <a:pPr lvl="4"/>
-            <a:r>
-              <a:rPr lang="en-US"/>
-              <a:t>Fifth level</a:t>
-            </a:r>
-          </a:p>
-        </p:txBody>
-      </p:sp>
-      <p:sp>
-        <p:nvSpPr>
-          <p:cNvPr id="5" name="Date Placeholder 4">
-            <a:extLst>
-              <a:ext uri="{FF2B5EF4-FFF2-40B4-BE49-F238E27FC236}">
-                <a16:creationId xmlns:a16="http://schemas.microsoft.com/office/drawing/2014/main" id="{CDF3578B-26B0-E854-829F-5FB08EC60E0F}"/>
-              </a:ext>
-            </a:extLst>
-          </p:cNvPr>
-          <p:cNvSpPr>
-            <a:spLocks noGrp="1"/>
-          </p:cNvSpPr>
-          <p:nvPr>
-            <p:ph type="dt" sz="half" idx="10"/>
-          </p:nvPr>
-        </p:nvSpPr>
-        <p:spPr/>
-        <p:txBody>
-          <a:bodyPr/>
-          <a:lstStyle/>
-          <a:p>
-            <a:fld id="{2FA42B01-F1BB-4625-8440-4A9C0732E5F6}" type="datetimeFigureOut">
-              <a:rPr lang="en-US" smtClean="0"/>
-              <a:t>2/25/2025</a:t>
-            </a:fld>
             <a:endParaRPr lang="en-US"/>
           </a:p>
         </p:txBody>
       </p:sp>
       <p:sp>
         <p:nvSpPr>
-          <p:cNvPr id="6" name="Footer Placeholder 5">
-            <a:extLst>
-              <a:ext uri="{FF2B5EF4-FFF2-40B4-BE49-F238E27FC236}">
-                <a16:creationId xmlns:a16="http://schemas.microsoft.com/office/drawing/2014/main" id="{1A71BD3E-7E3E-F802-F55A-D06488FF88CB}"/>
-              </a:ext>
-            </a:extLst>
-          </p:cNvPr>
-          <p:cNvSpPr>
-            <a:spLocks noGrp="1"/>
-          </p:cNvSpPr>
-          <p:nvPr>
-            <p:ph type="ftr" sz="quarter" idx="11"/>
-          </p:nvPr>
-        </p:nvSpPr>
-        <p:spPr/>
-        <p:txBody>
-          <a:bodyPr/>
-          <a:lstStyle/>
-          <a:p>
-            <a:endParaRPr lang="en-US"/>
-          </a:p>
-        </p:txBody>
-      </p:sp>
-      <p:sp>
-        <p:nvSpPr>
-          <p:cNvPr id="7" name="Slide Number Placeholder 6">
-            <a:extLst>
-              <a:ext uri="{FF2B5EF4-FFF2-40B4-BE49-F238E27FC236}">
-                <a16:creationId xmlns:a16="http://schemas.microsoft.com/office/drawing/2014/main" id="{0C1857CF-60DD-96C1-9E80-406BE8135784}"/>
-              </a:ext>
-            </a:extLst>
-          </p:cNvPr>
+          <p:cNvPr id="7" name="Slide Number Placeholder 6"/>
           <p:cNvSpPr>
             <a:spLocks noGrp="1"/>
           </p:cNvSpPr>
@@ -2242,7 +2110,7 @@
     </p:spTree>
     <p:extLst>
       <p:ext uri="{BB962C8B-B14F-4D97-AF65-F5344CB8AC3E}">
-        <p14:creationId xmlns:p14="http://schemas.microsoft.com/office/powerpoint/2010/main" val="4208281601"/>
+        <p14:creationId xmlns:p14="http://schemas.microsoft.com/office/powerpoint/2010/main" val="1767317869"/>
       </p:ext>
     </p:extLst>
   </p:cSld>
@@ -2271,13 +2139,7 @@
       </p:grpSpPr>
       <p:sp>
         <p:nvSpPr>
-          <p:cNvPr id="2" name="Title 1">
-            <a:extLst>
-              <a:ext uri="{FF2B5EF4-FFF2-40B4-BE49-F238E27FC236}">
-                <a16:creationId xmlns:a16="http://schemas.microsoft.com/office/drawing/2014/main" id="{AA3B990B-4B6F-9A1F-7A8E-6A54D4D8A8B1}"/>
-              </a:ext>
-            </a:extLst>
-          </p:cNvPr>
+          <p:cNvPr id="10" name="Title 9"/>
           <p:cNvSpPr>
             <a:spLocks noGrp="1"/>
           </p:cNvSpPr>
@@ -2285,12 +2147,7 @@
             <p:ph type="title"/>
           </p:nvPr>
         </p:nvSpPr>
-        <p:spPr>
-          <a:xfrm>
-            <a:off x="839788" y="365125"/>
-            <a:ext cx="10515600" cy="1325563"/>
-          </a:xfrm>
-        </p:spPr>
+        <p:spPr/>
         <p:txBody>
           <a:bodyPr/>
           <a:lstStyle/>
@@ -2299,18 +2156,13 @@
               <a:rPr lang="en-US"/>
               <a:t>Click to edit Master title style</a:t>
             </a:r>
-          </a:p>
-        </p:txBody>
-      </p:sp>
-      <p:sp>
-        <p:nvSpPr>
-          <p:cNvPr id="3" name="Text Placeholder 2">
-            <a:extLst>
-              <a:ext uri="{FF2B5EF4-FFF2-40B4-BE49-F238E27FC236}">
-                <a16:creationId xmlns:a16="http://schemas.microsoft.com/office/drawing/2014/main" id="{2976BBC7-B1C1-FEDE-A89B-A67B8FB75E46}"/>
-              </a:ext>
-            </a:extLst>
-          </p:cNvPr>
+            <a:endParaRPr lang="en-US" dirty="0"/>
+          </a:p>
+        </p:txBody>
+      </p:sp>
+      <p:sp>
+        <p:nvSpPr>
+          <p:cNvPr id="3" name="Text Placeholder 2"/>
           <p:cNvSpPr>
             <a:spLocks noGrp="1"/>
           </p:cNvSpPr>
@@ -2320,16 +2172,26 @@
         </p:nvSpPr>
         <p:spPr>
           <a:xfrm>
-            <a:off x="839788" y="1681163"/>
-            <a:ext cx="5157787" cy="823912"/>
-          </a:xfrm>
-        </p:spPr>
-        <p:txBody>
-          <a:bodyPr anchor="b"/>
+            <a:off x="676656" y="2040467"/>
+            <a:ext cx="4663440" cy="723400"/>
+          </a:xfrm>
+        </p:spPr>
+        <p:txBody>
+          <a:bodyPr anchor="ctr">
+            <a:normAutofit/>
+          </a:bodyPr>
           <a:lstStyle>
             <a:lvl1pPr marL="0" indent="0">
               <a:buNone/>
-              <a:defRPr sz="2400" b="1"/>
+              <a:defRPr sz="2200" b="0" cap="all" baseline="0">
+                <a:solidFill>
+                  <a:schemeClr val="tx1">
+                    <a:lumMod val="85000"/>
+                    <a:lumOff val="15000"/>
+                  </a:schemeClr>
+                </a:solidFill>
+                <a:latin typeface="+mj-lt"/>
+              </a:defRPr>
             </a:lvl1pPr>
             <a:lvl2pPr marL="457200" indent="0">
               <a:buNone/>
@@ -2375,13 +2237,7 @@
       </p:sp>
       <p:sp>
         <p:nvSpPr>
-          <p:cNvPr id="4" name="Content Placeholder 3">
-            <a:extLst>
-              <a:ext uri="{FF2B5EF4-FFF2-40B4-BE49-F238E27FC236}">
-                <a16:creationId xmlns:a16="http://schemas.microsoft.com/office/drawing/2014/main" id="{141012E4-3455-536B-C2FD-2D282D4D53D4}"/>
-              </a:ext>
-            </a:extLst>
-          </p:cNvPr>
+          <p:cNvPr id="4" name="Content Placeholder 3"/>
           <p:cNvSpPr>
             <a:spLocks noGrp="1"/>
           </p:cNvSpPr>
@@ -2391,13 +2247,41 @@
         </p:nvSpPr>
         <p:spPr>
           <a:xfrm>
-            <a:off x="839788" y="2505075"/>
-            <a:ext cx="5157787" cy="3684588"/>
+            <a:off x="676656" y="2753084"/>
+            <a:ext cx="4663440" cy="3200400"/>
           </a:xfrm>
         </p:spPr>
         <p:txBody>
           <a:bodyPr/>
-          <a:lstStyle/>
+          <a:lstStyle>
+            <a:lvl1pPr>
+              <a:defRPr sz="2400"/>
+            </a:lvl1pPr>
+            <a:lvl2pPr>
+              <a:defRPr sz="2000"/>
+            </a:lvl2pPr>
+            <a:lvl3pPr>
+              <a:defRPr sz="1800"/>
+            </a:lvl3pPr>
+            <a:lvl4pPr>
+              <a:defRPr sz="1600"/>
+            </a:lvl4pPr>
+            <a:lvl5pPr>
+              <a:defRPr sz="1600"/>
+            </a:lvl5pPr>
+            <a:lvl6pPr>
+              <a:defRPr sz="1600"/>
+            </a:lvl6pPr>
+            <a:lvl7pPr>
+              <a:defRPr sz="1600"/>
+            </a:lvl7pPr>
+            <a:lvl8pPr>
+              <a:defRPr sz="1600"/>
+            </a:lvl8pPr>
+            <a:lvl9pPr>
+              <a:defRPr sz="1600"/>
+            </a:lvl9pPr>
+          </a:lstStyle>
           <a:p>
             <a:pPr lvl="0"/>
             <a:r>
@@ -2432,18 +2316,13 @@
               <a:rPr lang="en-US"/>
               <a:t>Fifth level</a:t>
             </a:r>
-          </a:p>
-        </p:txBody>
-      </p:sp>
-      <p:sp>
-        <p:nvSpPr>
-          <p:cNvPr id="5" name="Text Placeholder 4">
-            <a:extLst>
-              <a:ext uri="{FF2B5EF4-FFF2-40B4-BE49-F238E27FC236}">
-                <a16:creationId xmlns:a16="http://schemas.microsoft.com/office/drawing/2014/main" id="{ABC15FCF-4A60-386D-F84B-52285DD9E303}"/>
-              </a:ext>
-            </a:extLst>
-          </p:cNvPr>
+            <a:endParaRPr lang="en-US" dirty="0"/>
+          </a:p>
+        </p:txBody>
+      </p:sp>
+      <p:sp>
+        <p:nvSpPr>
+          <p:cNvPr id="5" name="Text Placeholder 4"/>
           <p:cNvSpPr>
             <a:spLocks noGrp="1"/>
           </p:cNvSpPr>
@@ -2453,16 +2332,26 @@
         </p:nvSpPr>
         <p:spPr>
           <a:xfrm>
-            <a:off x="6172200" y="1681163"/>
-            <a:ext cx="5183188" cy="823912"/>
-          </a:xfrm>
-        </p:spPr>
-        <p:txBody>
-          <a:bodyPr anchor="b"/>
+            <a:off x="6007608" y="2038435"/>
+            <a:ext cx="4663440" cy="722376"/>
+          </a:xfrm>
+        </p:spPr>
+        <p:txBody>
+          <a:bodyPr anchor="ctr">
+            <a:normAutofit/>
+          </a:bodyPr>
           <a:lstStyle>
             <a:lvl1pPr marL="0" indent="0">
               <a:buNone/>
-              <a:defRPr sz="2400" b="1"/>
+              <a:defRPr sz="2200" b="0" cap="all" baseline="0">
+                <a:solidFill>
+                  <a:schemeClr val="tx1">
+                    <a:lumMod val="85000"/>
+                    <a:lumOff val="15000"/>
+                  </a:schemeClr>
+                </a:solidFill>
+                <a:latin typeface="+mj-lt"/>
+              </a:defRPr>
             </a:lvl1pPr>
             <a:lvl2pPr marL="457200" indent="0">
               <a:buNone/>
@@ -2508,13 +2397,7 @@
       </p:sp>
       <p:sp>
         <p:nvSpPr>
-          <p:cNvPr id="6" name="Content Placeholder 5">
-            <a:extLst>
-              <a:ext uri="{FF2B5EF4-FFF2-40B4-BE49-F238E27FC236}">
-                <a16:creationId xmlns:a16="http://schemas.microsoft.com/office/drawing/2014/main" id="{8231C621-4DC6-4E3E-90E4-48289B4C6841}"/>
-              </a:ext>
-            </a:extLst>
-          </p:cNvPr>
+          <p:cNvPr id="6" name="Content Placeholder 5"/>
           <p:cNvSpPr>
             <a:spLocks noGrp="1"/>
           </p:cNvSpPr>
@@ -2524,64 +2407,110 @@
         </p:nvSpPr>
         <p:spPr>
           <a:xfrm>
-            <a:off x="6172200" y="2505075"/>
-            <a:ext cx="5183188" cy="3684588"/>
-          </a:xfrm>
-        </p:spPr>
+            <a:off x="6007608" y="2750990"/>
+            <a:ext cx="4663440" cy="3200400"/>
+          </a:xfrm>
+        </p:spPr>
+        <p:txBody>
+          <a:bodyPr/>
+          <a:lstStyle>
+            <a:lvl1pPr>
+              <a:defRPr sz="2400"/>
+            </a:lvl1pPr>
+            <a:lvl2pPr>
+              <a:defRPr sz="2000"/>
+            </a:lvl2pPr>
+            <a:lvl3pPr>
+              <a:defRPr sz="1800"/>
+            </a:lvl3pPr>
+            <a:lvl4pPr>
+              <a:defRPr sz="1600"/>
+            </a:lvl4pPr>
+            <a:lvl5pPr>
+              <a:defRPr sz="1600"/>
+            </a:lvl5pPr>
+            <a:lvl6pPr>
+              <a:defRPr sz="1600"/>
+            </a:lvl6pPr>
+            <a:lvl7pPr>
+              <a:defRPr sz="1600"/>
+            </a:lvl7pPr>
+            <a:lvl8pPr>
+              <a:defRPr sz="1600"/>
+            </a:lvl8pPr>
+            <a:lvl9pPr>
+              <a:defRPr sz="1600"/>
+            </a:lvl9pPr>
+          </a:lstStyle>
+          <a:p>
+            <a:pPr lvl="0"/>
+            <a:r>
+              <a:rPr lang="en-US"/>
+              <a:t>Click to edit Master text styles</a:t>
+            </a:r>
+          </a:p>
+          <a:p>
+            <a:pPr lvl="1"/>
+            <a:r>
+              <a:rPr lang="en-US"/>
+              <a:t>Second level</a:t>
+            </a:r>
+          </a:p>
+          <a:p>
+            <a:pPr lvl="2"/>
+            <a:r>
+              <a:rPr lang="en-US"/>
+              <a:t>Third level</a:t>
+            </a:r>
+          </a:p>
+          <a:p>
+            <a:pPr lvl="3"/>
+            <a:r>
+              <a:rPr lang="en-US"/>
+              <a:t>Fourth level</a:t>
+            </a:r>
+          </a:p>
+          <a:p>
+            <a:pPr lvl="4"/>
+            <a:r>
+              <a:rPr lang="en-US"/>
+              <a:t>Fifth level</a:t>
+            </a:r>
+            <a:endParaRPr lang="en-US" dirty="0"/>
+          </a:p>
+        </p:txBody>
+      </p:sp>
+      <p:sp>
+        <p:nvSpPr>
+          <p:cNvPr id="7" name="Date Placeholder 6"/>
+          <p:cNvSpPr>
+            <a:spLocks noGrp="1"/>
+          </p:cNvSpPr>
+          <p:nvPr>
+            <p:ph type="dt" sz="half" idx="10"/>
+          </p:nvPr>
+        </p:nvSpPr>
+        <p:spPr/>
         <p:txBody>
           <a:bodyPr/>
           <a:lstStyle/>
           <a:p>
-            <a:pPr lvl="0"/>
-            <a:r>
-              <a:rPr lang="en-US"/>
-              <a:t>Click to edit Master text styles</a:t>
-            </a:r>
-          </a:p>
-          <a:p>
-            <a:pPr lvl="1"/>
-            <a:r>
-              <a:rPr lang="en-US"/>
-              <a:t>Second level</a:t>
-            </a:r>
-          </a:p>
-          <a:p>
-            <a:pPr lvl="2"/>
-            <a:r>
-              <a:rPr lang="en-US"/>
-              <a:t>Third level</a:t>
-            </a:r>
-          </a:p>
-          <a:p>
-            <a:pPr lvl="3"/>
-            <a:r>
-              <a:rPr lang="en-US"/>
-              <a:t>Fourth level</a:t>
-            </a:r>
-          </a:p>
-          <a:p>
-            <a:pPr lvl="4"/>
-            <a:r>
-              <a:rPr lang="en-US"/>
-              <a:t>Fifth level</a:t>
-            </a:r>
-          </a:p>
-        </p:txBody>
-      </p:sp>
-      <p:sp>
-        <p:nvSpPr>
-          <p:cNvPr id="7" name="Date Placeholder 6">
-            <a:extLst>
-              <a:ext uri="{FF2B5EF4-FFF2-40B4-BE49-F238E27FC236}">
-                <a16:creationId xmlns:a16="http://schemas.microsoft.com/office/drawing/2014/main" id="{19707A30-6EF9-D7EC-D712-FEBAE33FC1F8}"/>
-              </a:ext>
-            </a:extLst>
-          </p:cNvPr>
+            <a:fld id="{2FA42B01-F1BB-4625-8440-4A9C0732E5F6}" type="datetimeFigureOut">
+              <a:rPr lang="en-US" smtClean="0"/>
+              <a:t>3/9/2025</a:t>
+            </a:fld>
+            <a:endParaRPr lang="en-US"/>
+          </a:p>
+        </p:txBody>
+      </p:sp>
+      <p:sp>
+        <p:nvSpPr>
+          <p:cNvPr id="8" name="Footer Placeholder 7"/>
           <p:cNvSpPr>
             <a:spLocks noGrp="1"/>
           </p:cNvSpPr>
           <p:nvPr>
-            <p:ph type="dt" sz="half" idx="10"/>
+            <p:ph type="ftr" sz="quarter" idx="11"/>
           </p:nvPr>
         </p:nvSpPr>
         <p:spPr/>
@@ -2589,48 +2518,13 @@
           <a:bodyPr/>
           <a:lstStyle/>
           <a:p>
-            <a:fld id="{2FA42B01-F1BB-4625-8440-4A9C0732E5F6}" type="datetimeFigureOut">
-              <a:rPr lang="en-US" smtClean="0"/>
-              <a:t>2/25/2025</a:t>
-            </a:fld>
             <a:endParaRPr lang="en-US"/>
           </a:p>
         </p:txBody>
       </p:sp>
       <p:sp>
         <p:nvSpPr>
-          <p:cNvPr id="8" name="Footer Placeholder 7">
-            <a:extLst>
-              <a:ext uri="{FF2B5EF4-FFF2-40B4-BE49-F238E27FC236}">
-                <a16:creationId xmlns:a16="http://schemas.microsoft.com/office/drawing/2014/main" id="{CAF36C91-9708-3E18-B10C-1A5BDD707BF0}"/>
-              </a:ext>
-            </a:extLst>
-          </p:cNvPr>
-          <p:cNvSpPr>
-            <a:spLocks noGrp="1"/>
-          </p:cNvSpPr>
-          <p:nvPr>
-            <p:ph type="ftr" sz="quarter" idx="11"/>
-          </p:nvPr>
-        </p:nvSpPr>
-        <p:spPr/>
-        <p:txBody>
-          <a:bodyPr/>
-          <a:lstStyle/>
-          <a:p>
-            <a:endParaRPr lang="en-US"/>
-          </a:p>
-        </p:txBody>
-      </p:sp>
-      <p:sp>
-        <p:nvSpPr>
-          <p:cNvPr id="9" name="Slide Number Placeholder 8">
-            <a:extLst>
-              <a:ext uri="{FF2B5EF4-FFF2-40B4-BE49-F238E27FC236}">
-                <a16:creationId xmlns:a16="http://schemas.microsoft.com/office/drawing/2014/main" id="{F968EF1C-3751-162F-6EC3-6A69A86099AB}"/>
-              </a:ext>
-            </a:extLst>
-          </p:cNvPr>
+          <p:cNvPr id="9" name="Slide Number Placeholder 8"/>
           <p:cNvSpPr>
             <a:spLocks noGrp="1"/>
           </p:cNvSpPr>
@@ -2654,7 +2548,7 @@
     </p:spTree>
     <p:extLst>
       <p:ext uri="{BB962C8B-B14F-4D97-AF65-F5344CB8AC3E}">
-        <p14:creationId xmlns:p14="http://schemas.microsoft.com/office/powerpoint/2010/main" val="1216275719"/>
+        <p14:creationId xmlns:p14="http://schemas.microsoft.com/office/powerpoint/2010/main" val="4099793043"/>
       </p:ext>
     </p:extLst>
   </p:cSld>
@@ -2683,13 +2577,7 @@
       </p:grpSpPr>
       <p:sp>
         <p:nvSpPr>
-          <p:cNvPr id="2" name="Title 1">
-            <a:extLst>
-              <a:ext uri="{FF2B5EF4-FFF2-40B4-BE49-F238E27FC236}">
-                <a16:creationId xmlns:a16="http://schemas.microsoft.com/office/drawing/2014/main" id="{5B9EA257-10E0-DB8C-CE4C-FB863B1619FA}"/>
-              </a:ext>
-            </a:extLst>
-          </p:cNvPr>
+          <p:cNvPr id="6" name="Title 5"/>
           <p:cNvSpPr>
             <a:spLocks noGrp="1"/>
           </p:cNvSpPr>
@@ -2706,18 +2594,13 @@
               <a:rPr lang="en-US"/>
               <a:t>Click to edit Master title style</a:t>
             </a:r>
-          </a:p>
-        </p:txBody>
-      </p:sp>
-      <p:sp>
-        <p:nvSpPr>
-          <p:cNvPr id="3" name="Date Placeholder 2">
-            <a:extLst>
-              <a:ext uri="{FF2B5EF4-FFF2-40B4-BE49-F238E27FC236}">
-                <a16:creationId xmlns:a16="http://schemas.microsoft.com/office/drawing/2014/main" id="{98F191FE-AEB6-7970-0000-E7EC657FA3E0}"/>
-              </a:ext>
-            </a:extLst>
-          </p:cNvPr>
+            <a:endParaRPr lang="en-US" dirty="0"/>
+          </a:p>
+        </p:txBody>
+      </p:sp>
+      <p:sp>
+        <p:nvSpPr>
+          <p:cNvPr id="3" name="Date Placeholder 2"/>
           <p:cNvSpPr>
             <a:spLocks noGrp="1"/>
           </p:cNvSpPr>
@@ -2732,7 +2615,7 @@
           <a:p>
             <a:fld id="{2FA42B01-F1BB-4625-8440-4A9C0732E5F6}" type="datetimeFigureOut">
               <a:rPr lang="en-US" smtClean="0"/>
-              <a:t>2/25/2025</a:t>
+              <a:t>3/9/2025</a:t>
             </a:fld>
             <a:endParaRPr lang="en-US"/>
           </a:p>
@@ -2740,13 +2623,7 @@
       </p:sp>
       <p:sp>
         <p:nvSpPr>
-          <p:cNvPr id="4" name="Footer Placeholder 3">
-            <a:extLst>
-              <a:ext uri="{FF2B5EF4-FFF2-40B4-BE49-F238E27FC236}">
-                <a16:creationId xmlns:a16="http://schemas.microsoft.com/office/drawing/2014/main" id="{9B1E11CD-2C85-682B-B762-F3AC2346408E}"/>
-              </a:ext>
-            </a:extLst>
-          </p:cNvPr>
+          <p:cNvPr id="4" name="Footer Placeholder 3"/>
           <p:cNvSpPr>
             <a:spLocks noGrp="1"/>
           </p:cNvSpPr>
@@ -2765,13 +2642,7 @@
       </p:sp>
       <p:sp>
         <p:nvSpPr>
-          <p:cNvPr id="5" name="Slide Number Placeholder 4">
-            <a:extLst>
-              <a:ext uri="{FF2B5EF4-FFF2-40B4-BE49-F238E27FC236}">
-                <a16:creationId xmlns:a16="http://schemas.microsoft.com/office/drawing/2014/main" id="{FECAD7D6-10E8-19D3-2C11-7E7C58E788B5}"/>
-              </a:ext>
-            </a:extLst>
-          </p:cNvPr>
+          <p:cNvPr id="5" name="Slide Number Placeholder 4"/>
           <p:cNvSpPr>
             <a:spLocks noGrp="1"/>
           </p:cNvSpPr>
@@ -2795,7 +2666,7 @@
     </p:spTree>
     <p:extLst>
       <p:ext uri="{BB962C8B-B14F-4D97-AF65-F5344CB8AC3E}">
-        <p14:creationId xmlns:p14="http://schemas.microsoft.com/office/powerpoint/2010/main" val="2832055811"/>
+        <p14:creationId xmlns:p14="http://schemas.microsoft.com/office/powerpoint/2010/main" val="3087992160"/>
       </p:ext>
     </p:extLst>
   </p:cSld>
@@ -2824,13 +2695,7 @@
       </p:grpSpPr>
       <p:sp>
         <p:nvSpPr>
-          <p:cNvPr id="2" name="Date Placeholder 1">
-            <a:extLst>
-              <a:ext uri="{FF2B5EF4-FFF2-40B4-BE49-F238E27FC236}">
-                <a16:creationId xmlns:a16="http://schemas.microsoft.com/office/drawing/2014/main" id="{5125EC47-499A-4A96-148D-79F636A3E2D8}"/>
-              </a:ext>
-            </a:extLst>
-          </p:cNvPr>
+          <p:cNvPr id="2" name="Date Placeholder 1"/>
           <p:cNvSpPr>
             <a:spLocks noGrp="1"/>
           </p:cNvSpPr>
@@ -2845,7 +2710,7 @@
           <a:p>
             <a:fld id="{2FA42B01-F1BB-4625-8440-4A9C0732E5F6}" type="datetimeFigureOut">
               <a:rPr lang="en-US" smtClean="0"/>
-              <a:t>2/25/2025</a:t>
+              <a:t>3/9/2025</a:t>
             </a:fld>
             <a:endParaRPr lang="en-US"/>
           </a:p>
@@ -2853,13 +2718,7 @@
       </p:sp>
       <p:sp>
         <p:nvSpPr>
-          <p:cNvPr id="3" name="Footer Placeholder 2">
-            <a:extLst>
-              <a:ext uri="{FF2B5EF4-FFF2-40B4-BE49-F238E27FC236}">
-                <a16:creationId xmlns:a16="http://schemas.microsoft.com/office/drawing/2014/main" id="{2368E25D-07E6-2467-625F-1E93E5622B22}"/>
-              </a:ext>
-            </a:extLst>
-          </p:cNvPr>
+          <p:cNvPr id="3" name="Footer Placeholder 2"/>
           <p:cNvSpPr>
             <a:spLocks noGrp="1"/>
           </p:cNvSpPr>
@@ -2878,13 +2737,7 @@
       </p:sp>
       <p:sp>
         <p:nvSpPr>
-          <p:cNvPr id="4" name="Slide Number Placeholder 3">
-            <a:extLst>
-              <a:ext uri="{FF2B5EF4-FFF2-40B4-BE49-F238E27FC236}">
-                <a16:creationId xmlns:a16="http://schemas.microsoft.com/office/drawing/2014/main" id="{BB0C59D9-DE8D-DE91-7C3B-9F93CBC195EE}"/>
-              </a:ext>
-            </a:extLst>
-          </p:cNvPr>
+          <p:cNvPr id="4" name="Slide Number Placeholder 3"/>
           <p:cNvSpPr>
             <a:spLocks noGrp="1"/>
           </p:cNvSpPr>
@@ -2908,7 +2761,7 @@
     </p:spTree>
     <p:extLst>
       <p:ext uri="{BB962C8B-B14F-4D97-AF65-F5344CB8AC3E}">
-        <p14:creationId xmlns:p14="http://schemas.microsoft.com/office/powerpoint/2010/main" val="3174787167"/>
+        <p14:creationId xmlns:p14="http://schemas.microsoft.com/office/powerpoint/2010/main" val="1586301448"/>
       </p:ext>
     </p:extLst>
   </p:cSld>
@@ -2937,13 +2790,42 @@
       </p:grpSpPr>
       <p:sp>
         <p:nvSpPr>
-          <p:cNvPr id="2" name="Title 1">
-            <a:extLst>
-              <a:ext uri="{FF2B5EF4-FFF2-40B4-BE49-F238E27FC236}">
-                <a16:creationId xmlns:a16="http://schemas.microsoft.com/office/drawing/2014/main" id="{75977AD6-34C0-BD94-AD46-FE2DCBCFA7B7}"/>
-              </a:ext>
-            </a:extLst>
-          </p:cNvPr>
+          <p:cNvPr id="2" name="Rectangle 1"/>
+          <p:cNvSpPr/>
+          <p:nvPr/>
+        </p:nvSpPr>
+        <p:spPr>
+          <a:xfrm>
+            <a:off x="7620000" y="0"/>
+            <a:ext cx="4572000" cy="6858000"/>
+          </a:xfrm>
+          <a:prstGeom prst="rect">
+            <a:avLst/>
+          </a:prstGeom>
+          <a:ln>
+            <a:noFill/>
+          </a:ln>
+        </p:spPr>
+        <p:style>
+          <a:lnRef idx="2">
+            <a:schemeClr val="accent1">
+              <a:shade val="50000"/>
+            </a:schemeClr>
+          </a:lnRef>
+          <a:fillRef idx="1">
+            <a:schemeClr val="accent1"/>
+          </a:fillRef>
+          <a:effectRef idx="0">
+            <a:schemeClr val="accent1"/>
+          </a:effectRef>
+          <a:fontRef idx="minor">
+            <a:schemeClr val="lt1"/>
+          </a:fontRef>
+        </p:style>
+      </p:sp>
+      <p:sp>
+        <p:nvSpPr>
+          <p:cNvPr id="9" name="Title 8"/>
           <p:cNvSpPr>
             <a:spLocks noGrp="1"/>
           </p:cNvSpPr>
@@ -2953,15 +2835,24 @@
         </p:nvSpPr>
         <p:spPr>
           <a:xfrm>
-            <a:off x="839788" y="457200"/>
-            <a:ext cx="3932237" cy="1600200"/>
-          </a:xfrm>
-        </p:spPr>
-        <p:txBody>
-          <a:bodyPr anchor="b"/>
+            <a:off x="8261404" y="542282"/>
+            <a:ext cx="3383280" cy="1920240"/>
+          </a:xfrm>
+        </p:spPr>
+        <p:txBody>
+          <a:bodyPr anchor="b">
+            <a:noAutofit/>
+          </a:bodyPr>
           <a:lstStyle>
             <a:lvl1pPr>
-              <a:defRPr sz="3200"/>
+              <a:lnSpc>
+                <a:spcPct val="85000"/>
+              </a:lnSpc>
+              <a:defRPr sz="4000">
+                <a:solidFill>
+                  <a:srgbClr val="FFFFFF"/>
+                </a:solidFill>
+              </a:defRPr>
             </a:lvl1pPr>
           </a:lstStyle>
           <a:p>
@@ -2969,18 +2860,13 @@
               <a:rPr lang="en-US"/>
               <a:t>Click to edit Master title style</a:t>
             </a:r>
-          </a:p>
-        </p:txBody>
-      </p:sp>
-      <p:sp>
-        <p:nvSpPr>
-          <p:cNvPr id="3" name="Content Placeholder 2">
-            <a:extLst>
-              <a:ext uri="{FF2B5EF4-FFF2-40B4-BE49-F238E27FC236}">
-                <a16:creationId xmlns:a16="http://schemas.microsoft.com/office/drawing/2014/main" id="{EA517C73-47A3-6B09-4EF3-250DB2753882}"/>
-              </a:ext>
-            </a:extLst>
-          </p:cNvPr>
+            <a:endParaRPr lang="en-US" dirty="0"/>
+          </a:p>
+        </p:txBody>
+      </p:sp>
+      <p:sp>
+        <p:nvSpPr>
+          <p:cNvPr id="3" name="Content Placeholder 2"/>
           <p:cNvSpPr>
             <a:spLocks noGrp="1"/>
           </p:cNvSpPr>
@@ -2990,8 +2876,8 @@
         </p:nvSpPr>
         <p:spPr>
           <a:xfrm>
-            <a:off x="5183188" y="987425"/>
-            <a:ext cx="6172200" cy="4873625"/>
+            <a:off x="762000" y="762000"/>
+            <a:ext cx="6096000" cy="4572000"/>
           </a:xfrm>
         </p:spPr>
         <p:txBody>
@@ -3059,18 +2945,13 @@
               <a:rPr lang="en-US"/>
               <a:t>Fifth level</a:t>
             </a:r>
-          </a:p>
-        </p:txBody>
-      </p:sp>
-      <p:sp>
-        <p:nvSpPr>
-          <p:cNvPr id="4" name="Text Placeholder 3">
-            <a:extLst>
-              <a:ext uri="{FF2B5EF4-FFF2-40B4-BE49-F238E27FC236}">
-                <a16:creationId xmlns:a16="http://schemas.microsoft.com/office/drawing/2014/main" id="{292A1F94-D991-6A82-EA4D-784B39311844}"/>
-              </a:ext>
-            </a:extLst>
-          </p:cNvPr>
+            <a:endParaRPr lang="en-US" dirty="0"/>
+          </a:p>
+        </p:txBody>
+      </p:sp>
+      <p:sp>
+        <p:nvSpPr>
+          <p:cNvPr id="4" name="Text Placeholder 3"/>
           <p:cNvSpPr>
             <a:spLocks noGrp="1"/>
           </p:cNvSpPr>
@@ -3080,52 +2961,87 @@
         </p:nvSpPr>
         <p:spPr>
           <a:xfrm>
-            <a:off x="839788" y="2057400"/>
-            <a:ext cx="3932237" cy="3811588"/>
-          </a:xfrm>
-        </p:spPr>
-        <p:txBody>
-          <a:bodyPr/>
+            <a:off x="8275982" y="2511813"/>
+            <a:ext cx="3398520" cy="3126987"/>
+          </a:xfrm>
+        </p:spPr>
+        <p:txBody>
+          <a:bodyPr>
+            <a:normAutofit/>
+          </a:bodyPr>
           <a:lstStyle>
-            <a:lvl1pPr marL="0" indent="0">
+            <a:lvl1pPr marL="0" marR="0" indent="0" algn="l" defTabSz="914400" rtl="0" eaLnBrk="1" fontAlgn="auto" latinLnBrk="0" hangingPunct="1">
+              <a:lnSpc>
+                <a:spcPct val="100000"/>
+              </a:lnSpc>
+              <a:spcBef>
+                <a:spcPts val="1200"/>
+              </a:spcBef>
+              <a:spcAft>
+                <a:spcPts val="0"/>
+              </a:spcAft>
+              <a:buClrTx/>
+              <a:buSzTx/>
+              <a:buFontTx/>
               <a:buNone/>
-              <a:defRPr sz="1600"/>
+              <a:tabLst/>
+              <a:defRPr sz="1800">
+                <a:solidFill>
+                  <a:srgbClr val="262626"/>
+                </a:solidFill>
+              </a:defRPr>
             </a:lvl1pPr>
             <a:lvl2pPr marL="457200" indent="0">
               <a:buNone/>
-              <a:defRPr sz="1400"/>
+              <a:defRPr sz="1200"/>
             </a:lvl2pPr>
             <a:lvl3pPr marL="914400" indent="0">
               <a:buNone/>
-              <a:defRPr sz="1200"/>
+              <a:defRPr sz="1000"/>
             </a:lvl3pPr>
             <a:lvl4pPr marL="1371600" indent="0">
               <a:buNone/>
-              <a:defRPr sz="1000"/>
+              <a:defRPr sz="900"/>
             </a:lvl4pPr>
             <a:lvl5pPr marL="1828800" indent="0">
               <a:buNone/>
-              <a:defRPr sz="1000"/>
+              <a:defRPr sz="900"/>
             </a:lvl5pPr>
             <a:lvl6pPr marL="2286000" indent="0">
               <a:buNone/>
-              <a:defRPr sz="1000"/>
+              <a:defRPr sz="900"/>
             </a:lvl6pPr>
             <a:lvl7pPr marL="2743200" indent="0">
               <a:buNone/>
-              <a:defRPr sz="1000"/>
+              <a:defRPr sz="900"/>
             </a:lvl7pPr>
             <a:lvl8pPr marL="3200400" indent="0">
               <a:buNone/>
-              <a:defRPr sz="1000"/>
+              <a:defRPr sz="900"/>
             </a:lvl8pPr>
             <a:lvl9pPr marL="3657600" indent="0">
               <a:buNone/>
-              <a:defRPr sz="1000"/>
+              <a:defRPr sz="900"/>
             </a:lvl9pPr>
           </a:lstStyle>
           <a:p>
-            <a:pPr lvl="0"/>
+            <a:pPr marL="0" marR="0" lvl="0" indent="0" algn="l" defTabSz="914400" rtl="0" eaLnBrk="1" fontAlgn="auto" latinLnBrk="0" hangingPunct="1">
+              <a:lnSpc>
+                <a:spcPct val="100000"/>
+              </a:lnSpc>
+              <a:spcBef>
+                <a:spcPts val="1400"/>
+              </a:spcBef>
+              <a:spcAft>
+                <a:spcPts val="0"/>
+              </a:spcAft>
+              <a:buClrTx/>
+              <a:buSzTx/>
+              <a:buFontTx/>
+              <a:buNone/>
+              <a:tabLst/>
+              <a:defRPr/>
+            </a:pPr>
             <a:r>
               <a:rPr lang="en-US"/>
               <a:t>Click to edit Master text styles</a:t>
@@ -3135,13 +3051,7 @@
       </p:sp>
       <p:sp>
         <p:nvSpPr>
-          <p:cNvPr id="5" name="Date Placeholder 4">
-            <a:extLst>
-              <a:ext uri="{FF2B5EF4-FFF2-40B4-BE49-F238E27FC236}">
-                <a16:creationId xmlns:a16="http://schemas.microsoft.com/office/drawing/2014/main" id="{0E90921C-8D7D-7FF4-6704-6FD7F5EB3756}"/>
-              </a:ext>
-            </a:extLst>
-          </p:cNvPr>
+          <p:cNvPr id="5" name="Date Placeholder 4"/>
           <p:cNvSpPr>
             <a:spLocks noGrp="1"/>
           </p:cNvSpPr>
@@ -3156,7 +3066,7 @@
           <a:p>
             <a:fld id="{2FA42B01-F1BB-4625-8440-4A9C0732E5F6}" type="datetimeFigureOut">
               <a:rPr lang="en-US" smtClean="0"/>
-              <a:t>2/25/2025</a:t>
+              <a:t>3/9/2025</a:t>
             </a:fld>
             <a:endParaRPr lang="en-US"/>
           </a:p>
@@ -3164,13 +3074,7 @@
       </p:sp>
       <p:sp>
         <p:nvSpPr>
-          <p:cNvPr id="6" name="Footer Placeholder 5">
-            <a:extLst>
-              <a:ext uri="{FF2B5EF4-FFF2-40B4-BE49-F238E27FC236}">
-                <a16:creationId xmlns:a16="http://schemas.microsoft.com/office/drawing/2014/main" id="{4B810274-A0B8-CB74-A35F-62F5A1A7C024}"/>
-              </a:ext>
-            </a:extLst>
-          </p:cNvPr>
+          <p:cNvPr id="6" name="Footer Placeholder 5"/>
           <p:cNvSpPr>
             <a:spLocks noGrp="1"/>
           </p:cNvSpPr>
@@ -3189,13 +3093,7 @@
       </p:sp>
       <p:sp>
         <p:nvSpPr>
-          <p:cNvPr id="7" name="Slide Number Placeholder 6">
-            <a:extLst>
-              <a:ext uri="{FF2B5EF4-FFF2-40B4-BE49-F238E27FC236}">
-                <a16:creationId xmlns:a16="http://schemas.microsoft.com/office/drawing/2014/main" id="{006723FB-73AA-DB60-C0CF-56ED709EA1C0}"/>
-              </a:ext>
-            </a:extLst>
-          </p:cNvPr>
+          <p:cNvPr id="7" name="Slide Number Placeholder 6"/>
           <p:cNvSpPr>
             <a:spLocks noGrp="1"/>
           </p:cNvSpPr>
@@ -3206,7 +3104,17 @@
         <p:spPr/>
         <p:txBody>
           <a:bodyPr/>
-          <a:lstStyle/>
+          <a:lstStyle>
+            <a:lvl1pPr>
+              <a:defRPr>
+                <a:solidFill>
+                  <a:srgbClr val="FFFFFF">
+                    <a:alpha val="20000"/>
+                  </a:srgbClr>
+                </a:solidFill>
+              </a:defRPr>
+            </a:lvl1pPr>
+          </a:lstStyle>
           <a:p>
             <a:fld id="{05054D76-7C48-4836-A3C5-F6956A6391AB}" type="slidenum">
               <a:rPr lang="en-US" smtClean="0"/>
@@ -3219,7 +3127,7 @@
     </p:spTree>
     <p:extLst>
       <p:ext uri="{BB962C8B-B14F-4D97-AF65-F5344CB8AC3E}">
-        <p14:creationId xmlns:p14="http://schemas.microsoft.com/office/powerpoint/2010/main" val="2616482640"/>
+        <p14:creationId xmlns:p14="http://schemas.microsoft.com/office/powerpoint/2010/main" val="3368411589"/>
       </p:ext>
     </p:extLst>
   </p:cSld>
@@ -3232,6 +3140,14 @@
 <file path=ppt/slideLayouts/slideLayout9.xml><?xml version="1.0" encoding="utf-8"?>
 <p:sldLayout xmlns:a="http://schemas.openxmlformats.org/drawingml/2006/main" xmlns:r="http://schemas.openxmlformats.org/officeDocument/2006/relationships" xmlns:p="http://schemas.openxmlformats.org/presentationml/2006/main" type="picTx" preserve="1">
   <p:cSld name="Picture with Caption">
+    <p:bg>
+      <p:bgPr>
+        <a:solidFill>
+          <a:schemeClr val="accent1"/>
+        </a:solidFill>
+        <a:effectLst/>
+      </p:bgPr>
+    </p:bg>
     <p:spTree>
       <p:nvGrpSpPr>
         <p:cNvPr id="1" name=""/>
@@ -3248,13 +3164,7 @@
       </p:grpSpPr>
       <p:sp>
         <p:nvSpPr>
-          <p:cNvPr id="2" name="Title 1">
-            <a:extLst>
-              <a:ext uri="{FF2B5EF4-FFF2-40B4-BE49-F238E27FC236}">
-                <a16:creationId xmlns:a16="http://schemas.microsoft.com/office/drawing/2014/main" id="{46E1158D-1D43-990F-1292-2B4B32436E5A}"/>
-              </a:ext>
-            </a:extLst>
-          </p:cNvPr>
+          <p:cNvPr id="2" name="Title 1"/>
           <p:cNvSpPr>
             <a:spLocks noGrp="1"/>
           </p:cNvSpPr>
@@ -3264,15 +3174,21 @@
         </p:nvSpPr>
         <p:spPr>
           <a:xfrm>
-            <a:off x="839788" y="457200"/>
-            <a:ext cx="3932237" cy="1600200"/>
-          </a:xfrm>
-        </p:spPr>
-        <p:txBody>
-          <a:bodyPr anchor="b"/>
+            <a:off x="649224" y="5418667"/>
+            <a:ext cx="10780776" cy="613283"/>
+          </a:xfrm>
+        </p:spPr>
+        <p:txBody>
+          <a:bodyPr anchor="b">
+            <a:normAutofit/>
+          </a:bodyPr>
           <a:lstStyle>
             <a:lvl1pPr>
-              <a:defRPr sz="3200"/>
+              <a:defRPr sz="3200" b="0">
+                <a:solidFill>
+                  <a:srgbClr val="FFFFFF"/>
+                </a:solidFill>
+              </a:defRPr>
             </a:lvl1pPr>
           </a:lstStyle>
           <a:p>
@@ -3280,20 +3196,15 @@
               <a:rPr lang="en-US"/>
               <a:t>Click to edit Master title style</a:t>
             </a:r>
-          </a:p>
-        </p:txBody>
-      </p:sp>
-      <p:sp>
-        <p:nvSpPr>
-          <p:cNvPr id="3" name="Picture Placeholder 2">
-            <a:extLst>
-              <a:ext uri="{FF2B5EF4-FFF2-40B4-BE49-F238E27FC236}">
-                <a16:creationId xmlns:a16="http://schemas.microsoft.com/office/drawing/2014/main" id="{B5E73828-3F2C-4D72-31B9-218918A7F5CB}"/>
-              </a:ext>
-            </a:extLst>
-          </p:cNvPr>
-          <p:cNvSpPr>
-            <a:spLocks noGrp="1"/>
+            <a:endParaRPr lang="en-US" dirty="0"/>
+          </a:p>
+        </p:txBody>
+      </p:sp>
+      <p:sp>
+        <p:nvSpPr>
+          <p:cNvPr id="3" name="Picture Placeholder 2"/>
+          <p:cNvSpPr>
+            <a:spLocks noGrp="1" noChangeAspect="1"/>
           </p:cNvSpPr>
           <p:nvPr>
             <p:ph type="pic" idx="1"/>
@@ -3301,16 +3212,32 @@
         </p:nvSpPr>
         <p:spPr>
           <a:xfrm>
-            <a:off x="5183188" y="987425"/>
-            <a:ext cx="6172200" cy="4873625"/>
-          </a:xfrm>
-        </p:spPr>
-        <p:txBody>
-          <a:bodyPr/>
+            <a:off x="0" y="0"/>
+            <a:ext cx="12192000" cy="5330952"/>
+          </a:xfrm>
+          <a:solidFill>
+            <a:schemeClr val="accent1">
+              <a:lumMod val="40000"/>
+              <a:lumOff val="60000"/>
+            </a:schemeClr>
+          </a:solidFill>
+        </p:spPr>
+        <p:txBody>
+          <a:bodyPr anchor="t"/>
           <a:lstStyle>
-            <a:lvl1pPr marL="0" indent="0">
+            <a:lvl1pPr marL="0" indent="0" algn="ctr">
+              <a:spcBef>
+                <a:spcPts val="800"/>
+              </a:spcBef>
               <a:buNone/>
-              <a:defRPr sz="3200"/>
+              <a:defRPr sz="3200">
+                <a:solidFill>
+                  <a:schemeClr val="tx1">
+                    <a:lumMod val="75000"/>
+                    <a:lumOff val="25000"/>
+                  </a:schemeClr>
+                </a:solidFill>
+              </a:defRPr>
             </a:lvl1pPr>
             <a:lvl2pPr marL="457200" indent="0">
               <a:buNone/>
@@ -3346,19 +3273,17 @@
             </a:lvl9pPr>
           </a:lstStyle>
           <a:p>
-            <a:endParaRPr lang="en-US"/>
-          </a:p>
-        </p:txBody>
-      </p:sp>
-      <p:sp>
-        <p:nvSpPr>
-          <p:cNvPr id="4" name="Text Placeholder 3">
-            <a:extLst>
-              <a:ext uri="{FF2B5EF4-FFF2-40B4-BE49-F238E27FC236}">
-                <a16:creationId xmlns:a16="http://schemas.microsoft.com/office/drawing/2014/main" id="{1F5B827D-93DA-5983-4099-851F467165CE}"/>
-              </a:ext>
-            </a:extLst>
-          </p:cNvPr>
+            <a:r>
+              <a:rPr lang="en-US"/>
+              <a:t>Click icon to add picture</a:t>
+            </a:r>
+            <a:endParaRPr lang="en-US" dirty="0"/>
+          </a:p>
+        </p:txBody>
+      </p:sp>
+      <p:sp>
+        <p:nvSpPr>
+          <p:cNvPr id="4" name="Text Placeholder 3"/>
           <p:cNvSpPr>
             <a:spLocks noGrp="1"/>
           </p:cNvSpPr>
@@ -3368,48 +3293,57 @@
         </p:nvSpPr>
         <p:spPr>
           <a:xfrm>
-            <a:off x="839788" y="2057400"/>
-            <a:ext cx="3932237" cy="3811588"/>
-          </a:xfrm>
-        </p:spPr>
-        <p:txBody>
-          <a:bodyPr/>
+            <a:off x="676656" y="5909735"/>
+            <a:ext cx="9229344" cy="533400"/>
+          </a:xfrm>
+        </p:spPr>
+        <p:txBody>
+          <a:bodyPr>
+            <a:normAutofit/>
+          </a:bodyPr>
           <a:lstStyle>
             <a:lvl1pPr marL="0" indent="0">
+              <a:lnSpc>
+                <a:spcPct val="90000"/>
+              </a:lnSpc>
               <a:buNone/>
-              <a:defRPr sz="1600"/>
+              <a:defRPr sz="1400">
+                <a:solidFill>
+                  <a:srgbClr val="262626"/>
+                </a:solidFill>
+              </a:defRPr>
             </a:lvl1pPr>
             <a:lvl2pPr marL="457200" indent="0">
               <a:buNone/>
-              <a:defRPr sz="1400"/>
+              <a:defRPr sz="1200"/>
             </a:lvl2pPr>
             <a:lvl3pPr marL="914400" indent="0">
               <a:buNone/>
-              <a:defRPr sz="1200"/>
+              <a:defRPr sz="1000"/>
             </a:lvl3pPr>
             <a:lvl4pPr marL="1371600" indent="0">
               <a:buNone/>
-              <a:defRPr sz="1000"/>
+              <a:defRPr sz="900"/>
             </a:lvl4pPr>
             <a:lvl5pPr marL="1828800" indent="0">
               <a:buNone/>
-              <a:defRPr sz="1000"/>
+              <a:defRPr sz="900"/>
             </a:lvl5pPr>
             <a:lvl6pPr marL="2286000" indent="0">
               <a:buNone/>
-              <a:defRPr sz="1000"/>
+              <a:defRPr sz="900"/>
             </a:lvl6pPr>
             <a:lvl7pPr marL="2743200" indent="0">
               <a:buNone/>
-              <a:defRPr sz="1000"/>
+              <a:defRPr sz="900"/>
             </a:lvl7pPr>
             <a:lvl8pPr marL="3200400" indent="0">
               <a:buNone/>
-              <a:defRPr sz="1000"/>
+              <a:defRPr sz="900"/>
             </a:lvl8pPr>
             <a:lvl9pPr marL="3657600" indent="0">
               <a:buNone/>
-              <a:defRPr sz="1000"/>
+              <a:defRPr sz="900"/>
             </a:lvl9pPr>
           </a:lstStyle>
           <a:p>
@@ -3423,13 +3357,7 @@
       </p:sp>
       <p:sp>
         <p:nvSpPr>
-          <p:cNvPr id="5" name="Date Placeholder 4">
-            <a:extLst>
-              <a:ext uri="{FF2B5EF4-FFF2-40B4-BE49-F238E27FC236}">
-                <a16:creationId xmlns:a16="http://schemas.microsoft.com/office/drawing/2014/main" id="{5834D5AA-BC9F-42ED-8AA1-F775CB9AEFE5}"/>
-              </a:ext>
-            </a:extLst>
-          </p:cNvPr>
+          <p:cNvPr id="12" name="Date Placeholder 11"/>
           <p:cNvSpPr>
             <a:spLocks noGrp="1"/>
           </p:cNvSpPr>
@@ -3440,11 +3368,21 @@
         <p:spPr/>
         <p:txBody>
           <a:bodyPr/>
-          <a:lstStyle/>
+          <a:lstStyle>
+            <a:lvl1pPr>
+              <a:defRPr>
+                <a:solidFill>
+                  <a:srgbClr val="FFFFFF">
+                    <a:alpha val="80000"/>
+                  </a:srgbClr>
+                </a:solidFill>
+              </a:defRPr>
+            </a:lvl1pPr>
+          </a:lstStyle>
           <a:p>
             <a:fld id="{2FA42B01-F1BB-4625-8440-4A9C0732E5F6}" type="datetimeFigureOut">
               <a:rPr lang="en-US" smtClean="0"/>
-              <a:t>2/25/2025</a:t>
+              <a:t>3/9/2025</a:t>
             </a:fld>
             <a:endParaRPr lang="en-US"/>
           </a:p>
@@ -3452,13 +3390,7 @@
       </p:sp>
       <p:sp>
         <p:nvSpPr>
-          <p:cNvPr id="6" name="Footer Placeholder 5">
-            <a:extLst>
-              <a:ext uri="{FF2B5EF4-FFF2-40B4-BE49-F238E27FC236}">
-                <a16:creationId xmlns:a16="http://schemas.microsoft.com/office/drawing/2014/main" id="{F83AE41B-44AD-E257-0176-9C877BA9DA55}"/>
-              </a:ext>
-            </a:extLst>
-          </p:cNvPr>
+          <p:cNvPr id="13" name="Footer Placeholder 12"/>
           <p:cNvSpPr>
             <a:spLocks noGrp="1"/>
           </p:cNvSpPr>
@@ -3469,7 +3401,17 @@
         <p:spPr/>
         <p:txBody>
           <a:bodyPr/>
-          <a:lstStyle/>
+          <a:lstStyle>
+            <a:lvl1pPr>
+              <a:defRPr>
+                <a:solidFill>
+                  <a:srgbClr val="FFFFFF">
+                    <a:alpha val="80000"/>
+                  </a:srgbClr>
+                </a:solidFill>
+              </a:defRPr>
+            </a:lvl1pPr>
+          </a:lstStyle>
           <a:p>
             <a:endParaRPr lang="en-US"/>
           </a:p>
@@ -3477,13 +3419,7 @@
       </p:sp>
       <p:sp>
         <p:nvSpPr>
-          <p:cNvPr id="7" name="Slide Number Placeholder 6">
-            <a:extLst>
-              <a:ext uri="{FF2B5EF4-FFF2-40B4-BE49-F238E27FC236}">
-                <a16:creationId xmlns:a16="http://schemas.microsoft.com/office/drawing/2014/main" id="{DDE94E0B-6221-ED28-0122-27DA37FCAF5F}"/>
-              </a:ext>
-            </a:extLst>
-          </p:cNvPr>
+          <p:cNvPr id="14" name="Slide Number Placeholder 13"/>
           <p:cNvSpPr>
             <a:spLocks noGrp="1"/>
           </p:cNvSpPr>
@@ -3494,7 +3430,17 @@
         <p:spPr/>
         <p:txBody>
           <a:bodyPr/>
-          <a:lstStyle/>
+          <a:lstStyle>
+            <a:lvl1pPr>
+              <a:defRPr>
+                <a:solidFill>
+                  <a:srgbClr val="FFFFFF">
+                    <a:alpha val="25000"/>
+                  </a:srgbClr>
+                </a:solidFill>
+              </a:defRPr>
+            </a:lvl1pPr>
+          </a:lstStyle>
           <a:p>
             <a:fld id="{05054D76-7C48-4836-A3C5-F6956A6391AB}" type="slidenum">
               <a:rPr lang="en-US" smtClean="0"/>
@@ -3507,12 +3453,12 @@
     </p:spTree>
     <p:extLst>
       <p:ext uri="{BB962C8B-B14F-4D97-AF65-F5344CB8AC3E}">
-        <p14:creationId xmlns:p14="http://schemas.microsoft.com/office/powerpoint/2010/main" val="1172338425"/>
+        <p14:creationId xmlns:p14="http://schemas.microsoft.com/office/powerpoint/2010/main" val="268869849"/>
       </p:ext>
     </p:extLst>
   </p:cSld>
   <p:clrMapOvr>
-    <a:masterClrMapping/>
+    <a:overrideClrMapping bg1="lt1" tx1="dk1" bg2="lt2" tx2="dk2" accent1="accent1" accent2="accent2" accent3="accent3" accent4="accent4" accent5="accent5" accent6="accent6" hlink="hlink" folHlink="folHlink"/>
   </p:clrMapOvr>
 </p:sldLayout>
 </file>
@@ -3541,13 +3487,7 @@
       </p:grpSpPr>
       <p:sp>
         <p:nvSpPr>
-          <p:cNvPr id="2" name="Title Placeholder 1">
-            <a:extLst>
-              <a:ext uri="{FF2B5EF4-FFF2-40B4-BE49-F238E27FC236}">
-                <a16:creationId xmlns:a16="http://schemas.microsoft.com/office/drawing/2014/main" id="{F7DEFFEF-59EE-8A57-8282-D83BD803E869}"/>
-              </a:ext>
-            </a:extLst>
-          </p:cNvPr>
+          <p:cNvPr id="2" name="Title Placeholder 1"/>
           <p:cNvSpPr>
             <a:spLocks noGrp="1"/>
           </p:cNvSpPr>
@@ -3557,8 +3497,8 @@
         </p:nvSpPr>
         <p:spPr>
           <a:xfrm>
-            <a:off x="838200" y="365125"/>
-            <a:ext cx="10515600" cy="1325563"/>
+            <a:off x="657224" y="499533"/>
+            <a:ext cx="10772775" cy="1658198"/>
           </a:xfrm>
           <a:prstGeom prst="rect">
             <a:avLst/>
@@ -3574,18 +3514,13 @@
               <a:rPr lang="en-US"/>
               <a:t>Click to edit Master title style</a:t>
             </a:r>
-          </a:p>
-        </p:txBody>
-      </p:sp>
-      <p:sp>
-        <p:nvSpPr>
-          <p:cNvPr id="3" name="Text Placeholder 2">
-            <a:extLst>
-              <a:ext uri="{FF2B5EF4-FFF2-40B4-BE49-F238E27FC236}">
-                <a16:creationId xmlns:a16="http://schemas.microsoft.com/office/drawing/2014/main" id="{75A77098-FA81-6B49-0EDC-1C81E23ECA94}"/>
-              </a:ext>
-            </a:extLst>
-          </p:cNvPr>
+            <a:endParaRPr lang="en-US" dirty="0"/>
+          </a:p>
+        </p:txBody>
+      </p:sp>
+      <p:sp>
+        <p:nvSpPr>
+          <p:cNvPr id="3" name="Text Placeholder 2"/>
           <p:cNvSpPr>
             <a:spLocks noGrp="1"/>
           </p:cNvSpPr>
@@ -3595,8 +3530,8 @@
         </p:nvSpPr>
         <p:spPr>
           <a:xfrm>
-            <a:off x="838200" y="1825625"/>
-            <a:ext cx="10515600" cy="4351338"/>
+            <a:off x="676656" y="2011680"/>
+            <a:ext cx="10753725" cy="3766185"/>
           </a:xfrm>
           <a:prstGeom prst="rect">
             <a:avLst/>
@@ -3641,18 +3576,13 @@
               <a:rPr lang="en-US"/>
               <a:t>Fifth level</a:t>
             </a:r>
-          </a:p>
-        </p:txBody>
-      </p:sp>
-      <p:sp>
-        <p:nvSpPr>
-          <p:cNvPr id="4" name="Date Placeholder 3">
-            <a:extLst>
-              <a:ext uri="{FF2B5EF4-FFF2-40B4-BE49-F238E27FC236}">
-                <a16:creationId xmlns:a16="http://schemas.microsoft.com/office/drawing/2014/main" id="{9A0A275E-7E7E-4978-1140-72EA9AC4FF47}"/>
-              </a:ext>
-            </a:extLst>
-          </p:cNvPr>
+            <a:endParaRPr lang="en-US" dirty="0"/>
+          </a:p>
+        </p:txBody>
+      </p:sp>
+      <p:sp>
+        <p:nvSpPr>
+          <p:cNvPr id="4" name="Date Placeholder 3"/>
           <p:cNvSpPr>
             <a:spLocks noGrp="1"/>
           </p:cNvSpPr>
@@ -3662,8 +3592,8 @@
         </p:nvSpPr>
         <p:spPr>
           <a:xfrm>
-            <a:off x="838200" y="6356350"/>
-            <a:ext cx="2743200" cy="365125"/>
+            <a:off x="685800" y="6412447"/>
+            <a:ext cx="4114800" cy="228600"/>
           </a:xfrm>
           <a:prstGeom prst="rect">
             <a:avLst/>
@@ -3673,10 +3603,10 @@
           <a:bodyPr vert="horz" lIns="91440" tIns="45720" rIns="91440" bIns="45720" rtlCol="0" anchor="ctr"/>
           <a:lstStyle>
             <a:lvl1pPr algn="l">
-              <a:defRPr sz="1200">
+              <a:defRPr sz="950">
                 <a:solidFill>
                   <a:schemeClr val="tx1">
-                    <a:tint val="82000"/>
+                    <a:alpha val="80000"/>
                   </a:schemeClr>
                 </a:solidFill>
               </a:defRPr>
@@ -3685,7 +3615,7 @@
           <a:p>
             <a:fld id="{2FA42B01-F1BB-4625-8440-4A9C0732E5F6}" type="datetimeFigureOut">
               <a:rPr lang="en-US" smtClean="0"/>
-              <a:t>2/25/2025</a:t>
+              <a:t>3/9/2025</a:t>
             </a:fld>
             <a:endParaRPr lang="en-US"/>
           </a:p>
@@ -3693,13 +3623,7 @@
       </p:sp>
       <p:sp>
         <p:nvSpPr>
-          <p:cNvPr id="5" name="Footer Placeholder 4">
-            <a:extLst>
-              <a:ext uri="{FF2B5EF4-FFF2-40B4-BE49-F238E27FC236}">
-                <a16:creationId xmlns:a16="http://schemas.microsoft.com/office/drawing/2014/main" id="{8A9812F9-0D88-624C-F4D3-40B55E522447}"/>
-              </a:ext>
-            </a:extLst>
-          </p:cNvPr>
+          <p:cNvPr id="5" name="Footer Placeholder 4"/>
           <p:cNvSpPr>
             <a:spLocks noGrp="1"/>
           </p:cNvSpPr>
@@ -3709,8 +3633,8 @@
         </p:nvSpPr>
         <p:spPr>
           <a:xfrm>
-            <a:off x="4038600" y="6356350"/>
-            <a:ext cx="4114800" cy="365125"/>
+            <a:off x="685800" y="6554697"/>
+            <a:ext cx="5029200" cy="228600"/>
           </a:xfrm>
           <a:prstGeom prst="rect">
             <a:avLst/>
@@ -3719,11 +3643,11 @@
         <p:txBody>
           <a:bodyPr vert="horz" lIns="91440" tIns="45720" rIns="91440" bIns="45720" rtlCol="0" anchor="ctr"/>
           <a:lstStyle>
-            <a:lvl1pPr algn="ctr">
-              <a:defRPr sz="1200">
+            <a:lvl1pPr algn="l">
+              <a:defRPr sz="950" cap="all" baseline="0">
                 <a:solidFill>
                   <a:schemeClr val="tx1">
-                    <a:tint val="82000"/>
+                    <a:alpha val="80000"/>
                   </a:schemeClr>
                 </a:solidFill>
               </a:defRPr>
@@ -3736,13 +3660,7 @@
       </p:sp>
       <p:sp>
         <p:nvSpPr>
-          <p:cNvPr id="6" name="Slide Number Placeholder 5">
-            <a:extLst>
-              <a:ext uri="{FF2B5EF4-FFF2-40B4-BE49-F238E27FC236}">
-                <a16:creationId xmlns:a16="http://schemas.microsoft.com/office/drawing/2014/main" id="{DA9BD71E-0EA5-58BF-6FD5-CC2996025C0E}"/>
-              </a:ext>
-            </a:extLst>
-          </p:cNvPr>
+          <p:cNvPr id="6" name="Slide Number Placeholder 5"/>
           <p:cNvSpPr>
             <a:spLocks noGrp="1"/>
           </p:cNvSpPr>
@@ -3752,23 +3670,27 @@
         </p:nvSpPr>
         <p:spPr>
           <a:xfrm>
-            <a:off x="8610600" y="6356350"/>
-            <a:ext cx="2743200" cy="365125"/>
+            <a:off x="8763926" y="5876412"/>
+            <a:ext cx="2926080" cy="1397039"/>
           </a:xfrm>
           <a:prstGeom prst="rect">
             <a:avLst/>
           </a:prstGeom>
         </p:spPr>
         <p:txBody>
-          <a:bodyPr vert="horz" lIns="91440" tIns="45720" rIns="91440" bIns="45720" rtlCol="0" anchor="ctr"/>
+          <a:bodyPr vert="horz" lIns="91440" tIns="45720" rIns="91440" bIns="45720" rtlCol="0" anchor="b"/>
           <a:lstStyle>
             <a:lvl1pPr algn="r">
-              <a:defRPr sz="1200">
+              <a:defRPr sz="10300" b="0">
+                <a:ln>
+                  <a:noFill/>
+                </a:ln>
                 <a:solidFill>
-                  <a:schemeClr val="tx1">
-                    <a:tint val="82000"/>
+                  <a:schemeClr val="accent1">
+                    <a:alpha val="25000"/>
                   </a:schemeClr>
                 </a:solidFill>
+                <a:latin typeface="+mj-lt"/>
               </a:defRPr>
             </a:lvl1pPr>
           </a:lstStyle>
@@ -3784,37 +3706,37 @@
     </p:spTree>
     <p:extLst>
       <p:ext uri="{BB962C8B-B14F-4D97-AF65-F5344CB8AC3E}">
-        <p14:creationId xmlns:p14="http://schemas.microsoft.com/office/powerpoint/2010/main" val="2749639999"/>
+        <p14:creationId xmlns:p14="http://schemas.microsoft.com/office/powerpoint/2010/main" val="1433246421"/>
       </p:ext>
     </p:extLst>
   </p:cSld>
   <p:clrMap bg1="lt1" tx1="dk1" bg2="lt2" tx2="dk2" accent1="accent1" accent2="accent2" accent3="accent3" accent4="accent4" accent5="accent5" accent6="accent6" hlink="hlink" folHlink="folHlink"/>
   <p:sldLayoutIdLst>
-    <p:sldLayoutId id="2147483649" r:id="rId1"/>
-    <p:sldLayoutId id="2147483650" r:id="rId2"/>
-    <p:sldLayoutId id="2147483651" r:id="rId3"/>
-    <p:sldLayoutId id="2147483652" r:id="rId4"/>
-    <p:sldLayoutId id="2147483653" r:id="rId5"/>
-    <p:sldLayoutId id="2147483654" r:id="rId6"/>
-    <p:sldLayoutId id="2147483655" r:id="rId7"/>
-    <p:sldLayoutId id="2147483656" r:id="rId8"/>
-    <p:sldLayoutId id="2147483657" r:id="rId9"/>
-    <p:sldLayoutId id="2147483658" r:id="rId10"/>
-    <p:sldLayoutId id="2147483659" r:id="rId11"/>
+    <p:sldLayoutId id="2147483661" r:id="rId1"/>
+    <p:sldLayoutId id="2147483662" r:id="rId2"/>
+    <p:sldLayoutId id="2147483663" r:id="rId3"/>
+    <p:sldLayoutId id="2147483664" r:id="rId4"/>
+    <p:sldLayoutId id="2147483665" r:id="rId5"/>
+    <p:sldLayoutId id="2147483666" r:id="rId6"/>
+    <p:sldLayoutId id="2147483667" r:id="rId7"/>
+    <p:sldLayoutId id="2147483668" r:id="rId8"/>
+    <p:sldLayoutId id="2147483669" r:id="rId9"/>
+    <p:sldLayoutId id="2147483670" r:id="rId10"/>
+    <p:sldLayoutId id="2147483671" r:id="rId11"/>
   </p:sldLayoutIdLst>
   <p:txStyles>
     <p:titleStyle>
       <a:lvl1pPr algn="l" defTabSz="914400" rtl="0" eaLnBrk="1" latinLnBrk="0" hangingPunct="1">
         <a:lnSpc>
-          <a:spcPct val="90000"/>
+          <a:spcPct val="85000"/>
         </a:lnSpc>
         <a:spcBef>
           <a:spcPct val="0"/>
         </a:spcBef>
         <a:buNone/>
-        <a:defRPr sz="4400" kern="1200">
+        <a:defRPr sz="5400" kern="1200" spc="-120" baseline="0">
           <a:solidFill>
-            <a:schemeClr val="tx1"/>
+            <a:schemeClr val="accent1"/>
           </a:solidFill>
           <a:latin typeface="+mj-lt"/>
           <a:ea typeface="+mj-ea"/>
@@ -3823,162 +3745,189 @@
       </a:lvl1pPr>
     </p:titleStyle>
     <p:bodyStyle>
-      <a:lvl1pPr marL="228600" indent="-228600" algn="l" defTabSz="914400" rtl="0" eaLnBrk="1" latinLnBrk="0" hangingPunct="1">
+      <a:lvl1pPr marL="91440" indent="-91440" algn="l" defTabSz="914400" rtl="0" eaLnBrk="1" latinLnBrk="0" hangingPunct="1">
         <a:lnSpc>
-          <a:spcPct val="90000"/>
+          <a:spcPct val="85000"/>
         </a:lnSpc>
         <a:spcBef>
-          <a:spcPts val="1000"/>
+          <a:spcPts val="1300"/>
         </a:spcBef>
-        <a:buFont typeface="Arial" panose="020B0604020202020204" pitchFamily="34" charset="0"/>
-        <a:buChar char="•"/>
-        <a:defRPr sz="2800" kern="1200">
+        <a:buFont typeface="Arial" pitchFamily="34" charset="0"/>
+        <a:buChar char=" "/>
+        <a:defRPr sz="2400" kern="1200">
           <a:solidFill>
-            <a:schemeClr val="tx1"/>
+            <a:schemeClr val="tx1">
+              <a:lumMod val="85000"/>
+              <a:lumOff val="15000"/>
+            </a:schemeClr>
           </a:solidFill>
           <a:latin typeface="+mn-lt"/>
           <a:ea typeface="+mn-ea"/>
           <a:cs typeface="+mn-cs"/>
         </a:defRPr>
       </a:lvl1pPr>
-      <a:lvl2pPr marL="685800" indent="-228600" algn="l" defTabSz="914400" rtl="0" eaLnBrk="1" latinLnBrk="0" hangingPunct="1">
+      <a:lvl2pPr marL="347472" indent="-342900" algn="l" defTabSz="914400" rtl="0" eaLnBrk="1" latinLnBrk="0" hangingPunct="1">
         <a:lnSpc>
-          <a:spcPct val="90000"/>
+          <a:spcPct val="85000"/>
         </a:lnSpc>
         <a:spcBef>
-          <a:spcPts val="500"/>
+          <a:spcPts val="600"/>
         </a:spcBef>
-        <a:buFont typeface="Arial" panose="020B0604020202020204" pitchFamily="34" charset="0"/>
-        <a:buChar char="•"/>
+        <a:buFont typeface="Arial" pitchFamily="34" charset="0"/>
+        <a:buChar char=" "/>
         <a:defRPr sz="2400" kern="1200">
           <a:solidFill>
-            <a:schemeClr val="tx1"/>
+            <a:schemeClr val="tx1">
+              <a:lumMod val="85000"/>
+              <a:lumOff val="15000"/>
+            </a:schemeClr>
           </a:solidFill>
           <a:latin typeface="+mn-lt"/>
           <a:ea typeface="+mn-ea"/>
           <a:cs typeface="+mn-cs"/>
         </a:defRPr>
       </a:lvl2pPr>
-      <a:lvl3pPr marL="1143000" indent="-228600" algn="l" defTabSz="914400" rtl="0" eaLnBrk="1" latinLnBrk="0" hangingPunct="1">
+      <a:lvl3pPr marL="548640" indent="-548640" algn="l" defTabSz="914400" rtl="0" eaLnBrk="1" latinLnBrk="0" hangingPunct="1">
         <a:lnSpc>
-          <a:spcPct val="90000"/>
+          <a:spcPct val="85000"/>
         </a:lnSpc>
         <a:spcBef>
-          <a:spcPts val="500"/>
+          <a:spcPts val="600"/>
         </a:spcBef>
-        <a:buFont typeface="Arial" panose="020B0604020202020204" pitchFamily="34" charset="0"/>
-        <a:buChar char="•"/>
-        <a:defRPr sz="2000" kern="1200">
+        <a:buFont typeface="Arial" pitchFamily="34" charset="0"/>
+        <a:buChar char=" "/>
+        <a:defRPr sz="2000" i="1" kern="1200">
           <a:solidFill>
-            <a:schemeClr val="tx1"/>
+            <a:schemeClr val="tx1">
+              <a:lumMod val="85000"/>
+              <a:lumOff val="15000"/>
+            </a:schemeClr>
           </a:solidFill>
           <a:latin typeface="+mn-lt"/>
           <a:ea typeface="+mn-ea"/>
           <a:cs typeface="+mn-cs"/>
         </a:defRPr>
       </a:lvl3pPr>
-      <a:lvl4pPr marL="1600200" indent="-228600" algn="l" defTabSz="914400" rtl="0" eaLnBrk="1" latinLnBrk="0" hangingPunct="1">
+      <a:lvl4pPr marL="822960" indent="-822960" algn="l" defTabSz="914400" rtl="0" eaLnBrk="1" latinLnBrk="0" hangingPunct="1">
         <a:lnSpc>
-          <a:spcPct val="90000"/>
+          <a:spcPct val="85000"/>
         </a:lnSpc>
         <a:spcBef>
-          <a:spcPts val="500"/>
+          <a:spcPts val="600"/>
         </a:spcBef>
-        <a:buFont typeface="Arial" panose="020B0604020202020204" pitchFamily="34" charset="0"/>
-        <a:buChar char="•"/>
+        <a:buFont typeface="Arial" pitchFamily="34" charset="0"/>
+        <a:buChar char=" "/>
         <a:defRPr sz="1800" kern="1200">
           <a:solidFill>
-            <a:schemeClr val="tx1"/>
+            <a:schemeClr val="tx1">
+              <a:lumMod val="85000"/>
+              <a:lumOff val="15000"/>
+            </a:schemeClr>
           </a:solidFill>
           <a:latin typeface="+mn-lt"/>
           <a:ea typeface="+mn-ea"/>
           <a:cs typeface="+mn-cs"/>
         </a:defRPr>
       </a:lvl4pPr>
-      <a:lvl5pPr marL="2057400" indent="-228600" algn="l" defTabSz="914400" rtl="0" eaLnBrk="1" latinLnBrk="0" hangingPunct="1">
+      <a:lvl5pPr marL="1097280" indent="-1097280" algn="l" defTabSz="914400" rtl="0" eaLnBrk="1" latinLnBrk="0" hangingPunct="1">
         <a:lnSpc>
-          <a:spcPct val="90000"/>
+          <a:spcPct val="85000"/>
         </a:lnSpc>
         <a:spcBef>
-          <a:spcPts val="500"/>
+          <a:spcPts val="600"/>
         </a:spcBef>
-        <a:buFont typeface="Arial" panose="020B0604020202020204" pitchFamily="34" charset="0"/>
-        <a:buChar char="•"/>
+        <a:buFont typeface="Arial" pitchFamily="34" charset="0"/>
+        <a:buChar char=" "/>
         <a:defRPr sz="1800" kern="1200">
           <a:solidFill>
-            <a:schemeClr val="tx1"/>
+            <a:schemeClr val="tx1">
+              <a:lumMod val="85000"/>
+              <a:lumOff val="15000"/>
+            </a:schemeClr>
           </a:solidFill>
           <a:latin typeface="+mn-lt"/>
           <a:ea typeface="+mn-ea"/>
           <a:cs typeface="+mn-cs"/>
         </a:defRPr>
       </a:lvl5pPr>
-      <a:lvl6pPr marL="2514600" indent="-228600" algn="l" defTabSz="914400" rtl="0" eaLnBrk="1" latinLnBrk="0" hangingPunct="1">
+      <a:lvl6pPr marL="1200000" indent="-228600" algn="l" defTabSz="914400" rtl="0" eaLnBrk="1" latinLnBrk="0" hangingPunct="1">
         <a:lnSpc>
-          <a:spcPct val="90000"/>
+          <a:spcPct val="85000"/>
         </a:lnSpc>
         <a:spcBef>
-          <a:spcPts val="500"/>
+          <a:spcPts val="600"/>
         </a:spcBef>
-        <a:buFont typeface="Arial" panose="020B0604020202020204" pitchFamily="34" charset="0"/>
-        <a:buChar char="•"/>
+        <a:buFont typeface="Arial" pitchFamily="34" charset="0"/>
+        <a:buChar char=" "/>
         <a:defRPr sz="1800" kern="1200">
           <a:solidFill>
-            <a:schemeClr val="tx1"/>
+            <a:schemeClr val="tx1">
+              <a:lumMod val="85000"/>
+              <a:lumOff val="15000"/>
+            </a:schemeClr>
           </a:solidFill>
           <a:latin typeface="+mn-lt"/>
           <a:ea typeface="+mn-ea"/>
           <a:cs typeface="+mn-cs"/>
         </a:defRPr>
       </a:lvl6pPr>
-      <a:lvl7pPr marL="2971800" indent="-228600" algn="l" defTabSz="914400" rtl="0" eaLnBrk="1" latinLnBrk="0" hangingPunct="1">
+      <a:lvl7pPr marL="1400000" indent="-228600" algn="l" defTabSz="914400" rtl="0" eaLnBrk="1" latinLnBrk="0" hangingPunct="1">
         <a:lnSpc>
-          <a:spcPct val="90000"/>
+          <a:spcPct val="85000"/>
         </a:lnSpc>
         <a:spcBef>
-          <a:spcPts val="500"/>
+          <a:spcPts val="600"/>
         </a:spcBef>
-        <a:buFont typeface="Arial" panose="020B0604020202020204" pitchFamily="34" charset="0"/>
-        <a:buChar char="•"/>
+        <a:buFont typeface="Arial" pitchFamily="34" charset="0"/>
+        <a:buChar char=" "/>
         <a:defRPr sz="1800" kern="1200">
           <a:solidFill>
-            <a:schemeClr val="tx1"/>
+            <a:schemeClr val="tx1">
+              <a:lumMod val="85000"/>
+              <a:lumOff val="15000"/>
+            </a:schemeClr>
           </a:solidFill>
           <a:latin typeface="+mn-lt"/>
           <a:ea typeface="+mn-ea"/>
           <a:cs typeface="+mn-cs"/>
         </a:defRPr>
       </a:lvl7pPr>
-      <a:lvl8pPr marL="3429000" indent="-228600" algn="l" defTabSz="914400" rtl="0" eaLnBrk="1" latinLnBrk="0" hangingPunct="1">
+      <a:lvl8pPr marL="1600000" indent="-228600" algn="l" defTabSz="914400" rtl="0" eaLnBrk="1" latinLnBrk="0" hangingPunct="1">
         <a:lnSpc>
-          <a:spcPct val="90000"/>
+          <a:spcPct val="85000"/>
         </a:lnSpc>
         <a:spcBef>
-          <a:spcPts val="500"/>
+          <a:spcPts val="600"/>
         </a:spcBef>
-        <a:buFont typeface="Arial" panose="020B0604020202020204" pitchFamily="34" charset="0"/>
-        <a:buChar char="•"/>
+        <a:buFont typeface="Arial" pitchFamily="34" charset="0"/>
+        <a:buChar char=" "/>
         <a:defRPr sz="1800" kern="1200">
           <a:solidFill>
-            <a:schemeClr val="tx1"/>
+            <a:schemeClr val="tx1">
+              <a:lumMod val="85000"/>
+              <a:lumOff val="15000"/>
+            </a:schemeClr>
           </a:solidFill>
           <a:latin typeface="+mn-lt"/>
           <a:ea typeface="+mn-ea"/>
           <a:cs typeface="+mn-cs"/>
         </a:defRPr>
       </a:lvl8pPr>
-      <a:lvl9pPr marL="3886200" indent="-228600" algn="l" defTabSz="914400" rtl="0" eaLnBrk="1" latinLnBrk="0" hangingPunct="1">
+      <a:lvl9pPr marL="1800000" indent="-228600" algn="l" defTabSz="914400" rtl="0" eaLnBrk="1" latinLnBrk="0" hangingPunct="1">
         <a:lnSpc>
-          <a:spcPct val="90000"/>
+          <a:spcPct val="85000"/>
         </a:lnSpc>
         <a:spcBef>
-          <a:spcPts val="500"/>
+          <a:spcPts val="600"/>
         </a:spcBef>
-        <a:buFont typeface="Arial" panose="020B0604020202020204" pitchFamily="34" charset="0"/>
-        <a:buChar char="•"/>
+        <a:buFont typeface="Arial" pitchFamily="34" charset="0"/>
+        <a:buChar char=" "/>
         <a:defRPr sz="1800" kern="1200">
           <a:solidFill>
-            <a:schemeClr val="tx1"/>
+            <a:schemeClr val="tx1">
+              <a:lumMod val="85000"/>
+              <a:lumOff val="15000"/>
+            </a:schemeClr>
           </a:solidFill>
           <a:latin typeface="+mn-lt"/>
           <a:ea typeface="+mn-ea"/>
@@ -4088,6 +4037,14 @@
 <file path=ppt/slides/slide1.xml><?xml version="1.0" encoding="utf-8"?>
 <p:sld xmlns:a="http://schemas.openxmlformats.org/drawingml/2006/main" xmlns:r="http://schemas.openxmlformats.org/officeDocument/2006/relationships" xmlns:p="http://schemas.openxmlformats.org/presentationml/2006/main">
   <p:cSld>
+    <p:bg>
+      <p:bgPr>
+        <a:solidFill>
+          <a:schemeClr val="bg1"/>
+        </a:solidFill>
+        <a:effectLst/>
+      </p:bgPr>
+    </p:bg>
     <p:spTree>
       <p:nvGrpSpPr>
         <p:cNvPr id="1" name=""/>
@@ -4102,6 +4059,129 @@
           <a:chExt cx="0" cy="0"/>
         </a:xfrm>
       </p:grpSpPr>
+      <p:sp useBgFill="1">
+        <p:nvSpPr>
+          <p:cNvPr id="8" name="Rectangle 7">
+            <a:extLst>
+              <a:ext uri="{FF2B5EF4-FFF2-40B4-BE49-F238E27FC236}">
+                <a16:creationId xmlns:a16="http://schemas.microsoft.com/office/drawing/2014/main" id="{1E24A02E-5FD2-428E-A1E4-FDF96B0B6CE8}"/>
+              </a:ext>
+              <a:ext uri="{C183D7F6-B498-43B3-948B-1728B52AA6E4}">
+                <adec:decorative xmlns:adec="http://schemas.microsoft.com/office/drawing/2017/decorative" val="1"/>
+              </a:ext>
+            </a:extLst>
+          </p:cNvPr>
+          <p:cNvSpPr>
+            <a:spLocks noGrp="1" noRot="1" noChangeAspect="1" noMove="1" noResize="1" noEditPoints="1" noAdjustHandles="1" noChangeArrowheads="1" noChangeShapeType="1" noTextEdit="1"/>
+          </p:cNvSpPr>
+          <p:nvPr>
+            <p:extLst>
+              <p:ext uri="{386F3935-93C4-4BCD-93E2-E3B085C9AB24}">
+                <p16:designElem xmlns:p16="http://schemas.microsoft.com/office/powerpoint/2015/main" val="1"/>
+              </p:ext>
+            </p:extLst>
+          </p:nvPr>
+        </p:nvSpPr>
+        <p:spPr>
+          <a:xfrm>
+            <a:off x="0" y="0"/>
+            <a:ext cx="12192000" cy="6858000"/>
+          </a:xfrm>
+          <a:prstGeom prst="rect">
+            <a:avLst/>
+          </a:prstGeom>
+          <a:ln>
+            <a:noFill/>
+          </a:ln>
+        </p:spPr>
+        <p:style>
+          <a:lnRef idx="2">
+            <a:schemeClr val="accent1">
+              <a:shade val="50000"/>
+            </a:schemeClr>
+          </a:lnRef>
+          <a:fillRef idx="1">
+            <a:schemeClr val="accent1"/>
+          </a:fillRef>
+          <a:effectRef idx="0">
+            <a:schemeClr val="accent1"/>
+          </a:effectRef>
+          <a:fontRef idx="minor">
+            <a:schemeClr val="lt1"/>
+          </a:fontRef>
+        </p:style>
+        <p:txBody>
+          <a:bodyPr rtlCol="0" anchor="ctr"/>
+          <a:lstStyle/>
+          <a:p>
+            <a:pPr algn="ctr"/>
+            <a:endParaRPr lang="en-US"/>
+          </a:p>
+        </p:txBody>
+      </p:sp>
+      <p:sp>
+        <p:nvSpPr>
+          <p:cNvPr id="10" name="Rectangle 9">
+            <a:extLst>
+              <a:ext uri="{FF2B5EF4-FFF2-40B4-BE49-F238E27FC236}">
+                <a16:creationId xmlns:a16="http://schemas.microsoft.com/office/drawing/2014/main" id="{2808B93E-0C39-407B-943D-71F2BAFB4CB4}"/>
+              </a:ext>
+              <a:ext uri="{C183D7F6-B498-43B3-948B-1728B52AA6E4}">
+                <adec:decorative xmlns:adec="http://schemas.microsoft.com/office/drawing/2017/decorative" val="1"/>
+              </a:ext>
+            </a:extLst>
+          </p:cNvPr>
+          <p:cNvSpPr>
+            <a:spLocks noGrp="1" noRot="1" noChangeAspect="1" noMove="1" noResize="1" noEditPoints="1" noAdjustHandles="1" noChangeArrowheads="1" noChangeShapeType="1" noTextEdit="1"/>
+          </p:cNvSpPr>
+          <p:nvPr>
+            <p:extLst>
+              <p:ext uri="{386F3935-93C4-4BCD-93E2-E3B085C9AB24}">
+                <p16:designElem xmlns:p16="http://schemas.microsoft.com/office/powerpoint/2015/main" val="1"/>
+              </p:ext>
+            </p:extLst>
+          </p:nvPr>
+        </p:nvSpPr>
+        <p:spPr>
+          <a:xfrm>
+            <a:off x="0" y="0"/>
+            <a:ext cx="12192000" cy="6858000"/>
+          </a:xfrm>
+          <a:prstGeom prst="rect">
+            <a:avLst/>
+          </a:prstGeom>
+          <a:solidFill>
+            <a:srgbClr val="F2F2F2"/>
+          </a:solidFill>
+          <a:ln>
+            <a:noFill/>
+          </a:ln>
+        </p:spPr>
+        <p:style>
+          <a:lnRef idx="2">
+            <a:schemeClr val="accent1">
+              <a:shade val="50000"/>
+            </a:schemeClr>
+          </a:lnRef>
+          <a:fillRef idx="1">
+            <a:schemeClr val="accent1"/>
+          </a:fillRef>
+          <a:effectRef idx="0">
+            <a:schemeClr val="accent1"/>
+          </a:effectRef>
+          <a:fontRef idx="minor">
+            <a:schemeClr val="lt1"/>
+          </a:fontRef>
+        </p:style>
+        <p:txBody>
+          <a:bodyPr rtlCol="0" anchor="ctr"/>
+          <a:lstStyle/>
+          <a:p>
+            <a:pPr algn="ctr"/>
+            <a:endParaRPr lang="en-US"/>
+          </a:p>
+        </p:txBody>
+      </p:sp>
       <p:sp>
         <p:nvSpPr>
           <p:cNvPr id="2" name="Title 1">
@@ -4118,15 +4198,93 @@
             <p:ph type="ctrTitle"/>
           </p:nvPr>
         </p:nvSpPr>
-        <p:spPr/>
-        <p:txBody>
-          <a:bodyPr/>
+        <p:spPr>
+          <a:xfrm>
+            <a:off x="603503" y="770466"/>
+            <a:ext cx="9292209" cy="4123267"/>
+          </a:xfrm>
+        </p:spPr>
+        <p:txBody>
+          <a:bodyPr>
+            <a:normAutofit/>
+          </a:bodyPr>
           <a:lstStyle/>
           <a:p>
             <a:r>
-              <a:rPr lang="en-US"/>
-              <a:t>DS160 EDA</a:t>
-            </a:r>
+              <a:rPr lang="en-US" sz="9600">
+                <a:solidFill>
+                  <a:schemeClr val="accent1">
+                    <a:lumMod val="75000"/>
+                  </a:schemeClr>
+                </a:solidFill>
+              </a:rPr>
+              <a:t>Formula 1 Driver dataset EDA</a:t>
+            </a:r>
+          </a:p>
+        </p:txBody>
+      </p:sp>
+      <p:sp>
+        <p:nvSpPr>
+          <p:cNvPr id="12" name="Rectangle 11">
+            <a:extLst>
+              <a:ext uri="{FF2B5EF4-FFF2-40B4-BE49-F238E27FC236}">
+                <a16:creationId xmlns:a16="http://schemas.microsoft.com/office/drawing/2014/main" id="{7C7E1896-2992-48D4-85AC-95AB8AB147EA}"/>
+              </a:ext>
+              <a:ext uri="{C183D7F6-B498-43B3-948B-1728B52AA6E4}">
+                <adec:decorative xmlns:adec="http://schemas.microsoft.com/office/drawing/2017/decorative" val="1"/>
+              </a:ext>
+            </a:extLst>
+          </p:cNvPr>
+          <p:cNvSpPr>
+            <a:spLocks noGrp="1" noRot="1" noChangeAspect="1" noMove="1" noResize="1" noEditPoints="1" noAdjustHandles="1" noChangeArrowheads="1" noChangeShapeType="1" noTextEdit="1"/>
+          </p:cNvSpPr>
+          <p:nvPr>
+            <p:extLst>
+              <p:ext uri="{386F3935-93C4-4BCD-93E2-E3B085C9AB24}">
+                <p16:designElem xmlns:p16="http://schemas.microsoft.com/office/powerpoint/2015/main" val="1"/>
+              </p:ext>
+            </p:extLst>
+          </p:nvPr>
+        </p:nvSpPr>
+        <p:spPr>
+          <a:xfrm>
+            <a:off x="0" y="5215466"/>
+            <a:ext cx="12192000" cy="1642534"/>
+          </a:xfrm>
+          <a:prstGeom prst="rect">
+            <a:avLst/>
+          </a:prstGeom>
+          <a:solidFill>
+            <a:schemeClr val="accent1">
+              <a:lumMod val="75000"/>
+            </a:schemeClr>
+          </a:solidFill>
+          <a:ln>
+            <a:noFill/>
+          </a:ln>
+        </p:spPr>
+        <p:style>
+          <a:lnRef idx="2">
+            <a:schemeClr val="accent1">
+              <a:shade val="50000"/>
+            </a:schemeClr>
+          </a:lnRef>
+          <a:fillRef idx="1">
+            <a:schemeClr val="accent1"/>
+          </a:fillRef>
+          <a:effectRef idx="0">
+            <a:schemeClr val="accent1"/>
+          </a:effectRef>
+          <a:fontRef idx="minor">
+            <a:schemeClr val="lt1"/>
+          </a:fontRef>
+        </p:style>
+        <p:txBody>
+          <a:bodyPr rtlCol="0" anchor="ctr"/>
+          <a:lstStyle/>
+          <a:p>
+            <a:pPr algn="ctr"/>
+            <a:endParaRPr lang="en-US"/>
           </a:p>
         </p:txBody>
       </p:sp>
@@ -4146,13 +4304,24 @@
             <p:ph type="subTitle" idx="1"/>
           </p:nvPr>
         </p:nvSpPr>
-        <p:spPr/>
-        <p:txBody>
-          <a:bodyPr/>
+        <p:spPr>
+          <a:xfrm>
+            <a:off x="667512" y="5537199"/>
+            <a:ext cx="9228201" cy="800545"/>
+          </a:xfrm>
+        </p:spPr>
+        <p:txBody>
+          <a:bodyPr>
+            <a:normAutofit/>
+          </a:bodyPr>
           <a:lstStyle/>
           <a:p>
             <a:r>
-              <a:rPr lang="en-US"/>
+              <a:rPr lang="en-US" sz="3600">
+                <a:solidFill>
+                  <a:srgbClr val="FFFFFF"/>
+                </a:solidFill>
+              </a:rPr>
               <a:t>Nick Harshaw and Ellie Landoch</a:t>
             </a:r>
           </a:p>
@@ -4248,6 +4417,41 @@
           </a:prstGeom>
         </p:spPr>
       </p:pic>
+      <p:sp>
+        <p:nvSpPr>
+          <p:cNvPr id="2" name="TextBox 1">
+            <a:extLst>
+              <a:ext uri="{FF2B5EF4-FFF2-40B4-BE49-F238E27FC236}">
+                <a16:creationId xmlns:a16="http://schemas.microsoft.com/office/drawing/2014/main" id="{50665C32-4795-BAD9-9B56-1F4217B496FD}"/>
+              </a:ext>
+            </a:extLst>
+          </p:cNvPr>
+          <p:cNvSpPr txBox="1"/>
+          <p:nvPr/>
+        </p:nvSpPr>
+        <p:spPr>
+          <a:xfrm>
+            <a:off x="4505933" y="555551"/>
+            <a:ext cx="4943356" cy="630942"/>
+          </a:xfrm>
+          <a:prstGeom prst="rect">
+            <a:avLst/>
+          </a:prstGeom>
+          <a:noFill/>
+        </p:spPr>
+        <p:txBody>
+          <a:bodyPr wrap="square" rtlCol="0">
+            <a:spAutoFit/>
+          </a:bodyPr>
+          <a:lstStyle/>
+          <a:p>
+            <a:r>
+              <a:rPr lang="en-US" sz="3500" b="1" u="sng" dirty="0"/>
+              <a:t>Data by Nationality</a:t>
+            </a:r>
+          </a:p>
+        </p:txBody>
+      </p:sp>
     </p:spTree>
     <p:extLst>
       <p:ext uri="{BB962C8B-B14F-4D97-AF65-F5344CB8AC3E}">
@@ -4360,7 +4564,7 @@
         </p:blipFill>
         <p:spPr>
           <a:xfrm>
-            <a:off x="190318" y="1316195"/>
+            <a:off x="179301" y="2269584"/>
             <a:ext cx="5639090" cy="4007056"/>
           </a:xfrm>
           <a:prstGeom prst="rect">
@@ -4368,6 +4572,42 @@
           </a:prstGeom>
         </p:spPr>
       </p:pic>
+      <p:sp>
+        <p:nvSpPr>
+          <p:cNvPr id="2" name="TextBox 1">
+            <a:extLst>
+              <a:ext uri="{FF2B5EF4-FFF2-40B4-BE49-F238E27FC236}">
+                <a16:creationId xmlns:a16="http://schemas.microsoft.com/office/drawing/2014/main" id="{869D9680-EDB9-A00F-0BE3-94136644FA68}"/>
+              </a:ext>
+            </a:extLst>
+          </p:cNvPr>
+          <p:cNvSpPr txBox="1"/>
+          <p:nvPr/>
+        </p:nvSpPr>
+        <p:spPr>
+          <a:xfrm>
+            <a:off x="909435" y="383056"/>
+            <a:ext cx="4643065" cy="1477328"/>
+          </a:xfrm>
+          <a:prstGeom prst="rect">
+            <a:avLst/>
+          </a:prstGeom>
+          <a:noFill/>
+        </p:spPr>
+        <p:txBody>
+          <a:bodyPr wrap="square" rtlCol="0">
+            <a:spAutoFit/>
+          </a:bodyPr>
+          <a:lstStyle/>
+          <a:p>
+            <a:pPr algn="ctr"/>
+            <a:r>
+              <a:rPr lang="en-US" sz="3000" b="1" u="sng" dirty="0"/>
+              <a:t>Comparing distributions of Wins, Podiums, Points vs. their respective rates </a:t>
+            </a:r>
+          </a:p>
+        </p:txBody>
+      </p:sp>
     </p:spTree>
     <p:extLst>
       <p:ext uri="{BB962C8B-B14F-4D97-AF65-F5344CB8AC3E}">
@@ -4384,6 +4624,14 @@
 <file path=ppt/slides/slide12.xml><?xml version="1.0" encoding="utf-8"?>
 <p:sld xmlns:a="http://schemas.openxmlformats.org/drawingml/2006/main" xmlns:r="http://schemas.openxmlformats.org/officeDocument/2006/relationships" xmlns:p="http://schemas.openxmlformats.org/presentationml/2006/main">
   <p:cSld>
+    <p:bg>
+      <p:bgPr>
+        <a:solidFill>
+          <a:schemeClr val="bg1"/>
+        </a:solidFill>
+        <a:effectLst/>
+      </p:bgPr>
+    </p:bg>
     <p:spTree>
       <p:nvGrpSpPr>
         <p:cNvPr id="1" name=""/>
@@ -4420,14 +4668,148 @@
         </p:blipFill>
         <p:spPr>
           <a:xfrm>
-            <a:off x="408575" y="1803380"/>
-            <a:ext cx="3422787" cy="3251240"/>
+            <a:off x="484632" y="1755296"/>
+            <a:ext cx="3517119" cy="3341262"/>
           </a:xfrm>
           <a:prstGeom prst="rect">
             <a:avLst/>
           </a:prstGeom>
         </p:spPr>
       </p:pic>
+      <p:cxnSp>
+        <p:nvCxnSpPr>
+          <p:cNvPr id="12" name="Straight Connector 11">
+            <a:extLst>
+              <a:ext uri="{FF2B5EF4-FFF2-40B4-BE49-F238E27FC236}">
+                <a16:creationId xmlns:a16="http://schemas.microsoft.com/office/drawing/2014/main" id="{DCD67800-37AC-4E14-89B0-F79DCB3FB86D}"/>
+              </a:ext>
+              <a:ext uri="{C183D7F6-B498-43B3-948B-1728B52AA6E4}">
+                <adec:decorative xmlns:adec="http://schemas.microsoft.com/office/drawing/2017/decorative" val="1"/>
+              </a:ext>
+            </a:extLst>
+          </p:cNvPr>
+          <p:cNvCxnSpPr>
+            <a:cxnSpLocks noGrp="1" noRot="1" noChangeAspect="1" noMove="1" noResize="1" noEditPoints="1" noAdjustHandles="1" noChangeArrowheads="1" noChangeShapeType="1"/>
+          </p:cNvCxnSpPr>
+          <p:nvPr>
+            <p:extLst>
+              <p:ext uri="{386F3935-93C4-4BCD-93E2-E3B085C9AB24}">
+                <p16:designElem xmlns:p16="http://schemas.microsoft.com/office/powerpoint/2015/main" val="1"/>
+              </p:ext>
+            </p:extLst>
+          </p:nvPr>
+        </p:nvCxnSpPr>
+        <p:spPr>
+          <a:xfrm>
+            <a:off x="4165600" y="1573887"/>
+            <a:ext cx="0" cy="3710227"/>
+          </a:xfrm>
+          <a:prstGeom prst="line">
+            <a:avLst/>
+          </a:prstGeom>
+          <a:ln w="19050">
+            <a:solidFill>
+              <a:srgbClr val="7F7F7F"/>
+            </a:solidFill>
+          </a:ln>
+        </p:spPr>
+        <p:style>
+          <a:lnRef idx="1">
+            <a:schemeClr val="accent1"/>
+          </a:lnRef>
+          <a:fillRef idx="0">
+            <a:schemeClr val="accent1"/>
+          </a:fillRef>
+          <a:effectRef idx="0">
+            <a:schemeClr val="accent1"/>
+          </a:effectRef>
+          <a:fontRef idx="minor">
+            <a:schemeClr val="tx1"/>
+          </a:fontRef>
+        </p:style>
+      </p:cxnSp>
+      <p:pic>
+        <p:nvPicPr>
+          <p:cNvPr id="7" name="Picture 6">
+            <a:extLst>
+              <a:ext uri="{FF2B5EF4-FFF2-40B4-BE49-F238E27FC236}">
+                <a16:creationId xmlns:a16="http://schemas.microsoft.com/office/drawing/2014/main" id="{0A69CB51-5F2B-2F92-A525-F2353B5555D0}"/>
+              </a:ext>
+            </a:extLst>
+          </p:cNvPr>
+          <p:cNvPicPr>
+            <a:picLocks noChangeAspect="1"/>
+          </p:cNvPicPr>
+          <p:nvPr/>
+        </p:nvPicPr>
+        <p:blipFill>
+          <a:blip r:embed="rId3"/>
+          <a:stretch>
+            <a:fillRect/>
+          </a:stretch>
+        </p:blipFill>
+        <p:spPr>
+          <a:xfrm>
+            <a:off x="4310676" y="2015411"/>
+            <a:ext cx="3537345" cy="2821031"/>
+          </a:xfrm>
+          <a:prstGeom prst="rect">
+            <a:avLst/>
+          </a:prstGeom>
+        </p:spPr>
+      </p:pic>
+      <p:cxnSp>
+        <p:nvCxnSpPr>
+          <p:cNvPr id="14" name="Straight Connector 13">
+            <a:extLst>
+              <a:ext uri="{FF2B5EF4-FFF2-40B4-BE49-F238E27FC236}">
+                <a16:creationId xmlns:a16="http://schemas.microsoft.com/office/drawing/2014/main" id="{20F1788F-A5AE-4188-8274-F7F2E3833ECD}"/>
+              </a:ext>
+              <a:ext uri="{C183D7F6-B498-43B3-948B-1728B52AA6E4}">
+                <adec:decorative xmlns:adec="http://schemas.microsoft.com/office/drawing/2017/decorative" val="1"/>
+              </a:ext>
+            </a:extLst>
+          </p:cNvPr>
+          <p:cNvCxnSpPr>
+            <a:cxnSpLocks noGrp="1" noRot="1" noChangeAspect="1" noMove="1" noResize="1" noEditPoints="1" noAdjustHandles="1" noChangeArrowheads="1" noChangeShapeType="1"/>
+          </p:cNvCxnSpPr>
+          <p:nvPr>
+            <p:extLst>
+              <p:ext uri="{386F3935-93C4-4BCD-93E2-E3B085C9AB24}">
+                <p16:designElem xmlns:p16="http://schemas.microsoft.com/office/powerpoint/2015/main" val="1"/>
+              </p:ext>
+            </p:extLst>
+          </p:nvPr>
+        </p:nvCxnSpPr>
+        <p:spPr>
+          <a:xfrm>
+            <a:off x="7995920" y="1573887"/>
+            <a:ext cx="0" cy="3710227"/>
+          </a:xfrm>
+          <a:prstGeom prst="line">
+            <a:avLst/>
+          </a:prstGeom>
+          <a:ln w="19050">
+            <a:solidFill>
+              <a:srgbClr val="7F7F7F"/>
+            </a:solidFill>
+          </a:ln>
+        </p:spPr>
+        <p:style>
+          <a:lnRef idx="1">
+            <a:schemeClr val="accent1"/>
+          </a:lnRef>
+          <a:fillRef idx="0">
+            <a:schemeClr val="accent1"/>
+          </a:fillRef>
+          <a:effectRef idx="0">
+            <a:schemeClr val="accent1"/>
+          </a:effectRef>
+          <a:fontRef idx="minor">
+            <a:schemeClr val="tx1"/>
+          </a:fontRef>
+        </p:style>
+      </p:cxnSp>
       <p:pic>
         <p:nvPicPr>
           <p:cNvPr id="5" name="Picture 4">
@@ -4443,36 +4825,6 @@
           <p:nvPr/>
         </p:nvPicPr>
         <p:blipFill>
-          <a:blip r:embed="rId3"/>
-          <a:stretch>
-            <a:fillRect/>
-          </a:stretch>
-        </p:blipFill>
-        <p:spPr>
-          <a:xfrm>
-            <a:off x="8360640" y="1942530"/>
-            <a:ext cx="3422787" cy="3232852"/>
-          </a:xfrm>
-          <a:prstGeom prst="rect">
-            <a:avLst/>
-          </a:prstGeom>
-        </p:spPr>
-      </p:pic>
-      <p:pic>
-        <p:nvPicPr>
-          <p:cNvPr id="7" name="Picture 6">
-            <a:extLst>
-              <a:ext uri="{FF2B5EF4-FFF2-40B4-BE49-F238E27FC236}">
-                <a16:creationId xmlns:a16="http://schemas.microsoft.com/office/drawing/2014/main" id="{0A69CB51-5F2B-2F92-A525-F2353B5555D0}"/>
-              </a:ext>
-            </a:extLst>
-          </p:cNvPr>
-          <p:cNvPicPr>
-            <a:picLocks noChangeAspect="1"/>
-          </p:cNvPicPr>
-          <p:nvPr/>
-        </p:nvPicPr>
-        <p:blipFill>
           <a:blip r:embed="rId4"/>
           <a:stretch>
             <a:fillRect/>
@@ -4480,14 +4832,49 @@
         </p:blipFill>
         <p:spPr>
           <a:xfrm>
-            <a:off x="4135431" y="1803380"/>
-            <a:ext cx="4225209" cy="3372002"/>
+            <a:off x="8162336" y="1764089"/>
+            <a:ext cx="3517120" cy="3323677"/>
           </a:xfrm>
           <a:prstGeom prst="rect">
             <a:avLst/>
           </a:prstGeom>
         </p:spPr>
       </p:pic>
+      <p:sp>
+        <p:nvSpPr>
+          <p:cNvPr id="2" name="TextBox 1">
+            <a:extLst>
+              <a:ext uri="{FF2B5EF4-FFF2-40B4-BE49-F238E27FC236}">
+                <a16:creationId xmlns:a16="http://schemas.microsoft.com/office/drawing/2014/main" id="{DC277CD1-02C2-D90B-5454-8E7C7368E536}"/>
+              </a:ext>
+            </a:extLst>
+          </p:cNvPr>
+          <p:cNvSpPr txBox="1"/>
+          <p:nvPr/>
+        </p:nvSpPr>
+        <p:spPr>
+          <a:xfrm>
+            <a:off x="2741364" y="451692"/>
+            <a:ext cx="6709271" cy="630942"/>
+          </a:xfrm>
+          <a:prstGeom prst="rect">
+            <a:avLst/>
+          </a:prstGeom>
+          <a:noFill/>
+        </p:spPr>
+        <p:txBody>
+          <a:bodyPr wrap="square" rtlCol="0">
+            <a:spAutoFit/>
+          </a:bodyPr>
+          <a:lstStyle/>
+          <a:p>
+            <a:r>
+              <a:rPr lang="en-US" sz="3500" b="1" u="sng" dirty="0"/>
+              <a:t>Individual Driver Stats by Nationality</a:t>
+            </a:r>
+          </a:p>
+        </p:txBody>
+      </p:sp>
     </p:spTree>
     <p:extLst>
       <p:ext uri="{BB962C8B-B14F-4D97-AF65-F5344CB8AC3E}">
@@ -4504,6 +4891,14 @@
 <file path=ppt/slides/slide13.xml><?xml version="1.0" encoding="utf-8"?>
 <p:sld xmlns:a="http://schemas.openxmlformats.org/drawingml/2006/main" xmlns:r="http://schemas.openxmlformats.org/officeDocument/2006/relationships" xmlns:p="http://schemas.openxmlformats.org/presentationml/2006/main">
   <p:cSld>
+    <p:bg>
+      <p:bgPr>
+        <a:solidFill>
+          <a:schemeClr val="bg1"/>
+        </a:solidFill>
+        <a:effectLst/>
+      </p:bgPr>
+    </p:bg>
     <p:spTree>
       <p:nvGrpSpPr>
         <p:cNvPr id="1" name=""/>
@@ -4520,6 +4915,69 @@
       </p:grpSpPr>
       <p:sp>
         <p:nvSpPr>
+          <p:cNvPr id="8" name="Rectangle 7">
+            <a:extLst>
+              <a:ext uri="{FF2B5EF4-FFF2-40B4-BE49-F238E27FC236}">
+                <a16:creationId xmlns:a16="http://schemas.microsoft.com/office/drawing/2014/main" id="{AD6F6937-3B5A-4391-9F37-58A571B362A9}"/>
+              </a:ext>
+              <a:ext uri="{C183D7F6-B498-43B3-948B-1728B52AA6E4}">
+                <adec:decorative xmlns:adec="http://schemas.microsoft.com/office/drawing/2017/decorative" val="1"/>
+              </a:ext>
+            </a:extLst>
+          </p:cNvPr>
+          <p:cNvSpPr>
+            <a:spLocks noGrp="1" noRot="1" noChangeAspect="1" noMove="1" noResize="1" noEditPoints="1" noAdjustHandles="1" noChangeArrowheads="1" noChangeShapeType="1" noTextEdit="1"/>
+          </p:cNvSpPr>
+          <p:nvPr>
+            <p:extLst>
+              <p:ext uri="{386F3935-93C4-4BCD-93E2-E3B085C9AB24}">
+                <p16:designElem xmlns:p16="http://schemas.microsoft.com/office/powerpoint/2015/main" val="1"/>
+              </p:ext>
+            </p:extLst>
+          </p:nvPr>
+        </p:nvSpPr>
+        <p:spPr>
+          <a:xfrm>
+            <a:off x="0" y="0"/>
+            <a:ext cx="4059080" cy="6858000"/>
+          </a:xfrm>
+          <a:prstGeom prst="rect">
+            <a:avLst/>
+          </a:prstGeom>
+          <a:solidFill>
+            <a:schemeClr val="accent1"/>
+          </a:solidFill>
+          <a:ln>
+            <a:noFill/>
+          </a:ln>
+        </p:spPr>
+        <p:style>
+          <a:lnRef idx="2">
+            <a:schemeClr val="accent1">
+              <a:shade val="50000"/>
+            </a:schemeClr>
+          </a:lnRef>
+          <a:fillRef idx="1">
+            <a:schemeClr val="accent1"/>
+          </a:fillRef>
+          <a:effectRef idx="0">
+            <a:schemeClr val="accent1"/>
+          </a:effectRef>
+          <a:fontRef idx="minor">
+            <a:schemeClr val="lt1"/>
+          </a:fontRef>
+        </p:style>
+        <p:txBody>
+          <a:bodyPr rtlCol="0" anchor="ctr"/>
+          <a:lstStyle/>
+          <a:p>
+            <a:pPr algn="ctr"/>
+            <a:endParaRPr lang="en-US"/>
+          </a:p>
+        </p:txBody>
+      </p:sp>
+      <p:sp>
+        <p:nvSpPr>
           <p:cNvPr id="2" name="Title 1">
             <a:extLst>
               <a:ext uri="{FF2B5EF4-FFF2-40B4-BE49-F238E27FC236}">
@@ -4534,19 +4992,33 @@
             <p:ph type="title"/>
           </p:nvPr>
         </p:nvSpPr>
-        <p:spPr/>
-        <p:txBody>
-          <a:bodyPr/>
+        <p:spPr>
+          <a:xfrm>
+            <a:off x="657224" y="936711"/>
+            <a:ext cx="2988265" cy="4984578"/>
+          </a:xfrm>
+        </p:spPr>
+        <p:txBody>
+          <a:bodyPr>
+            <a:normAutofit/>
+          </a:bodyPr>
           <a:lstStyle/>
           <a:p>
             <a:r>
-              <a:rPr lang="en-US" b="1" i="0" dirty="0">
+              <a:rPr lang="en-US" sz="4400" b="1" i="0">
+                <a:solidFill>
+                  <a:srgbClr val="FFFFFF"/>
+                </a:solidFill>
                 <a:effectLst/>
                 <a:latin typeface="system-ui"/>
               </a:rPr>
               <a:t>Summary</a:t>
             </a:r>
-            <a:endParaRPr lang="en-US" dirty="0"/>
+            <a:endParaRPr lang="en-US" sz="4400">
+              <a:solidFill>
+                <a:srgbClr val="FFFFFF"/>
+              </a:solidFill>
+            </a:endParaRPr>
           </a:p>
         </p:txBody>
       </p:sp>
@@ -4568,18 +5040,18 @@
         </p:nvSpPr>
         <p:spPr>
           <a:xfrm>
-            <a:off x="838200" y="1690688"/>
-            <a:ext cx="10515600" cy="4802187"/>
-          </a:xfrm>
-        </p:spPr>
-        <p:txBody>
-          <a:bodyPr>
-            <a:normAutofit fontScale="92500" lnSpcReduction="20000"/>
+            <a:off x="4614389" y="936711"/>
+            <a:ext cx="6815992" cy="4984578"/>
+          </a:xfrm>
+        </p:spPr>
+        <p:txBody>
+          <a:bodyPr anchor="ctr">
+            <a:normAutofit/>
           </a:bodyPr>
           <a:lstStyle/>
           <a:p>
             <a:r>
-              <a:rPr lang="en-US" b="0" i="0" dirty="0">
+              <a:rPr lang="en-US" sz="1900" b="0" i="0">
                 <a:effectLst/>
                 <a:latin typeface="system-ui"/>
               </a:rPr>
@@ -4589,14 +5061,14 @@
           <a:p>
             <a:pPr lvl="1"/>
             <a:r>
-              <a:rPr lang="en-US" b="0" i="0" dirty="0">
+              <a:rPr lang="en-US" sz="1900" b="0" i="0">
                 <a:effectLst/>
                 <a:latin typeface="system-ui"/>
               </a:rPr>
               <a:t>Most of the univariate histogra</a:t>
             </a:r>
             <a:r>
-              <a:rPr lang="en-US" dirty="0">
+              <a:rPr lang="en-US" sz="1900">
                 <a:latin typeface="system-ui"/>
               </a:rPr>
               <a:t>ms are skewed to the right</a:t>
@@ -4605,7 +5077,7 @@
           <a:p>
             <a:pPr lvl="1"/>
             <a:r>
-              <a:rPr lang="en-US" b="0" i="0" dirty="0">
+              <a:rPr lang="en-US" sz="1900" b="0" i="0">
                 <a:effectLst/>
                 <a:latin typeface="system-ui"/>
               </a:rPr>
@@ -4615,7 +5087,7 @@
           <a:p>
             <a:pPr lvl="1"/>
             <a:r>
-              <a:rPr lang="en-US" b="0" i="0" dirty="0">
+              <a:rPr lang="en-US" sz="1900" b="0" i="0">
                 <a:effectLst/>
                 <a:latin typeface="system-ui"/>
               </a:rPr>
@@ -4625,19 +5097,19 @@
           <a:p>
             <a:pPr lvl="1"/>
             <a:r>
-              <a:rPr lang="en-US" dirty="0">
+              <a:rPr lang="en-US" sz="1900">
                 <a:latin typeface="system-ui"/>
               </a:rPr>
               <a:t>Most F1 successes are from drivers from the same few countries</a:t>
             </a:r>
-            <a:endParaRPr lang="en-US" b="0" i="0" dirty="0">
+            <a:endParaRPr lang="en-US" sz="1900" b="0" i="0">
               <a:effectLst/>
               <a:latin typeface="system-ui"/>
             </a:endParaRPr>
           </a:p>
           <a:p>
             <a:r>
-              <a:rPr lang="en-US" dirty="0">
+              <a:rPr lang="en-US" sz="1900">
                 <a:latin typeface="system-ui"/>
               </a:rPr>
               <a:t>Are there any surprising findings?</a:t>
@@ -4646,7 +5118,7 @@
           <a:p>
             <a:pPr lvl="1"/>
             <a:r>
-              <a:rPr lang="en-US" dirty="0">
+              <a:rPr lang="en-US" sz="1900">
                 <a:latin typeface="system-ui"/>
               </a:rPr>
               <a:t>Points and championships are not very strongly correlated</a:t>
@@ -4655,7 +5127,7 @@
           <a:p>
             <a:pPr lvl="1"/>
             <a:r>
-              <a:rPr lang="en-US" dirty="0">
+              <a:rPr lang="en-US" sz="1900">
                 <a:latin typeface="system-ui"/>
               </a:rPr>
               <a:t>The number of years active is very weakly correlated to number of wins, championships, etc.</a:t>
@@ -4663,7 +5135,7 @@
           </a:p>
           <a:p>
             <a:r>
-              <a:rPr lang="en-US" b="0" i="0" dirty="0">
+              <a:rPr lang="en-US" sz="1900" b="0" i="0">
                 <a:effectLst/>
                 <a:latin typeface="system-ui"/>
               </a:rPr>
@@ -4673,12 +5145,12 @@
           <a:p>
             <a:pPr lvl="1"/>
             <a:r>
-              <a:rPr lang="en-US" dirty="0">
+              <a:rPr lang="en-US" sz="1900">
                 <a:latin typeface="system-ui"/>
               </a:rPr>
               <a:t>Instead of looking at race winners, look at only active drivers to predict how they may continue to perform in the sport</a:t>
             </a:r>
-            <a:endParaRPr lang="en-US" b="0" i="0" dirty="0">
+            <a:endParaRPr lang="en-US" sz="1900" b="0" i="0">
               <a:effectLst/>
               <a:latin typeface="system-ui"/>
             </a:endParaRPr>
@@ -4701,6 +5173,14 @@
 <file path=ppt/slides/slide2.xml><?xml version="1.0" encoding="utf-8"?>
 <p:sld xmlns:a="http://schemas.openxmlformats.org/drawingml/2006/main" xmlns:r="http://schemas.openxmlformats.org/officeDocument/2006/relationships" xmlns:p="http://schemas.openxmlformats.org/presentationml/2006/main">
   <p:cSld>
+    <p:bg>
+      <p:bgPr>
+        <a:solidFill>
+          <a:schemeClr val="bg1"/>
+        </a:solidFill>
+        <a:effectLst/>
+      </p:bgPr>
+    </p:bg>
     <p:spTree>
       <p:nvGrpSpPr>
         <p:cNvPr id="1" name=""/>
@@ -4717,6 +5197,134 @@
       </p:grpSpPr>
       <p:sp>
         <p:nvSpPr>
+          <p:cNvPr id="8" name="Rectangle 7">
+            <a:extLst>
+              <a:ext uri="{FF2B5EF4-FFF2-40B4-BE49-F238E27FC236}">
+                <a16:creationId xmlns:a16="http://schemas.microsoft.com/office/drawing/2014/main" id="{B1CCD5EF-766D-43B9-A25D-19122E5FB181}"/>
+              </a:ext>
+              <a:ext uri="{C183D7F6-B498-43B3-948B-1728B52AA6E4}">
+                <adec:decorative xmlns:adec="http://schemas.microsoft.com/office/drawing/2017/decorative" val="1"/>
+              </a:ext>
+            </a:extLst>
+          </p:cNvPr>
+          <p:cNvSpPr>
+            <a:spLocks noGrp="1" noRot="1" noChangeAspect="1" noMove="1" noResize="1" noEditPoints="1" noAdjustHandles="1" noChangeArrowheads="1" noChangeShapeType="1" noTextEdit="1"/>
+          </p:cNvSpPr>
+          <p:nvPr>
+            <p:extLst>
+              <p:ext uri="{386F3935-93C4-4BCD-93E2-E3B085C9AB24}">
+                <p16:designElem xmlns:p16="http://schemas.microsoft.com/office/powerpoint/2015/main" val="1"/>
+              </p:ext>
+            </p:extLst>
+          </p:nvPr>
+        </p:nvSpPr>
+        <p:spPr>
+          <a:xfrm>
+            <a:off x="643467" y="643467"/>
+            <a:ext cx="10905065" cy="1989682"/>
+          </a:xfrm>
+          <a:prstGeom prst="rect">
+            <a:avLst/>
+          </a:prstGeom>
+          <a:solidFill>
+            <a:schemeClr val="accent1"/>
+          </a:solidFill>
+          <a:ln cap="sq">
+            <a:noFill/>
+            <a:miter lim="800000"/>
+          </a:ln>
+        </p:spPr>
+        <p:style>
+          <a:lnRef idx="2">
+            <a:schemeClr val="accent1">
+              <a:shade val="50000"/>
+            </a:schemeClr>
+          </a:lnRef>
+          <a:fillRef idx="1">
+            <a:schemeClr val="accent1"/>
+          </a:fillRef>
+          <a:effectRef idx="0">
+            <a:schemeClr val="accent1"/>
+          </a:effectRef>
+          <a:fontRef idx="minor">
+            <a:schemeClr val="lt1"/>
+          </a:fontRef>
+        </p:style>
+        <p:txBody>
+          <a:bodyPr rtlCol="0" anchor="ctr"/>
+          <a:lstStyle/>
+          <a:p>
+            <a:pPr algn="ctr"/>
+            <a:endParaRPr lang="en-US"/>
+          </a:p>
+        </p:txBody>
+      </p:sp>
+      <p:sp>
+        <p:nvSpPr>
+          <p:cNvPr id="10" name="Rectangle 9">
+            <a:extLst>
+              <a:ext uri="{FF2B5EF4-FFF2-40B4-BE49-F238E27FC236}">
+                <a16:creationId xmlns:a16="http://schemas.microsoft.com/office/drawing/2014/main" id="{FD9699C9-77F1-4E33-A750-CB78C7EA29E6}"/>
+              </a:ext>
+              <a:ext uri="{C183D7F6-B498-43B3-948B-1728B52AA6E4}">
+                <adec:decorative xmlns:adec="http://schemas.microsoft.com/office/drawing/2017/decorative" val="1"/>
+              </a:ext>
+            </a:extLst>
+          </p:cNvPr>
+          <p:cNvSpPr>
+            <a:spLocks noGrp="1" noRot="1" noChangeAspect="1" noMove="1" noResize="1" noEditPoints="1" noAdjustHandles="1" noChangeArrowheads="1" noChangeShapeType="1" noTextEdit="1"/>
+          </p:cNvSpPr>
+          <p:nvPr>
+            <p:extLst>
+              <p:ext uri="{386F3935-93C4-4BCD-93E2-E3B085C9AB24}">
+                <p16:designElem xmlns:p16="http://schemas.microsoft.com/office/powerpoint/2015/main" val="1"/>
+              </p:ext>
+            </p:extLst>
+          </p:nvPr>
+        </p:nvSpPr>
+        <p:spPr>
+          <a:xfrm>
+            <a:off x="806195" y="806204"/>
+            <a:ext cx="10579608" cy="1664208"/>
+          </a:xfrm>
+          <a:prstGeom prst="rect">
+            <a:avLst/>
+          </a:prstGeom>
+          <a:noFill/>
+          <a:ln cap="sq">
+            <a:solidFill>
+              <a:schemeClr val="bg1"/>
+            </a:solidFill>
+            <a:miter lim="800000"/>
+          </a:ln>
+        </p:spPr>
+        <p:style>
+          <a:lnRef idx="2">
+            <a:schemeClr val="accent1">
+              <a:shade val="50000"/>
+            </a:schemeClr>
+          </a:lnRef>
+          <a:fillRef idx="1">
+            <a:schemeClr val="accent1"/>
+          </a:fillRef>
+          <a:effectRef idx="0">
+            <a:schemeClr val="accent1"/>
+          </a:effectRef>
+          <a:fontRef idx="minor">
+            <a:schemeClr val="lt1"/>
+          </a:fontRef>
+        </p:style>
+        <p:txBody>
+          <a:bodyPr rtlCol="0" anchor="ctr"/>
+          <a:lstStyle/>
+          <a:p>
+            <a:pPr algn="ctr"/>
+            <a:endParaRPr lang="en-US"/>
+          </a:p>
+        </p:txBody>
+      </p:sp>
+      <p:sp>
+        <p:nvSpPr>
           <p:cNvPr id="2" name="Title 1">
             <a:extLst>
               <a:ext uri="{FF2B5EF4-FFF2-40B4-BE49-F238E27FC236}">
@@ -4731,19 +5339,33 @@
             <p:ph type="title"/>
           </p:nvPr>
         </p:nvSpPr>
-        <p:spPr/>
-        <p:txBody>
-          <a:bodyPr/>
+        <p:spPr>
+          <a:xfrm>
+            <a:off x="1071846" y="1059736"/>
+            <a:ext cx="10040233" cy="1228130"/>
+          </a:xfrm>
+        </p:spPr>
+        <p:txBody>
+          <a:bodyPr>
+            <a:normAutofit/>
+          </a:bodyPr>
           <a:lstStyle/>
           <a:p>
             <a:r>
               <a:rPr lang="en-US" b="1" i="0">
+                <a:solidFill>
+                  <a:srgbClr val="FFFFFF"/>
+                </a:solidFill>
                 <a:effectLst/>
                 <a:latin typeface="system-ui"/>
               </a:rPr>
               <a:t>Understanding the Dataset</a:t>
             </a:r>
-            <a:endParaRPr lang="en-US"/>
+            <a:endParaRPr lang="en-US">
+              <a:solidFill>
+                <a:srgbClr val="FFFFFF"/>
+              </a:solidFill>
+            </a:endParaRPr>
           </a:p>
         </p:txBody>
       </p:sp>
@@ -4763,12 +5385,19 @@
             <p:ph idx="1"/>
           </p:nvPr>
         </p:nvSpPr>
-        <p:spPr/>
-        <p:txBody>
-          <a:bodyPr/>
+        <p:spPr>
+          <a:xfrm>
+            <a:off x="1071846" y="2973313"/>
+            <a:ext cx="10040233" cy="2903099"/>
+          </a:xfrm>
+        </p:spPr>
+        <p:txBody>
+          <a:bodyPr>
+            <a:noAutofit/>
+          </a:bodyPr>
           <a:lstStyle/>
           <a:p>
-            <a:pPr algn="l">
+            <a:pPr>
               <a:buFont typeface="Arial" panose="020B0604020202020204" pitchFamily="34" charset="0"/>
               <a:buChar char="•"/>
             </a:pPr>
@@ -4800,7 +5429,7 @@
             </a:r>
           </a:p>
           <a:p>
-            <a:pPr algn="l">
+            <a:pPr>
               <a:buFont typeface="Arial" panose="020B0604020202020204" pitchFamily="34" charset="0"/>
               <a:buChar char="•"/>
             </a:pPr>
@@ -4815,227 +5444,227 @@
           <a:p>
             <a:pPr lvl="1"/>
             <a:r>
-              <a:rPr lang="en-US" sz="1800" dirty="0">
+              <a:rPr lang="en-US" dirty="0">
                 <a:effectLst/>
                 <a:latin typeface="var(--jp-code-font-family)"/>
               </a:rPr>
               <a:t>['Driver', 'Nationality', 'Seasons', 'Championships', '</a:t>
             </a:r>
             <a:r>
-              <a:rPr lang="en-US" sz="1800" dirty="0" err="1">
+              <a:rPr lang="en-US" dirty="0" err="1">
                 <a:effectLst/>
                 <a:latin typeface="var(--jp-code-font-family)"/>
               </a:rPr>
               <a:t>Race_Entries</a:t>
             </a:r>
             <a:r>
-              <a:rPr lang="en-US" sz="1800" dirty="0">
+              <a:rPr lang="en-US" dirty="0">
                 <a:effectLst/>
                 <a:latin typeface="var(--jp-code-font-family)"/>
               </a:rPr>
               <a:t>',</a:t>
             </a:r>
             <a:br>
-              <a:rPr lang="en-US" sz="1800" dirty="0">
+              <a:rPr lang="en-US" dirty="0">
                 <a:effectLst/>
                 <a:latin typeface="var(--jp-code-font-family)"/>
               </a:rPr>
             </a:br>
             <a:r>
-              <a:rPr lang="en-US" sz="1800" dirty="0">
+              <a:rPr lang="en-US" dirty="0">
                 <a:effectLst/>
                 <a:latin typeface="var(--jp-code-font-family)"/>
               </a:rPr>
               <a:t>       '</a:t>
             </a:r>
             <a:r>
-              <a:rPr lang="en-US" sz="1800" dirty="0" err="1">
+              <a:rPr lang="en-US" dirty="0" err="1">
                 <a:effectLst/>
                 <a:latin typeface="var(--jp-code-font-family)"/>
               </a:rPr>
               <a:t>Race_Starts</a:t>
             </a:r>
             <a:r>
-              <a:rPr lang="en-US" sz="1800" dirty="0">
+              <a:rPr lang="en-US" dirty="0">
                 <a:effectLst/>
                 <a:latin typeface="var(--jp-code-font-family)"/>
               </a:rPr>
               <a:t>', '</a:t>
             </a:r>
             <a:r>
-              <a:rPr lang="en-US" sz="1800" dirty="0" err="1">
+              <a:rPr lang="en-US" dirty="0" err="1">
                 <a:effectLst/>
                 <a:latin typeface="var(--jp-code-font-family)"/>
               </a:rPr>
               <a:t>Pole_Positions</a:t>
             </a:r>
             <a:r>
-              <a:rPr lang="en-US" sz="1800" dirty="0">
+              <a:rPr lang="en-US" dirty="0">
                 <a:effectLst/>
                 <a:latin typeface="var(--jp-code-font-family)"/>
               </a:rPr>
               <a:t>', '</a:t>
             </a:r>
             <a:r>
-              <a:rPr lang="en-US" sz="1800" dirty="0" err="1">
+              <a:rPr lang="en-US" dirty="0" err="1">
                 <a:effectLst/>
                 <a:latin typeface="var(--jp-code-font-family)"/>
               </a:rPr>
               <a:t>Race_Wins</a:t>
             </a:r>
             <a:r>
-              <a:rPr lang="en-US" sz="1800" dirty="0">
+              <a:rPr lang="en-US" dirty="0">
                 <a:effectLst/>
                 <a:latin typeface="var(--jp-code-font-family)"/>
               </a:rPr>
               <a:t>', 'Podiums', '</a:t>
             </a:r>
             <a:r>
-              <a:rPr lang="en-US" sz="1800" dirty="0" err="1">
+              <a:rPr lang="en-US" dirty="0" err="1">
                 <a:effectLst/>
                 <a:latin typeface="var(--jp-code-font-family)"/>
               </a:rPr>
               <a:t>Fastest_Laps</a:t>
             </a:r>
             <a:r>
-              <a:rPr lang="en-US" sz="1800" dirty="0">
+              <a:rPr lang="en-US" dirty="0">
                 <a:effectLst/>
                 <a:latin typeface="var(--jp-code-font-family)"/>
               </a:rPr>
               <a:t>',</a:t>
             </a:r>
             <a:br>
-              <a:rPr lang="en-US" sz="1800" dirty="0">
+              <a:rPr lang="en-US" dirty="0">
                 <a:effectLst/>
                 <a:latin typeface="var(--jp-code-font-family)"/>
               </a:rPr>
             </a:br>
             <a:r>
-              <a:rPr lang="en-US" sz="1800" dirty="0">
+              <a:rPr lang="en-US" dirty="0">
                 <a:effectLst/>
                 <a:latin typeface="var(--jp-code-font-family)"/>
               </a:rPr>
               <a:t>       'Points', 'Active', 'Championship Years', 'Decade', '</a:t>
             </a:r>
             <a:r>
-              <a:rPr lang="en-US" sz="1800" dirty="0" err="1">
+              <a:rPr lang="en-US" dirty="0" err="1">
                 <a:effectLst/>
                 <a:latin typeface="var(--jp-code-font-family)"/>
               </a:rPr>
               <a:t>Pole_Rate</a:t>
             </a:r>
             <a:r>
-              <a:rPr lang="en-US" sz="1800" dirty="0">
+              <a:rPr lang="en-US" dirty="0">
                 <a:effectLst/>
                 <a:latin typeface="var(--jp-code-font-family)"/>
               </a:rPr>
               <a:t>',</a:t>
             </a:r>
             <a:br>
-              <a:rPr lang="en-US" sz="1800" dirty="0">
+              <a:rPr lang="en-US" dirty="0">
                 <a:effectLst/>
                 <a:latin typeface="var(--jp-code-font-family)"/>
               </a:rPr>
             </a:br>
             <a:r>
-              <a:rPr lang="en-US" sz="1800" dirty="0">
+              <a:rPr lang="en-US" dirty="0">
                 <a:effectLst/>
                 <a:latin typeface="var(--jp-code-font-family)"/>
               </a:rPr>
               <a:t>       '</a:t>
             </a:r>
             <a:r>
-              <a:rPr lang="en-US" sz="1800" dirty="0" err="1">
+              <a:rPr lang="en-US" dirty="0" err="1">
                 <a:effectLst/>
                 <a:latin typeface="var(--jp-code-font-family)"/>
               </a:rPr>
               <a:t>Start_Rate</a:t>
             </a:r>
             <a:r>
-              <a:rPr lang="en-US" sz="1800" dirty="0">
+              <a:rPr lang="en-US" dirty="0">
                 <a:effectLst/>
                 <a:latin typeface="var(--jp-code-font-family)"/>
               </a:rPr>
               <a:t>', '</a:t>
             </a:r>
             <a:r>
-              <a:rPr lang="en-US" sz="1800" dirty="0" err="1">
+              <a:rPr lang="en-US" dirty="0" err="1">
                 <a:effectLst/>
                 <a:latin typeface="var(--jp-code-font-family)"/>
               </a:rPr>
               <a:t>Win_Rate</a:t>
             </a:r>
             <a:r>
-              <a:rPr lang="en-US" sz="1800" dirty="0">
+              <a:rPr lang="en-US" dirty="0">
                 <a:effectLst/>
                 <a:latin typeface="var(--jp-code-font-family)"/>
               </a:rPr>
               <a:t>', '</a:t>
             </a:r>
             <a:r>
-              <a:rPr lang="en-US" sz="1800" dirty="0" err="1">
+              <a:rPr lang="en-US" dirty="0" err="1">
                 <a:effectLst/>
                 <a:latin typeface="var(--jp-code-font-family)"/>
               </a:rPr>
               <a:t>Podium_Rate</a:t>
             </a:r>
             <a:r>
-              <a:rPr lang="en-US" sz="1800" dirty="0">
+              <a:rPr lang="en-US" dirty="0">
                 <a:effectLst/>
                 <a:latin typeface="var(--jp-code-font-family)"/>
               </a:rPr>
               <a:t>', '</a:t>
             </a:r>
             <a:r>
-              <a:rPr lang="en-US" sz="1800" dirty="0" err="1">
+              <a:rPr lang="en-US" dirty="0" err="1">
                 <a:effectLst/>
                 <a:latin typeface="var(--jp-code-font-family)"/>
               </a:rPr>
               <a:t>FastLap_Rate</a:t>
             </a:r>
             <a:r>
-              <a:rPr lang="en-US" sz="1800" dirty="0">
+              <a:rPr lang="en-US" dirty="0">
                 <a:effectLst/>
                 <a:latin typeface="var(--jp-code-font-family)"/>
               </a:rPr>
               <a:t>',</a:t>
             </a:r>
             <a:br>
-              <a:rPr lang="en-US" sz="1800" dirty="0">
+              <a:rPr lang="en-US" dirty="0">
                 <a:effectLst/>
                 <a:latin typeface="var(--jp-code-font-family)"/>
               </a:rPr>
             </a:br>
             <a:r>
-              <a:rPr lang="en-US" sz="1800" dirty="0">
+              <a:rPr lang="en-US" dirty="0">
                 <a:effectLst/>
                 <a:latin typeface="var(--jp-code-font-family)"/>
               </a:rPr>
               <a:t>       '</a:t>
             </a:r>
             <a:r>
-              <a:rPr lang="en-US" sz="1800" dirty="0" err="1">
+              <a:rPr lang="en-US" dirty="0" err="1">
                 <a:effectLst/>
                 <a:latin typeface="var(--jp-code-font-family)"/>
               </a:rPr>
               <a:t>Points_Per_Entry</a:t>
             </a:r>
             <a:r>
-              <a:rPr lang="en-US" sz="1800" dirty="0">
+              <a:rPr lang="en-US" dirty="0">
                 <a:effectLst/>
                 <a:latin typeface="var(--jp-code-font-family)"/>
               </a:rPr>
               <a:t>', '</a:t>
             </a:r>
             <a:r>
-              <a:rPr lang="en-US" sz="1800" dirty="0" err="1">
+              <a:rPr lang="en-US" dirty="0" err="1">
                 <a:effectLst/>
                 <a:latin typeface="var(--jp-code-font-family)"/>
               </a:rPr>
               <a:t>Years_Active</a:t>
             </a:r>
             <a:r>
-              <a:rPr lang="en-US" sz="1800" dirty="0">
+              <a:rPr lang="en-US" dirty="0">
                 <a:effectLst/>
                 <a:latin typeface="var(--jp-code-font-family)"/>
               </a:rPr>
@@ -5064,6 +5693,14 @@
 <file path=ppt/slides/slide3.xml><?xml version="1.0" encoding="utf-8"?>
 <p:sld xmlns:a="http://schemas.openxmlformats.org/drawingml/2006/main" xmlns:r="http://schemas.openxmlformats.org/officeDocument/2006/relationships" xmlns:p="http://schemas.openxmlformats.org/presentationml/2006/main">
   <p:cSld>
+    <p:bg>
+      <p:bgPr>
+        <a:solidFill>
+          <a:schemeClr val="bg1"/>
+        </a:solidFill>
+        <a:effectLst/>
+      </p:bgPr>
+    </p:bg>
     <p:spTree>
       <p:nvGrpSpPr>
         <p:cNvPr id="1" name=""/>
@@ -5080,6 +5717,134 @@
       </p:grpSpPr>
       <p:sp>
         <p:nvSpPr>
+          <p:cNvPr id="8" name="Rectangle 7">
+            <a:extLst>
+              <a:ext uri="{FF2B5EF4-FFF2-40B4-BE49-F238E27FC236}">
+                <a16:creationId xmlns:a16="http://schemas.microsoft.com/office/drawing/2014/main" id="{B1CCD5EF-766D-43B9-A25D-19122E5FB181}"/>
+              </a:ext>
+              <a:ext uri="{C183D7F6-B498-43B3-948B-1728B52AA6E4}">
+                <adec:decorative xmlns:adec="http://schemas.microsoft.com/office/drawing/2017/decorative" val="1"/>
+              </a:ext>
+            </a:extLst>
+          </p:cNvPr>
+          <p:cNvSpPr>
+            <a:spLocks noGrp="1" noRot="1" noChangeAspect="1" noMove="1" noResize="1" noEditPoints="1" noAdjustHandles="1" noChangeArrowheads="1" noChangeShapeType="1" noTextEdit="1"/>
+          </p:cNvSpPr>
+          <p:nvPr>
+            <p:extLst>
+              <p:ext uri="{386F3935-93C4-4BCD-93E2-E3B085C9AB24}">
+                <p16:designElem xmlns:p16="http://schemas.microsoft.com/office/powerpoint/2015/main" val="1"/>
+              </p:ext>
+            </p:extLst>
+          </p:nvPr>
+        </p:nvSpPr>
+        <p:spPr>
+          <a:xfrm>
+            <a:off x="643467" y="643467"/>
+            <a:ext cx="10905065" cy="1989682"/>
+          </a:xfrm>
+          <a:prstGeom prst="rect">
+            <a:avLst/>
+          </a:prstGeom>
+          <a:solidFill>
+            <a:schemeClr val="accent1"/>
+          </a:solidFill>
+          <a:ln cap="sq">
+            <a:noFill/>
+            <a:miter lim="800000"/>
+          </a:ln>
+        </p:spPr>
+        <p:style>
+          <a:lnRef idx="2">
+            <a:schemeClr val="accent1">
+              <a:shade val="50000"/>
+            </a:schemeClr>
+          </a:lnRef>
+          <a:fillRef idx="1">
+            <a:schemeClr val="accent1"/>
+          </a:fillRef>
+          <a:effectRef idx="0">
+            <a:schemeClr val="accent1"/>
+          </a:effectRef>
+          <a:fontRef idx="minor">
+            <a:schemeClr val="lt1"/>
+          </a:fontRef>
+        </p:style>
+        <p:txBody>
+          <a:bodyPr rtlCol="0" anchor="ctr"/>
+          <a:lstStyle/>
+          <a:p>
+            <a:pPr algn="ctr"/>
+            <a:endParaRPr lang="en-US"/>
+          </a:p>
+        </p:txBody>
+      </p:sp>
+      <p:sp>
+        <p:nvSpPr>
+          <p:cNvPr id="10" name="Rectangle 9">
+            <a:extLst>
+              <a:ext uri="{FF2B5EF4-FFF2-40B4-BE49-F238E27FC236}">
+                <a16:creationId xmlns:a16="http://schemas.microsoft.com/office/drawing/2014/main" id="{FD9699C9-77F1-4E33-A750-CB78C7EA29E6}"/>
+              </a:ext>
+              <a:ext uri="{C183D7F6-B498-43B3-948B-1728B52AA6E4}">
+                <adec:decorative xmlns:adec="http://schemas.microsoft.com/office/drawing/2017/decorative" val="1"/>
+              </a:ext>
+            </a:extLst>
+          </p:cNvPr>
+          <p:cNvSpPr>
+            <a:spLocks noGrp="1" noRot="1" noChangeAspect="1" noMove="1" noResize="1" noEditPoints="1" noAdjustHandles="1" noChangeArrowheads="1" noChangeShapeType="1" noTextEdit="1"/>
+          </p:cNvSpPr>
+          <p:nvPr>
+            <p:extLst>
+              <p:ext uri="{386F3935-93C4-4BCD-93E2-E3B085C9AB24}">
+                <p16:designElem xmlns:p16="http://schemas.microsoft.com/office/powerpoint/2015/main" val="1"/>
+              </p:ext>
+            </p:extLst>
+          </p:nvPr>
+        </p:nvSpPr>
+        <p:spPr>
+          <a:xfrm>
+            <a:off x="806195" y="806204"/>
+            <a:ext cx="10579608" cy="1664208"/>
+          </a:xfrm>
+          <a:prstGeom prst="rect">
+            <a:avLst/>
+          </a:prstGeom>
+          <a:noFill/>
+          <a:ln cap="sq">
+            <a:solidFill>
+              <a:schemeClr val="bg1"/>
+            </a:solidFill>
+            <a:miter lim="800000"/>
+          </a:ln>
+        </p:spPr>
+        <p:style>
+          <a:lnRef idx="2">
+            <a:schemeClr val="accent1">
+              <a:shade val="50000"/>
+            </a:schemeClr>
+          </a:lnRef>
+          <a:fillRef idx="1">
+            <a:schemeClr val="accent1"/>
+          </a:fillRef>
+          <a:effectRef idx="0">
+            <a:schemeClr val="accent1"/>
+          </a:effectRef>
+          <a:fontRef idx="minor">
+            <a:schemeClr val="lt1"/>
+          </a:fontRef>
+        </p:style>
+        <p:txBody>
+          <a:bodyPr rtlCol="0" anchor="ctr"/>
+          <a:lstStyle/>
+          <a:p>
+            <a:pPr algn="ctr"/>
+            <a:endParaRPr lang="en-US"/>
+          </a:p>
+        </p:txBody>
+      </p:sp>
+      <p:sp>
+        <p:nvSpPr>
           <p:cNvPr id="2" name="Title 1">
             <a:extLst>
               <a:ext uri="{FF2B5EF4-FFF2-40B4-BE49-F238E27FC236}">
@@ -5094,19 +5859,33 @@
             <p:ph type="title"/>
           </p:nvPr>
         </p:nvSpPr>
-        <p:spPr/>
-        <p:txBody>
-          <a:bodyPr/>
+        <p:spPr>
+          <a:xfrm>
+            <a:off x="1071846" y="1059736"/>
+            <a:ext cx="10040233" cy="1228130"/>
+          </a:xfrm>
+        </p:spPr>
+        <p:txBody>
+          <a:bodyPr>
+            <a:normAutofit/>
+          </a:bodyPr>
           <a:lstStyle/>
           <a:p>
             <a:r>
               <a:rPr lang="en-US" b="1" i="0">
+                <a:solidFill>
+                  <a:srgbClr val="FFFFFF"/>
+                </a:solidFill>
                 <a:effectLst/>
                 <a:latin typeface="system-ui"/>
               </a:rPr>
               <a:t>Data Exploration</a:t>
             </a:r>
-            <a:endParaRPr lang="en-US"/>
+            <a:endParaRPr lang="en-US">
+              <a:solidFill>
+                <a:srgbClr val="FFFFFF"/>
+              </a:solidFill>
+            </a:endParaRPr>
           </a:p>
         </p:txBody>
       </p:sp>
@@ -5126,19 +5905,24 @@
             <p:ph idx="1"/>
           </p:nvPr>
         </p:nvSpPr>
-        <p:spPr/>
+        <p:spPr>
+          <a:xfrm>
+            <a:off x="970246" y="2886681"/>
+            <a:ext cx="10040233" cy="2903099"/>
+          </a:xfrm>
+        </p:spPr>
         <p:txBody>
           <a:bodyPr>
-            <a:normAutofit fontScale="92500" lnSpcReduction="20000"/>
+            <a:noAutofit/>
           </a:bodyPr>
           <a:lstStyle/>
           <a:p>
-            <a:pPr algn="l">
+            <a:pPr>
               <a:buFont typeface="Arial" panose="020B0604020202020204" pitchFamily="34" charset="0"/>
               <a:buChar char="•"/>
             </a:pPr>
             <a:r>
-              <a:rPr lang="en-US" b="0" i="0" dirty="0">
+              <a:rPr lang="en-US" sz="1800" b="0" i="0" dirty="0">
                 <a:effectLst/>
                 <a:latin typeface="system-ui"/>
               </a:rPr>
@@ -5148,23 +5932,23 @@
           <a:p>
             <a:pPr lvl="1"/>
             <a:r>
-              <a:rPr lang="en-US" dirty="0">
+              <a:rPr lang="en-US" sz="1800" dirty="0">
                 <a:latin typeface="system-ui"/>
               </a:rPr>
               <a:t>113 rows, 22 columns</a:t>
             </a:r>
-            <a:endParaRPr lang="en-US" b="0" i="0" dirty="0">
+            <a:endParaRPr lang="en-US" sz="1800" b="0" i="0" dirty="0">
               <a:effectLst/>
               <a:latin typeface="system-ui"/>
             </a:endParaRPr>
           </a:p>
           <a:p>
-            <a:pPr algn="l">
+            <a:pPr>
               <a:buFont typeface="Arial" panose="020B0604020202020204" pitchFamily="34" charset="0"/>
               <a:buChar char="•"/>
             </a:pPr>
             <a:r>
-              <a:rPr lang="en-US" b="0" i="0" dirty="0">
+              <a:rPr lang="en-US" sz="1800" b="0" i="0" dirty="0">
                 <a:effectLst/>
                 <a:latin typeface="system-ui"/>
               </a:rPr>
@@ -5174,19 +5958,19 @@
           <a:p>
             <a:pPr lvl="1"/>
             <a:r>
-              <a:rPr lang="en-US" dirty="0">
+              <a:rPr lang="en-US" sz="1800" dirty="0">
                 <a:latin typeface="system-ui"/>
               </a:rPr>
               <a:t>Missing values in ‘Champion Years’ column for drivers who have never won a world championship</a:t>
             </a:r>
           </a:p>
           <a:p>
-            <a:pPr algn="l">
+            <a:pPr>
               <a:buFont typeface="Arial" panose="020B0604020202020204" pitchFamily="34" charset="0"/>
               <a:buChar char="•"/>
             </a:pPr>
             <a:r>
-              <a:rPr lang="en-US" b="0" i="0" dirty="0">
+              <a:rPr lang="en-US" sz="1800" b="0" i="0" dirty="0">
                 <a:effectLst/>
                 <a:latin typeface="system-ui"/>
               </a:rPr>
@@ -5196,13 +5980,13 @@
           <a:p>
             <a:pPr lvl="1"/>
             <a:r>
-              <a:rPr lang="en-US" dirty="0">
+              <a:rPr lang="en-US" sz="1800" dirty="0">
                 <a:latin typeface="system-ui"/>
               </a:rPr>
               <a:t>o</a:t>
             </a:r>
             <a:r>
-              <a:rPr lang="en-US" b="0" i="0" dirty="0">
+              <a:rPr lang="en-US" sz="1800" b="0" i="0" dirty="0">
                 <a:effectLst/>
                 <a:latin typeface="system-ui"/>
               </a:rPr>
@@ -5212,19 +5996,19 @@
           <a:p>
             <a:pPr lvl="1"/>
             <a:r>
-              <a:rPr lang="en-US" dirty="0">
+              <a:rPr lang="en-US" sz="1800" dirty="0">
                 <a:latin typeface="system-ui"/>
               </a:rPr>
               <a:t>int64: [‘Decade’, ‘</a:t>
             </a:r>
             <a:r>
-              <a:rPr lang="en-US" dirty="0" err="1">
+              <a:rPr lang="en-US" sz="1800" dirty="0" err="1">
                 <a:latin typeface="system-ui"/>
               </a:rPr>
               <a:t>Years_Active</a:t>
             </a:r>
             <a:r>
-              <a:rPr lang="en-US" dirty="0">
+              <a:rPr lang="en-US" sz="1800" dirty="0">
                 <a:latin typeface="system-ui"/>
               </a:rPr>
               <a:t>’]</a:t>
@@ -5233,205 +6017,205 @@
           <a:p>
             <a:pPr lvl="1"/>
             <a:r>
-              <a:rPr lang="en-US" dirty="0">
+              <a:rPr lang="en-US" sz="1800" dirty="0">
                 <a:latin typeface="system-ui"/>
               </a:rPr>
               <a:t>f</a:t>
             </a:r>
             <a:r>
-              <a:rPr lang="en-US" b="0" i="0" dirty="0">
+              <a:rPr lang="en-US" sz="1800" b="0" i="0" dirty="0">
                 <a:effectLst/>
                 <a:latin typeface="system-ui"/>
               </a:rPr>
               <a:t>l</a:t>
             </a:r>
             <a:r>
-              <a:rPr lang="en-US" dirty="0">
+              <a:rPr lang="en-US" sz="1800" dirty="0">
                 <a:latin typeface="system-ui"/>
               </a:rPr>
               <a:t>oat64: [</a:t>
             </a:r>
             <a:r>
-              <a:rPr lang="en-US" sz="2400" dirty="0">
+              <a:rPr lang="en-US" sz="1800" dirty="0">
                 <a:effectLst/>
                 <a:latin typeface="var(--jp-code-font-family)"/>
               </a:rPr>
               <a:t>'Championships', '</a:t>
             </a:r>
             <a:r>
-              <a:rPr lang="en-US" sz="2400" dirty="0" err="1">
+              <a:rPr lang="en-US" sz="1800" dirty="0" err="1">
                 <a:effectLst/>
                 <a:latin typeface="var(--jp-code-font-family)"/>
               </a:rPr>
               <a:t>Race_Entries</a:t>
             </a:r>
             <a:r>
-              <a:rPr lang="en-US" dirty="0">
+              <a:rPr lang="en-US" sz="1800" dirty="0">
                 <a:latin typeface="var(--jp-code-font-family)"/>
               </a:rPr>
               <a:t>’, </a:t>
             </a:r>
             <a:r>
-              <a:rPr lang="en-US" sz="2400" dirty="0">
+              <a:rPr lang="en-US" sz="1800" dirty="0">
                 <a:effectLst/>
                 <a:latin typeface="var(--jp-code-font-family)"/>
               </a:rPr>
               <a:t>'</a:t>
             </a:r>
             <a:r>
-              <a:rPr lang="en-US" sz="2400" dirty="0" err="1">
+              <a:rPr lang="en-US" sz="1800" dirty="0" err="1">
                 <a:effectLst/>
                 <a:latin typeface="var(--jp-code-font-family)"/>
               </a:rPr>
               <a:t>Race_Starts</a:t>
             </a:r>
             <a:r>
-              <a:rPr lang="en-US" sz="2400" dirty="0">
+              <a:rPr lang="en-US" sz="1800" dirty="0">
                 <a:effectLst/>
                 <a:latin typeface="var(--jp-code-font-family)"/>
               </a:rPr>
               <a:t>', '</a:t>
             </a:r>
             <a:r>
-              <a:rPr lang="en-US" sz="2400" dirty="0" err="1">
+              <a:rPr lang="en-US" sz="1800" dirty="0" err="1">
                 <a:effectLst/>
                 <a:latin typeface="var(--jp-code-font-family)"/>
               </a:rPr>
               <a:t>Pole_Positions</a:t>
             </a:r>
             <a:r>
-              <a:rPr lang="en-US" sz="2400" dirty="0">
+              <a:rPr lang="en-US" sz="1800" dirty="0">
                 <a:effectLst/>
                 <a:latin typeface="var(--jp-code-font-family)"/>
               </a:rPr>
               <a:t>', '</a:t>
             </a:r>
             <a:r>
-              <a:rPr lang="en-US" sz="2400" dirty="0" err="1">
+              <a:rPr lang="en-US" sz="1800" dirty="0" err="1">
                 <a:effectLst/>
                 <a:latin typeface="var(--jp-code-font-family)"/>
               </a:rPr>
               <a:t>Race_Wins</a:t>
             </a:r>
             <a:r>
-              <a:rPr lang="en-US" sz="2400" dirty="0">
+              <a:rPr lang="en-US" sz="1800" dirty="0">
                 <a:effectLst/>
                 <a:latin typeface="var(--jp-code-font-family)"/>
               </a:rPr>
               <a:t>', 'Podiums', '</a:t>
             </a:r>
             <a:r>
-              <a:rPr lang="en-US" sz="2400" dirty="0" err="1">
+              <a:rPr lang="en-US" sz="1800" dirty="0" err="1">
                 <a:effectLst/>
                 <a:latin typeface="var(--jp-code-font-family)"/>
               </a:rPr>
               <a:t>Fastest_Laps</a:t>
             </a:r>
             <a:r>
-              <a:rPr lang="en-US" sz="2400" dirty="0">
+              <a:rPr lang="en-US" sz="1800" dirty="0">
                 <a:effectLst/>
                 <a:latin typeface="var(--jp-code-font-family)"/>
               </a:rPr>
               <a:t>’,</a:t>
             </a:r>
             <a:r>
-              <a:rPr lang="en-US" dirty="0">
+              <a:rPr lang="en-US" sz="1800" dirty="0">
                 <a:latin typeface="var(--jp-code-font-family)"/>
               </a:rPr>
               <a:t> </a:t>
             </a:r>
             <a:r>
-              <a:rPr lang="en-US" sz="2400" dirty="0">
+              <a:rPr lang="en-US" sz="1800" dirty="0">
                 <a:effectLst/>
                 <a:latin typeface="var(--jp-code-font-family)"/>
               </a:rPr>
               <a:t>'Points', '</a:t>
             </a:r>
             <a:r>
-              <a:rPr lang="en-US" sz="2400" dirty="0" err="1">
+              <a:rPr lang="en-US" sz="1800" dirty="0" err="1">
                 <a:effectLst/>
                 <a:latin typeface="var(--jp-code-font-family)"/>
               </a:rPr>
               <a:t>Pole_Rate</a:t>
             </a:r>
             <a:r>
-              <a:rPr lang="en-US" sz="2400" dirty="0">
+              <a:rPr lang="en-US" sz="1800" dirty="0">
                 <a:effectLst/>
                 <a:latin typeface="var(--jp-code-font-family)"/>
               </a:rPr>
               <a:t>’, '</a:t>
             </a:r>
             <a:r>
-              <a:rPr lang="en-US" sz="2400" dirty="0" err="1">
+              <a:rPr lang="en-US" sz="1800" dirty="0" err="1">
                 <a:effectLst/>
                 <a:latin typeface="var(--jp-code-font-family)"/>
               </a:rPr>
               <a:t>Start_Rate</a:t>
             </a:r>
             <a:r>
-              <a:rPr lang="en-US" sz="2400" dirty="0">
+              <a:rPr lang="en-US" sz="1800" dirty="0">
                 <a:effectLst/>
                 <a:latin typeface="var(--jp-code-font-family)"/>
               </a:rPr>
               <a:t>', '</a:t>
             </a:r>
             <a:r>
-              <a:rPr lang="en-US" sz="2400" dirty="0" err="1">
+              <a:rPr lang="en-US" sz="1800" dirty="0" err="1">
                 <a:effectLst/>
                 <a:latin typeface="var(--jp-code-font-family)"/>
               </a:rPr>
               <a:t>Win_Rate</a:t>
             </a:r>
             <a:r>
-              <a:rPr lang="en-US" sz="2400" dirty="0">
+              <a:rPr lang="en-US" sz="1800" dirty="0">
                 <a:effectLst/>
                 <a:latin typeface="var(--jp-code-font-family)"/>
               </a:rPr>
               <a:t>', '</a:t>
             </a:r>
             <a:r>
-              <a:rPr lang="en-US" sz="2400" dirty="0" err="1">
+              <a:rPr lang="en-US" sz="1800" dirty="0" err="1">
                 <a:effectLst/>
                 <a:latin typeface="var(--jp-code-font-family)"/>
               </a:rPr>
               <a:t>Podium_Rate</a:t>
             </a:r>
             <a:r>
-              <a:rPr lang="en-US" sz="2400" dirty="0">
+              <a:rPr lang="en-US" sz="1800" dirty="0">
                 <a:effectLst/>
                 <a:latin typeface="var(--jp-code-font-family)"/>
               </a:rPr>
               <a:t>', '</a:t>
             </a:r>
             <a:r>
-              <a:rPr lang="en-US" sz="2400" dirty="0" err="1">
+              <a:rPr lang="en-US" sz="1800" dirty="0" err="1">
                 <a:effectLst/>
                 <a:latin typeface="var(--jp-code-font-family)"/>
               </a:rPr>
               <a:t>FastLap_Rate</a:t>
             </a:r>
             <a:r>
-              <a:rPr lang="en-US" sz="2400" dirty="0">
+              <a:rPr lang="en-US" sz="1800" dirty="0">
                 <a:effectLst/>
                 <a:latin typeface="var(--jp-code-font-family)"/>
               </a:rPr>
               <a:t>’, '</a:t>
             </a:r>
             <a:r>
-              <a:rPr lang="en-US" sz="2400" dirty="0" err="1">
+              <a:rPr lang="en-US" sz="1800" dirty="0" err="1">
                 <a:effectLst/>
                 <a:latin typeface="var(--jp-code-font-family)"/>
               </a:rPr>
               <a:t>Points_Per_Entry</a:t>
             </a:r>
             <a:r>
-              <a:rPr lang="en-US" sz="2400" dirty="0">
+              <a:rPr lang="en-US" sz="1800" dirty="0">
                 <a:effectLst/>
                 <a:latin typeface="var(--jp-code-font-family)"/>
               </a:rPr>
               <a:t>’]</a:t>
             </a:r>
-            <a:endParaRPr lang="en-US" b="0" i="0" dirty="0">
+            <a:endParaRPr lang="en-US" sz="1800" b="0" i="0" dirty="0">
               <a:effectLst/>
               <a:latin typeface="system-ui"/>
             </a:endParaRPr>
@@ -5439,30 +6223,17 @@
           <a:p>
             <a:pPr lvl="1"/>
             <a:r>
-              <a:rPr lang="en-US" dirty="0">
+              <a:rPr lang="en-US" sz="1800" dirty="0">
                 <a:latin typeface="system-ui"/>
               </a:rPr>
               <a:t>b</a:t>
             </a:r>
             <a:r>
-              <a:rPr lang="en-US" b="0" i="0" dirty="0">
+              <a:rPr lang="en-US" sz="1800" b="0" i="0" dirty="0">
                 <a:effectLst/>
                 <a:latin typeface="system-ui"/>
               </a:rPr>
               <a:t>ool: [‘Active’, ‘Champion’]</a:t>
-            </a:r>
-          </a:p>
-          <a:p>
-            <a:pPr algn="l">
-              <a:buFont typeface="Arial" panose="020B0604020202020204" pitchFamily="34" charset="0"/>
-              <a:buChar char="•"/>
-            </a:pPr>
-            <a:r>
-              <a:rPr lang="en-US" b="0" i="0" dirty="0">
-                <a:effectLst/>
-                <a:latin typeface="system-ui"/>
-              </a:rPr>
-              <a:t>What is the distribution of numerical variables?</a:t>
             </a:r>
           </a:p>
         </p:txBody>
@@ -5483,6 +6254,14 @@
 <file path=ppt/slides/slide4.xml><?xml version="1.0" encoding="utf-8"?>
 <p:sld xmlns:a="http://schemas.openxmlformats.org/drawingml/2006/main" xmlns:r="http://schemas.openxmlformats.org/officeDocument/2006/relationships" xmlns:p="http://schemas.openxmlformats.org/presentationml/2006/main">
   <p:cSld>
+    <p:bg>
+      <p:bgPr>
+        <a:solidFill>
+          <a:schemeClr val="bg1"/>
+        </a:solidFill>
+        <a:effectLst/>
+      </p:bgPr>
+    </p:bg>
     <p:spTree>
       <p:nvGrpSpPr>
         <p:cNvPr id="1" name=""/>
@@ -5497,96 +6276,125 @@
           <a:chExt cx="0" cy="0"/>
         </a:xfrm>
       </p:grpSpPr>
-      <p:pic>
-        <p:nvPicPr>
-          <p:cNvPr id="3" name="Picture 2">
+      <p:sp>
+        <p:nvSpPr>
+          <p:cNvPr id="10" name="Rectangle 9">
             <a:extLst>
               <a:ext uri="{FF2B5EF4-FFF2-40B4-BE49-F238E27FC236}">
-                <a16:creationId xmlns:a16="http://schemas.microsoft.com/office/drawing/2014/main" id="{EE414098-A31B-BABF-89F5-226F8CAD46E9}"/>
+                <a16:creationId xmlns:a16="http://schemas.microsoft.com/office/drawing/2014/main" id="{485B976C-17EF-415B-B03C-BAF9443B9DDB}"/>
+              </a:ext>
+              <a:ext uri="{C183D7F6-B498-43B3-948B-1728B52AA6E4}">
+                <adec:decorative xmlns:adec="http://schemas.microsoft.com/office/drawing/2017/decorative" val="1"/>
               </a:ext>
             </a:extLst>
           </p:cNvPr>
-          <p:cNvPicPr>
-            <a:picLocks noChangeAspect="1"/>
-          </p:cNvPicPr>
-          <p:nvPr/>
-        </p:nvPicPr>
-        <p:blipFill>
-          <a:blip r:embed="rId2"/>
-          <a:stretch>
-            <a:fillRect/>
-          </a:stretch>
-        </p:blipFill>
-        <p:spPr>
-          <a:xfrm>
-            <a:off x="2160388" y="3429000"/>
-            <a:ext cx="3511730" cy="2838596"/>
+          <p:cNvSpPr>
+            <a:spLocks noGrp="1" noRot="1" noChangeAspect="1" noMove="1" noResize="1" noEditPoints="1" noAdjustHandles="1" noChangeArrowheads="1" noChangeShapeType="1" noTextEdit="1"/>
+          </p:cNvSpPr>
+          <p:nvPr>
+            <p:extLst>
+              <p:ext uri="{386F3935-93C4-4BCD-93E2-E3B085C9AB24}">
+                <p16:designElem xmlns:p16="http://schemas.microsoft.com/office/powerpoint/2015/main" val="1"/>
+              </p:ext>
+            </p:extLst>
+          </p:nvPr>
+        </p:nvSpPr>
+        <p:spPr>
+          <a:xfrm>
+            <a:off x="0" y="0"/>
+            <a:ext cx="12192000" cy="6858000"/>
           </a:xfrm>
           <a:prstGeom prst="rect">
             <a:avLst/>
           </a:prstGeom>
-        </p:spPr>
-      </p:pic>
-      <p:pic>
-        <p:nvPicPr>
-          <p:cNvPr id="5" name="Picture 4">
+          <a:ln>
+            <a:noFill/>
+          </a:ln>
+        </p:spPr>
+        <p:style>
+          <a:lnRef idx="2">
+            <a:schemeClr val="accent1">
+              <a:shade val="50000"/>
+            </a:schemeClr>
+          </a:lnRef>
+          <a:fillRef idx="1">
+            <a:schemeClr val="accent1"/>
+          </a:fillRef>
+          <a:effectRef idx="0">
+            <a:schemeClr val="accent1"/>
+          </a:effectRef>
+          <a:fontRef idx="minor">
+            <a:schemeClr val="lt1"/>
+          </a:fontRef>
+        </p:style>
+        <p:txBody>
+          <a:bodyPr/>
+          <a:lstStyle/>
+          <a:p>
+            <a:endParaRPr lang="en-US"/>
+          </a:p>
+        </p:txBody>
+      </p:sp>
+      <p:sp>
+        <p:nvSpPr>
+          <p:cNvPr id="12" name="Rectangle 11">
             <a:extLst>
               <a:ext uri="{FF2B5EF4-FFF2-40B4-BE49-F238E27FC236}">
-                <a16:creationId xmlns:a16="http://schemas.microsoft.com/office/drawing/2014/main" id="{02D01706-B8CA-8E6A-8649-1135FB93F7D6}"/>
+                <a16:creationId xmlns:a16="http://schemas.microsoft.com/office/drawing/2014/main" id="{D9FD8598-76DF-4F25-98DC-C96298A94617}"/>
+              </a:ext>
+              <a:ext uri="{C183D7F6-B498-43B3-948B-1728B52AA6E4}">
+                <adec:decorative xmlns:adec="http://schemas.microsoft.com/office/drawing/2017/decorative" val="1"/>
               </a:ext>
             </a:extLst>
           </p:cNvPr>
-          <p:cNvPicPr>
-            <a:picLocks noChangeAspect="1"/>
-          </p:cNvPicPr>
-          <p:nvPr/>
-        </p:nvPicPr>
-        <p:blipFill>
-          <a:blip r:embed="rId3"/>
-          <a:stretch>
-            <a:fillRect/>
-          </a:stretch>
-        </p:blipFill>
-        <p:spPr>
-          <a:xfrm>
-            <a:off x="6748483" y="420315"/>
-            <a:ext cx="3511730" cy="2806844"/>
+          <p:cNvSpPr>
+            <a:spLocks noGrp="1" noRot="1" noChangeAspect="1" noMove="1" noResize="1" noEditPoints="1" noAdjustHandles="1" noChangeArrowheads="1" noChangeShapeType="1" noTextEdit="1"/>
+          </p:cNvSpPr>
+          <p:nvPr>
+            <p:extLst>
+              <p:ext uri="{386F3935-93C4-4BCD-93E2-E3B085C9AB24}">
+                <p16:designElem xmlns:p16="http://schemas.microsoft.com/office/powerpoint/2015/main" val="1"/>
+              </p:ext>
+            </p:extLst>
+          </p:nvPr>
+        </p:nvSpPr>
+        <p:spPr>
+          <a:xfrm>
+            <a:off x="0" y="0"/>
+            <a:ext cx="12192000" cy="6858000"/>
           </a:xfrm>
           <a:prstGeom prst="rect">
             <a:avLst/>
           </a:prstGeom>
-        </p:spPr>
-      </p:pic>
-      <p:pic>
-        <p:nvPicPr>
-          <p:cNvPr id="2" name="Picture 1">
-            <a:extLst>
-              <a:ext uri="{FF2B5EF4-FFF2-40B4-BE49-F238E27FC236}">
-                <a16:creationId xmlns:a16="http://schemas.microsoft.com/office/drawing/2014/main" id="{590CFE35-C43C-5027-0A4F-5666BE076244}"/>
-              </a:ext>
-            </a:extLst>
-          </p:cNvPr>
-          <p:cNvPicPr>
-            <a:picLocks noChangeAspect="1"/>
-          </p:cNvPicPr>
-          <p:nvPr/>
-        </p:nvPicPr>
-        <p:blipFill>
-          <a:blip r:embed="rId4"/>
-          <a:stretch>
-            <a:fillRect/>
-          </a:stretch>
-        </p:blipFill>
-        <p:spPr>
-          <a:xfrm>
-            <a:off x="6849175" y="3554637"/>
-            <a:ext cx="3530781" cy="2883048"/>
-          </a:xfrm>
-          <a:prstGeom prst="rect">
-            <a:avLst/>
-          </a:prstGeom>
-        </p:spPr>
-      </p:pic>
+          <a:ln>
+            <a:noFill/>
+          </a:ln>
+        </p:spPr>
+        <p:style>
+          <a:lnRef idx="2">
+            <a:schemeClr val="accent1">
+              <a:shade val="50000"/>
+            </a:schemeClr>
+          </a:lnRef>
+          <a:fillRef idx="1">
+            <a:schemeClr val="accent1"/>
+          </a:fillRef>
+          <a:effectRef idx="0">
+            <a:schemeClr val="accent1"/>
+          </a:effectRef>
+          <a:fontRef idx="minor">
+            <a:schemeClr val="lt1"/>
+          </a:fontRef>
+        </p:style>
+        <p:txBody>
+          <a:bodyPr rtlCol="0" anchor="ctr"/>
+          <a:lstStyle/>
+          <a:p>
+            <a:pPr algn="ctr"/>
+            <a:endParaRPr lang="en-US"/>
+          </a:p>
+        </p:txBody>
+      </p:sp>
       <p:sp>
         <p:nvSpPr>
           <p:cNvPr id="4" name="Title 1">
@@ -5603,15 +6411,17 @@
         </p:nvSpPr>
         <p:spPr>
           <a:xfrm>
-            <a:off x="1197428" y="1699755"/>
-            <a:ext cx="10515600" cy="1325563"/>
+            <a:off x="609601" y="4385066"/>
+            <a:ext cx="10923638" cy="1317643"/>
           </a:xfrm>
           <a:prstGeom prst="rect">
             <a:avLst/>
           </a:prstGeom>
         </p:spPr>
         <p:txBody>
-          <a:bodyPr/>
+          <a:bodyPr vert="horz" lIns="91440" tIns="45720" rIns="91440" bIns="45720" rtlCol="0" anchor="b">
+            <a:normAutofit/>
+          </a:bodyPr>
           <a:lstStyle>
             <a:lvl1pPr algn="l" defTabSz="914400" rtl="0" eaLnBrk="1" latinLnBrk="0" hangingPunct="1">
               <a:lnSpc>
@@ -5632,16 +6442,183 @@
             </a:lvl1pPr>
           </a:lstStyle>
           <a:p>
-            <a:r>
-              <a:rPr lang="en-US" b="1" dirty="0">
-                <a:latin typeface="system-ui"/>
+            <a:pPr>
+              <a:lnSpc>
+                <a:spcPct val="80000"/>
+              </a:lnSpc>
+              <a:spcAft>
+                <a:spcPts val="600"/>
+              </a:spcAft>
+            </a:pPr>
+            <a:r>
+              <a:rPr lang="en-US" sz="7200" b="1" spc="-120" dirty="0">
+                <a:solidFill>
+                  <a:srgbClr val="FFFFFF"/>
+                </a:solidFill>
               </a:rPr>
               <a:t>Univariate Analysis</a:t>
             </a:r>
-            <a:endParaRPr lang="en-US" dirty="0"/>
-          </a:p>
-        </p:txBody>
-      </p:sp>
+            <a:endParaRPr lang="en-US" sz="7200" spc="-120" dirty="0">
+              <a:solidFill>
+                <a:srgbClr val="FFFFFF"/>
+              </a:solidFill>
+            </a:endParaRPr>
+          </a:p>
+        </p:txBody>
+      </p:sp>
+      <p:sp>
+        <p:nvSpPr>
+          <p:cNvPr id="14" name="Rectangle 13">
+            <a:extLst>
+              <a:ext uri="{FF2B5EF4-FFF2-40B4-BE49-F238E27FC236}">
+                <a16:creationId xmlns:a16="http://schemas.microsoft.com/office/drawing/2014/main" id="{F889F729-ECF7-443A-9DF8-095722298C58}"/>
+              </a:ext>
+              <a:ext uri="{C183D7F6-B498-43B3-948B-1728B52AA6E4}">
+                <adec:decorative xmlns:adec="http://schemas.microsoft.com/office/drawing/2017/decorative" val="1"/>
+              </a:ext>
+            </a:extLst>
+          </p:cNvPr>
+          <p:cNvSpPr>
+            <a:spLocks noGrp="1" noRot="1" noChangeAspect="1" noMove="1" noResize="1" noEditPoints="1" noAdjustHandles="1" noChangeArrowheads="1" noChangeShapeType="1" noTextEdit="1"/>
+          </p:cNvSpPr>
+          <p:nvPr>
+            <p:extLst>
+              <p:ext uri="{386F3935-93C4-4BCD-93E2-E3B085C9AB24}">
+                <p16:designElem xmlns:p16="http://schemas.microsoft.com/office/powerpoint/2015/main" val="1"/>
+              </p:ext>
+            </p:extLst>
+          </p:nvPr>
+        </p:nvSpPr>
+        <p:spPr>
+          <a:xfrm>
+            <a:off x="0" y="-1"/>
+            <a:ext cx="12192000" cy="4310364"/>
+          </a:xfrm>
+          <a:prstGeom prst="rect">
+            <a:avLst/>
+          </a:prstGeom>
+          <a:solidFill>
+            <a:schemeClr val="tx1"/>
+          </a:solidFill>
+          <a:ln>
+            <a:noFill/>
+          </a:ln>
+        </p:spPr>
+        <p:style>
+          <a:lnRef idx="2">
+            <a:schemeClr val="accent1">
+              <a:shade val="50000"/>
+            </a:schemeClr>
+          </a:lnRef>
+          <a:fillRef idx="1">
+            <a:schemeClr val="accent1"/>
+          </a:fillRef>
+          <a:effectRef idx="0">
+            <a:schemeClr val="accent1"/>
+          </a:effectRef>
+          <a:fontRef idx="minor">
+            <a:schemeClr val="lt1"/>
+          </a:fontRef>
+        </p:style>
+        <p:txBody>
+          <a:bodyPr rtlCol="0" anchor="ctr"/>
+          <a:lstStyle/>
+          <a:p>
+            <a:pPr algn="ctr"/>
+            <a:endParaRPr lang="en-US"/>
+          </a:p>
+        </p:txBody>
+      </p:sp>
+      <p:pic>
+        <p:nvPicPr>
+          <p:cNvPr id="2" name="Picture 1">
+            <a:extLst>
+              <a:ext uri="{FF2B5EF4-FFF2-40B4-BE49-F238E27FC236}">
+                <a16:creationId xmlns:a16="http://schemas.microsoft.com/office/drawing/2014/main" id="{590CFE35-C43C-5027-0A4F-5666BE076244}"/>
+              </a:ext>
+            </a:extLst>
+          </p:cNvPr>
+          <p:cNvPicPr>
+            <a:picLocks noChangeAspect="1"/>
+          </p:cNvPicPr>
+          <p:nvPr/>
+        </p:nvPicPr>
+        <p:blipFill>
+          <a:blip r:embed="rId2"/>
+          <a:stretch>
+            <a:fillRect/>
+          </a:stretch>
+        </p:blipFill>
+        <p:spPr>
+          <a:xfrm>
+            <a:off x="643466" y="859919"/>
+            <a:ext cx="3527778" cy="2883958"/>
+          </a:xfrm>
+          <a:prstGeom prst="rect">
+            <a:avLst/>
+          </a:prstGeom>
+        </p:spPr>
+      </p:pic>
+      <p:pic>
+        <p:nvPicPr>
+          <p:cNvPr id="3" name="Picture 2">
+            <a:extLst>
+              <a:ext uri="{FF2B5EF4-FFF2-40B4-BE49-F238E27FC236}">
+                <a16:creationId xmlns:a16="http://schemas.microsoft.com/office/drawing/2014/main" id="{EE414098-A31B-BABF-89F5-226F8CAD46E9}"/>
+              </a:ext>
+            </a:extLst>
+          </p:cNvPr>
+          <p:cNvPicPr>
+            <a:picLocks noChangeAspect="1"/>
+          </p:cNvPicPr>
+          <p:nvPr/>
+        </p:nvPicPr>
+        <p:blipFill>
+          <a:blip r:embed="rId3"/>
+          <a:stretch>
+            <a:fillRect/>
+          </a:stretch>
+        </p:blipFill>
+        <p:spPr>
+          <a:xfrm>
+            <a:off x="4332111" y="882201"/>
+            <a:ext cx="3527778" cy="2848679"/>
+          </a:xfrm>
+          <a:prstGeom prst="rect">
+            <a:avLst/>
+          </a:prstGeom>
+        </p:spPr>
+      </p:pic>
+      <p:pic>
+        <p:nvPicPr>
+          <p:cNvPr id="5" name="Picture 4">
+            <a:extLst>
+              <a:ext uri="{FF2B5EF4-FFF2-40B4-BE49-F238E27FC236}">
+                <a16:creationId xmlns:a16="http://schemas.microsoft.com/office/drawing/2014/main" id="{02D01706-B8CA-8E6A-8649-1135FB93F7D6}"/>
+              </a:ext>
+            </a:extLst>
+          </p:cNvPr>
+          <p:cNvPicPr>
+            <a:picLocks noChangeAspect="1"/>
+          </p:cNvPicPr>
+          <p:nvPr/>
+        </p:nvPicPr>
+        <p:blipFill>
+          <a:blip r:embed="rId4"/>
+          <a:stretch>
+            <a:fillRect/>
+          </a:stretch>
+        </p:blipFill>
+        <p:spPr>
+          <a:xfrm>
+            <a:off x="8020756" y="895429"/>
+            <a:ext cx="3527778" cy="2822221"/>
+          </a:xfrm>
+          <a:prstGeom prst="rect">
+            <a:avLst/>
+          </a:prstGeom>
+        </p:spPr>
+      </p:pic>
     </p:spTree>
     <p:extLst>
       <p:ext uri="{BB962C8B-B14F-4D97-AF65-F5344CB8AC3E}">
@@ -5650,7 +6627,7 @@
     </p:extLst>
   </p:cSld>
   <p:clrMapOvr>
-    <a:masterClrMapping/>
+    <a:overrideClrMapping bg1="dk1" tx1="lt1" bg2="dk2" tx2="lt2" accent1="accent1" accent2="accent2" accent3="accent3" accent4="accent4" accent5="accent5" accent6="accent6" hlink="hlink" folHlink="folHlink"/>
   </p:clrMapOvr>
 </p:sld>
 </file>
@@ -5694,7 +6671,7 @@
         </p:blipFill>
         <p:spPr>
           <a:xfrm>
-            <a:off x="193669" y="163912"/>
+            <a:off x="534970" y="841726"/>
             <a:ext cx="3473629" cy="2914800"/>
           </a:xfrm>
           <a:prstGeom prst="rect">
@@ -5724,7 +6701,7 @@
         </p:blipFill>
         <p:spPr>
           <a:xfrm>
-            <a:off x="297874" y="3310563"/>
+            <a:off x="551205" y="3958378"/>
             <a:ext cx="3473629" cy="2857647"/>
           </a:xfrm>
           <a:prstGeom prst="rect">
@@ -5754,7 +6731,7 @@
         </p:blipFill>
         <p:spPr>
           <a:xfrm>
-            <a:off x="4024834" y="319211"/>
+            <a:off x="4343310" y="841726"/>
             <a:ext cx="3492679" cy="2844946"/>
           </a:xfrm>
           <a:prstGeom prst="rect">
@@ -5784,7 +6761,7 @@
         </p:blipFill>
         <p:spPr>
           <a:xfrm>
-            <a:off x="4024834" y="3429000"/>
+            <a:off x="4343310" y="3964728"/>
             <a:ext cx="3505380" cy="2857647"/>
           </a:xfrm>
           <a:prstGeom prst="rect">
@@ -5814,7 +6791,7 @@
         </p:blipFill>
         <p:spPr>
           <a:xfrm>
-            <a:off x="8170700" y="338262"/>
+            <a:off x="8388746" y="753898"/>
             <a:ext cx="3473629" cy="2825895"/>
           </a:xfrm>
           <a:prstGeom prst="rect">
@@ -5844,7 +6821,7 @@
         </p:blipFill>
         <p:spPr>
           <a:xfrm>
-            <a:off x="8170700" y="3310563"/>
+            <a:off x="8388746" y="3958378"/>
             <a:ext cx="3505380" cy="2863997"/>
           </a:xfrm>
           <a:prstGeom prst="rect">
@@ -5852,6 +6829,41 @@
           </a:prstGeom>
         </p:spPr>
       </p:pic>
+      <p:sp>
+        <p:nvSpPr>
+          <p:cNvPr id="2" name="TextBox 1">
+            <a:extLst>
+              <a:ext uri="{FF2B5EF4-FFF2-40B4-BE49-F238E27FC236}">
+                <a16:creationId xmlns:a16="http://schemas.microsoft.com/office/drawing/2014/main" id="{414B18A0-51F5-7BAA-D7E5-47FA13F50105}"/>
+              </a:ext>
+            </a:extLst>
+          </p:cNvPr>
+          <p:cNvSpPr txBox="1"/>
+          <p:nvPr/>
+        </p:nvSpPr>
+        <p:spPr>
+          <a:xfrm>
+            <a:off x="1203656" y="136786"/>
+            <a:ext cx="9784687" cy="477054"/>
+          </a:xfrm>
+          <a:prstGeom prst="rect">
+            <a:avLst/>
+          </a:prstGeom>
+          <a:noFill/>
+        </p:spPr>
+        <p:txBody>
+          <a:bodyPr wrap="square" rtlCol="0">
+            <a:spAutoFit/>
+          </a:bodyPr>
+          <a:lstStyle/>
+          <a:p>
+            <a:r>
+              <a:rPr lang="en-US" sz="2500" b="1" u="sng" dirty="0"/>
+              <a:t>Comparing distributions of Wins, Podiums, Points vs. their respective rates </a:t>
+            </a:r>
+          </a:p>
+        </p:txBody>
+      </p:sp>
     </p:spTree>
     <p:extLst>
       <p:ext uri="{BB962C8B-B14F-4D97-AF65-F5344CB8AC3E}">
@@ -5904,7 +6916,7 @@
         </p:blipFill>
         <p:spPr>
           <a:xfrm>
-            <a:off x="317211" y="1418656"/>
+            <a:off x="350262" y="1771196"/>
             <a:ext cx="5340624" cy="4210266"/>
           </a:xfrm>
           <a:prstGeom prst="rect">
@@ -5934,7 +6946,7 @@
         </p:blipFill>
         <p:spPr>
           <a:xfrm>
-            <a:off x="6029342" y="1418656"/>
+            <a:off x="6219021" y="1771196"/>
             <a:ext cx="5334274" cy="4210266"/>
           </a:xfrm>
           <a:prstGeom prst="rect">
@@ -5942,6 +6954,41 @@
           </a:prstGeom>
         </p:spPr>
       </p:pic>
+      <p:sp>
+        <p:nvSpPr>
+          <p:cNvPr id="4" name="TextBox 3">
+            <a:extLst>
+              <a:ext uri="{FF2B5EF4-FFF2-40B4-BE49-F238E27FC236}">
+                <a16:creationId xmlns:a16="http://schemas.microsoft.com/office/drawing/2014/main" id="{1428B793-009F-A41E-ED78-945C3818AE79}"/>
+              </a:ext>
+            </a:extLst>
+          </p:cNvPr>
+          <p:cNvSpPr txBox="1"/>
+          <p:nvPr/>
+        </p:nvSpPr>
+        <p:spPr>
+          <a:xfrm>
+            <a:off x="1848998" y="561067"/>
+            <a:ext cx="8494004" cy="630942"/>
+          </a:xfrm>
+          <a:prstGeom prst="rect">
+            <a:avLst/>
+          </a:prstGeom>
+          <a:noFill/>
+        </p:spPr>
+        <p:txBody>
+          <a:bodyPr wrap="square" rtlCol="0">
+            <a:spAutoFit/>
+          </a:bodyPr>
+          <a:lstStyle/>
+          <a:p>
+            <a:r>
+              <a:rPr lang="en-US" sz="3500" b="1" u="sng" dirty="0"/>
+              <a:t>Ratio of Champions &amp; distribution of total wins</a:t>
+            </a:r>
+          </a:p>
+        </p:txBody>
+      </p:sp>
     </p:spTree>
     <p:extLst>
       <p:ext uri="{BB962C8B-B14F-4D97-AF65-F5344CB8AC3E}">
@@ -5994,7 +7041,7 @@
         </p:blipFill>
         <p:spPr>
           <a:xfrm>
-            <a:off x="164528" y="1168283"/>
+            <a:off x="378284" y="1678922"/>
             <a:ext cx="5626389" cy="4521432"/>
           </a:xfrm>
           <a:prstGeom prst="rect">
@@ -6024,7 +7071,7 @@
         </p:blipFill>
         <p:spPr>
           <a:xfrm>
-            <a:off x="6715244" y="787297"/>
+            <a:off x="6632117" y="1392939"/>
             <a:ext cx="4943356" cy="4521432"/>
           </a:xfrm>
           <a:prstGeom prst="rect">
@@ -6032,6 +7079,41 @@
           </a:prstGeom>
         </p:spPr>
       </p:pic>
+      <p:sp>
+        <p:nvSpPr>
+          <p:cNvPr id="2" name="TextBox 1">
+            <a:extLst>
+              <a:ext uri="{FF2B5EF4-FFF2-40B4-BE49-F238E27FC236}">
+                <a16:creationId xmlns:a16="http://schemas.microsoft.com/office/drawing/2014/main" id="{13E48393-5FC7-0B88-6501-EB0FD0C26B99}"/>
+              </a:ext>
+            </a:extLst>
+          </p:cNvPr>
+          <p:cNvSpPr txBox="1"/>
+          <p:nvPr/>
+        </p:nvSpPr>
+        <p:spPr>
+          <a:xfrm>
+            <a:off x="4160439" y="434365"/>
+            <a:ext cx="4943356" cy="630942"/>
+          </a:xfrm>
+          <a:prstGeom prst="rect">
+            <a:avLst/>
+          </a:prstGeom>
+          <a:noFill/>
+        </p:spPr>
+        <p:txBody>
+          <a:bodyPr wrap="square" rtlCol="0">
+            <a:spAutoFit/>
+          </a:bodyPr>
+          <a:lstStyle/>
+          <a:p>
+            <a:r>
+              <a:rPr lang="en-US" sz="3500" b="1" u="sng" dirty="0"/>
+              <a:t>Data by Nationality</a:t>
+            </a:r>
+          </a:p>
+        </p:txBody>
+      </p:sp>
     </p:spTree>
     <p:extLst>
       <p:ext uri="{BB962C8B-B14F-4D97-AF65-F5344CB8AC3E}">
@@ -6168,12 +7250,12 @@
           </a:lstStyle>
           <a:p>
             <a:r>
-              <a:rPr lang="en-US" b="1" dirty="0">
+              <a:rPr lang="en-US" b="1">
                 <a:latin typeface="system-ui"/>
               </a:rPr>
               <a:t>Bivariate Analysis</a:t>
             </a:r>
-            <a:endParaRPr lang="en-US" dirty="0"/>
+            <a:endParaRPr lang="en-US"/>
           </a:p>
         </p:txBody>
       </p:sp>
@@ -6229,7 +7311,7 @@
         </p:blipFill>
         <p:spPr>
           <a:xfrm>
-            <a:off x="334143" y="1171465"/>
+            <a:off x="312110" y="1710524"/>
             <a:ext cx="5416828" cy="4286470"/>
           </a:xfrm>
           <a:prstGeom prst="rect">
@@ -6259,7 +7341,7 @@
         </p:blipFill>
         <p:spPr>
           <a:xfrm>
-            <a:off x="6096000" y="1230833"/>
+            <a:off x="6096000" y="1748626"/>
             <a:ext cx="5334274" cy="4248368"/>
           </a:xfrm>
           <a:prstGeom prst="rect">
@@ -6267,6 +7349,41 @@
           </a:prstGeom>
         </p:spPr>
       </p:pic>
+      <p:sp>
+        <p:nvSpPr>
+          <p:cNvPr id="2" name="TextBox 1">
+            <a:extLst>
+              <a:ext uri="{FF2B5EF4-FFF2-40B4-BE49-F238E27FC236}">
+                <a16:creationId xmlns:a16="http://schemas.microsoft.com/office/drawing/2014/main" id="{E9A05288-B778-4806-060A-0D4C48AE57E0}"/>
+              </a:ext>
+            </a:extLst>
+          </p:cNvPr>
+          <p:cNvSpPr txBox="1"/>
+          <p:nvPr/>
+        </p:nvSpPr>
+        <p:spPr>
+          <a:xfrm>
+            <a:off x="2853367" y="395472"/>
+            <a:ext cx="7821977" cy="630942"/>
+          </a:xfrm>
+          <a:prstGeom prst="rect">
+            <a:avLst/>
+          </a:prstGeom>
+          <a:noFill/>
+        </p:spPr>
+        <p:txBody>
+          <a:bodyPr wrap="square" rtlCol="0">
+            <a:spAutoFit/>
+          </a:bodyPr>
+          <a:lstStyle/>
+          <a:p>
+            <a:r>
+              <a:rPr lang="en-US" sz="3500" b="1" u="sng" dirty="0"/>
+              <a:t>Scatter plots of Win Rate comparisons</a:t>
+            </a:r>
+          </a:p>
+        </p:txBody>
+      </p:sp>
     </p:spTree>
     <p:extLst>
       <p:ext uri="{BB962C8B-B14F-4D97-AF65-F5344CB8AC3E}">
@@ -6281,9 +7398,9 @@
 </file>
 
 <file path=ppt/theme/theme1.xml><?xml version="1.0" encoding="utf-8"?>
-<a:theme xmlns:a="http://schemas.openxmlformats.org/drawingml/2006/main" name="Office Theme">
+<a:theme xmlns:a="http://schemas.openxmlformats.org/drawingml/2006/main" name="Metropolitan">
   <a:themeElements>
-    <a:clrScheme name="Office">
+    <a:clrScheme name="Metropolitan">
       <a:dk1>
         <a:sysClr val="windowText" lastClr="000000"/>
       </a:dk1>
@@ -6291,44 +7408,44 @@
         <a:sysClr val="window" lastClr="FFFFFF"/>
       </a:lt1>
       <a:dk2>
-        <a:srgbClr val="0E2841"/>
+        <a:srgbClr val="162F33"/>
       </a:dk2>
       <a:lt2>
-        <a:srgbClr val="E8E8E8"/>
+        <a:srgbClr val="EAF0E0"/>
       </a:lt2>
       <a:accent1>
-        <a:srgbClr val="156082"/>
+        <a:srgbClr val="50B4C8"/>
       </a:accent1>
       <a:accent2>
-        <a:srgbClr val="E97132"/>
+        <a:srgbClr val="A8B97F"/>
       </a:accent2>
       <a:accent3>
-        <a:srgbClr val="196B24"/>
+        <a:srgbClr val="9B9256"/>
       </a:accent3>
       <a:accent4>
-        <a:srgbClr val="0F9ED5"/>
+        <a:srgbClr val="657689"/>
       </a:accent4>
       <a:accent5>
-        <a:srgbClr val="A02B93"/>
+        <a:srgbClr val="7A855D"/>
       </a:accent5>
       <a:accent6>
-        <a:srgbClr val="4EA72E"/>
+        <a:srgbClr val="84AC9D"/>
       </a:accent6>
       <a:hlink>
-        <a:srgbClr val="467886"/>
+        <a:srgbClr val="2370CD"/>
       </a:hlink>
       <a:folHlink>
-        <a:srgbClr val="96607D"/>
+        <a:srgbClr val="877589"/>
       </a:folHlink>
     </a:clrScheme>
-    <a:fontScheme name="Office">
+    <a:fontScheme name="Metropolitan">
       <a:majorFont>
-        <a:latin typeface="Aptos Display" panose="02110004020202020204"/>
+        <a:latin typeface="Calibri Light" panose="020F0302020204030204"/>
         <a:ea typeface=""/>
         <a:cs typeface=""/>
-        <a:font script="Jpan" typeface="游ゴシック Light"/>
+        <a:font script="Jpan" typeface="ＭＳ Ｐゴシック"/>
         <a:font script="Hang" typeface="맑은 고딕"/>
-        <a:font script="Hans" typeface="等线 Light"/>
+        <a:font script="Hans" typeface="宋体"/>
         <a:font script="Hant" typeface="新細明體"/>
         <a:font script="Arab" typeface="Times New Roman"/>
         <a:font script="Hebr" typeface="Times New Roman"/>
@@ -6356,39 +7473,22 @@
         <a:font script="Viet" typeface="Times New Roman"/>
         <a:font script="Uigh" typeface="Microsoft Uighur"/>
         <a:font script="Geor" typeface="Sylfaen"/>
-        <a:font script="Armn" typeface="Arial"/>
-        <a:font script="Bugi" typeface="Leelawadee UI"/>
-        <a:font script="Bopo" typeface="Microsoft JhengHei"/>
-        <a:font script="Java" typeface="Javanese Text"/>
-        <a:font script="Lisu" typeface="Segoe UI"/>
-        <a:font script="Mymr" typeface="Myanmar Text"/>
-        <a:font script="Nkoo" typeface="Ebrima"/>
-        <a:font script="Olck" typeface="Nirmala UI"/>
-        <a:font script="Osma" typeface="Ebrima"/>
-        <a:font script="Phag" typeface="Phagspa"/>
-        <a:font script="Syrn" typeface="Estrangelo Edessa"/>
-        <a:font script="Syrj" typeface="Estrangelo Edessa"/>
-        <a:font script="Syre" typeface="Estrangelo Edessa"/>
-        <a:font script="Sora" typeface="Nirmala UI"/>
-        <a:font script="Tale" typeface="Microsoft Tai Le"/>
-        <a:font script="Talu" typeface="Microsoft New Tai Lue"/>
-        <a:font script="Tfng" typeface="Ebrima"/>
       </a:majorFont>
       <a:minorFont>
-        <a:latin typeface="Aptos" panose="02110004020202020204"/>
+        <a:latin typeface="Calibri Light" panose="020F0302020204030204"/>
         <a:ea typeface=""/>
         <a:cs typeface=""/>
-        <a:font script="Jpan" typeface="游ゴシック"/>
+        <a:font script="Jpan" typeface="ＭＳ Ｐゴシック"/>
         <a:font script="Hang" typeface="맑은 고딕"/>
-        <a:font script="Hans" typeface="等线"/>
+        <a:font script="Hans" typeface="宋体"/>
         <a:font script="Hant" typeface="新細明體"/>
-        <a:font script="Arab" typeface="Arial"/>
-        <a:font script="Hebr" typeface="Arial"/>
-        <a:font script="Thai" typeface="Cordia New"/>
+        <a:font script="Arab" typeface="Times New Roman"/>
+        <a:font script="Hebr" typeface="Times New Roman"/>
+        <a:font script="Thai" typeface="Angsana New"/>
         <a:font script="Ethi" typeface="Nyala"/>
         <a:font script="Beng" typeface="Vrinda"/>
         <a:font script="Gujr" typeface="Shruti"/>
-        <a:font script="Khmr" typeface="DaunPenh"/>
+        <a:font script="Khmr" typeface="MoolBoran"/>
         <a:font script="Knda" typeface="Tunga"/>
         <a:font script="Guru" typeface="Raavi"/>
         <a:font script="Cans" typeface="Euphemia"/>
@@ -6405,29 +7505,12 @@
         <a:font script="Laoo" typeface="DokChampa"/>
         <a:font script="Sinh" typeface="Iskoola Pota"/>
         <a:font script="Mong" typeface="Mongolian Baiti"/>
-        <a:font script="Viet" typeface="Arial"/>
+        <a:font script="Viet" typeface="Times New Roman"/>
         <a:font script="Uigh" typeface="Microsoft Uighur"/>
         <a:font script="Geor" typeface="Sylfaen"/>
-        <a:font script="Armn" typeface="Arial"/>
-        <a:font script="Bugi" typeface="Leelawadee UI"/>
-        <a:font script="Bopo" typeface="Microsoft JhengHei"/>
-        <a:font script="Java" typeface="Javanese Text"/>
-        <a:font script="Lisu" typeface="Segoe UI"/>
-        <a:font script="Mymr" typeface="Myanmar Text"/>
-        <a:font script="Nkoo" typeface="Ebrima"/>
-        <a:font script="Olck" typeface="Nirmala UI"/>
-        <a:font script="Osma" typeface="Ebrima"/>
-        <a:font script="Phag" typeface="Phagspa"/>
-        <a:font script="Syrn" typeface="Estrangelo Edessa"/>
-        <a:font script="Syrj" typeface="Estrangelo Edessa"/>
-        <a:font script="Syre" typeface="Estrangelo Edessa"/>
-        <a:font script="Sora" typeface="Nirmala UI"/>
-        <a:font script="Tale" typeface="Microsoft Tai Le"/>
-        <a:font script="Talu" typeface="Microsoft New Tai Lue"/>
-        <a:font script="Tfng" typeface="Ebrima"/>
       </a:minorFont>
     </a:fontScheme>
-    <a:fmtScheme name="Office">
+    <a:fmtScheme name="Metropolitan">
       <a:fillStyleLst>
         <a:solidFill>
           <a:schemeClr val="phClr"/>
@@ -6436,76 +7519,73 @@
           <a:gsLst>
             <a:gs pos="0">
               <a:schemeClr val="phClr">
+                <a:tint val="70000"/>
+                <a:satMod val="100000"/>
                 <a:lumMod val="110000"/>
-                <a:satMod val="105000"/>
-                <a:tint val="67000"/>
               </a:schemeClr>
             </a:gs>
             <a:gs pos="50000">
               <a:schemeClr val="phClr">
+                <a:tint val="75000"/>
+                <a:satMod val="101000"/>
                 <a:lumMod val="105000"/>
-                <a:satMod val="103000"/>
-                <a:tint val="73000"/>
               </a:schemeClr>
             </a:gs>
             <a:gs pos="100000">
               <a:schemeClr val="phClr">
+                <a:tint val="82000"/>
+                <a:satMod val="104000"/>
                 <a:lumMod val="105000"/>
-                <a:satMod val="109000"/>
-                <a:tint val="81000"/>
               </a:schemeClr>
             </a:gs>
           </a:gsLst>
-          <a:lin ang="5400000" scaled="0"/>
+          <a:lin ang="2700000" scaled="0"/>
         </a:gradFill>
         <a:gradFill rotWithShape="1">
           <a:gsLst>
             <a:gs pos="0">
               <a:schemeClr val="phClr">
-                <a:satMod val="103000"/>
+                <a:tint val="97000"/>
+                <a:satMod val="100000"/>
                 <a:lumMod val="102000"/>
-                <a:tint val="94000"/>
               </a:schemeClr>
             </a:gs>
             <a:gs pos="50000">
               <a:schemeClr val="phClr">
-                <a:satMod val="110000"/>
+                <a:shade val="100000"/>
+                <a:satMod val="100000"/>
                 <a:lumMod val="100000"/>
-                <a:shade val="100000"/>
               </a:schemeClr>
             </a:gs>
             <a:gs pos="100000">
               <a:schemeClr val="phClr">
+                <a:shade val="80000"/>
+                <a:satMod val="100000"/>
                 <a:lumMod val="99000"/>
-                <a:satMod val="120000"/>
-                <a:shade val="78000"/>
               </a:schemeClr>
             </a:gs>
           </a:gsLst>
-          <a:lin ang="5400000" scaled="0"/>
+          <a:lin ang="2700000" scaled="0"/>
         </a:gradFill>
       </a:fillStyleLst>
       <a:lnStyleLst>
+        <a:ln w="9525" cap="flat" cmpd="sng" algn="ctr">
+          <a:solidFill>
+            <a:schemeClr val="phClr"/>
+          </a:solidFill>
+          <a:prstDash val="solid"/>
+        </a:ln>
         <a:ln w="12700" cap="flat" cmpd="sng" algn="ctr">
           <a:solidFill>
             <a:schemeClr val="phClr"/>
           </a:solidFill>
           <a:prstDash val="solid"/>
-          <a:miter lim="800000"/>
         </a:ln>
         <a:ln w="19050" cap="flat" cmpd="sng" algn="ctr">
           <a:solidFill>
             <a:schemeClr val="phClr"/>
           </a:solidFill>
           <a:prstDash val="solid"/>
-          <a:miter lim="800000"/>
-        </a:ln>
-        <a:ln w="25400" cap="flat" cmpd="sng" algn="ctr">
-          <a:solidFill>
-            <a:schemeClr val="phClr"/>
-          </a:solidFill>
-          <a:prstDash val="solid"/>
-          <a:miter lim="800000"/>
         </a:ln>
       </a:lnStyleLst>
       <a:effectStyleLst>
@@ -6535,61 +7615,20 @@
             <a:satMod val="170000"/>
           </a:schemeClr>
         </a:solidFill>
-        <a:gradFill rotWithShape="1">
-          <a:gsLst>
-            <a:gs pos="0">
-              <a:schemeClr val="phClr">
-                <a:tint val="93000"/>
-                <a:satMod val="150000"/>
-                <a:shade val="98000"/>
-                <a:lumMod val="102000"/>
-              </a:schemeClr>
-            </a:gs>
-            <a:gs pos="50000">
-              <a:schemeClr val="phClr">
-                <a:tint val="98000"/>
-                <a:satMod val="130000"/>
-                <a:shade val="90000"/>
-                <a:lumMod val="103000"/>
-              </a:schemeClr>
-            </a:gs>
-            <a:gs pos="100000">
-              <a:schemeClr val="phClr">
-                <a:shade val="63000"/>
-                <a:satMod val="120000"/>
-              </a:schemeClr>
-            </a:gs>
-          </a:gsLst>
-          <a:lin ang="5400000" scaled="0"/>
-        </a:gradFill>
+        <a:solidFill>
+          <a:schemeClr val="phClr">
+            <a:shade val="95000"/>
+            <a:satMod val="170000"/>
+          </a:schemeClr>
+        </a:solidFill>
       </a:bgFillStyleLst>
     </a:fmtScheme>
   </a:themeElements>
-  <a:objectDefaults>
-    <a:lnDef>
-      <a:spPr/>
-      <a:bodyPr/>
-      <a:lstStyle/>
-      <a:style>
-        <a:lnRef idx="2">
-          <a:schemeClr val="accent1"/>
-        </a:lnRef>
-        <a:fillRef idx="0">
-          <a:schemeClr val="accent1"/>
-        </a:fillRef>
-        <a:effectRef idx="1">
-          <a:schemeClr val="accent1"/>
-        </a:effectRef>
-        <a:fontRef idx="minor">
-          <a:schemeClr val="tx1"/>
-        </a:fontRef>
-      </a:style>
-    </a:lnDef>
-  </a:objectDefaults>
+  <a:objectDefaults/>
   <a:extraClrSchemeLst/>
   <a:extLst>
     <a:ext uri="{05A4C25C-085E-4340-85A3-A5531E510DB2}">
-      <thm15:themeFamily xmlns:thm15="http://schemas.microsoft.com/office/thememl/2012/main" name="Office Theme" id="{2E142A2C-CD16-42D6-873A-C26D2A0506FA}" vid="{1BDDFF52-6CD6-40A5-AB3C-68EB2F1E4D0A}"/>
+      <thm15:themeFamily xmlns:thm15="http://schemas.microsoft.com/office/thememl/2012/main" name="Metropolitan" id="{4C5440D6-04D2-4954-96CF-F251137069B2}" vid="{79CFCA13-9412-4290-BB4B-85112F88857B}"/>
     </a:ext>
   </a:extLst>
 </a:theme>
